--- a/MatlabLanguageSamples/Matlab/findop/findop_GRAPHICS.pptx
+++ b/MatlabLanguageSamples/Matlab/findop/findop_GRAPHICS.pptx
@@ -6,26 +6,28 @@
   </p:sldMasterIdLst>
   <p:sldIdLst>
     <p:sldId id="257" r:id="rId2"/>
-    <p:sldId id="274" r:id="rId3"/>
-    <p:sldId id="256" r:id="rId4"/>
-    <p:sldId id="273" r:id="rId5"/>
-    <p:sldId id="262" r:id="rId6"/>
-    <p:sldId id="263" r:id="rId7"/>
-    <p:sldId id="264" r:id="rId8"/>
-    <p:sldId id="265" r:id="rId9"/>
-    <p:sldId id="266" r:id="rId10"/>
-    <p:sldId id="267" r:id="rId11"/>
-    <p:sldId id="272" r:id="rId12"/>
-    <p:sldId id="275" r:id="rId13"/>
-    <p:sldId id="268" r:id="rId14"/>
-    <p:sldId id="258" r:id="rId15"/>
-    <p:sldId id="269" r:id="rId16"/>
-    <p:sldId id="276" r:id="rId17"/>
-    <p:sldId id="259" r:id="rId18"/>
-    <p:sldId id="271" r:id="rId19"/>
-    <p:sldId id="270" r:id="rId20"/>
-    <p:sldId id="277" r:id="rId21"/>
-    <p:sldId id="278" r:id="rId22"/>
+    <p:sldId id="280" r:id="rId3"/>
+    <p:sldId id="279" r:id="rId4"/>
+    <p:sldId id="274" r:id="rId5"/>
+    <p:sldId id="256" r:id="rId6"/>
+    <p:sldId id="273" r:id="rId7"/>
+    <p:sldId id="262" r:id="rId8"/>
+    <p:sldId id="263" r:id="rId9"/>
+    <p:sldId id="264" r:id="rId10"/>
+    <p:sldId id="265" r:id="rId11"/>
+    <p:sldId id="266" r:id="rId12"/>
+    <p:sldId id="267" r:id="rId13"/>
+    <p:sldId id="272" r:id="rId14"/>
+    <p:sldId id="275" r:id="rId15"/>
+    <p:sldId id="268" r:id="rId16"/>
+    <p:sldId id="258" r:id="rId17"/>
+    <p:sldId id="269" r:id="rId18"/>
+    <p:sldId id="276" r:id="rId19"/>
+    <p:sldId id="259" r:id="rId20"/>
+    <p:sldId id="271" r:id="rId21"/>
+    <p:sldId id="270" r:id="rId22"/>
+    <p:sldId id="277" r:id="rId23"/>
+    <p:sldId id="278" r:id="rId24"/>
   </p:sldIdLst>
   <p:sldSz cx="12192000" cy="6858000"/>
   <p:notesSz cx="6858000" cy="9144000"/>
@@ -130,6 +132,8 @@
         <p14:section name="Default Section" id="{82E9AFBD-4D59-487D-8782-A89BE7CBDE5C}">
           <p14:sldIdLst>
             <p14:sldId id="257"/>
+            <p14:sldId id="280"/>
+            <p14:sldId id="279"/>
             <p14:sldId id="274"/>
             <p14:sldId id="256"/>
             <p14:sldId id="273"/>
@@ -211,10 +215,9 @@
           </a:lstStyle>
           <a:p>
             <a:r>
-              <a:rPr lang="en-US" smtClean="0"/>
+              <a:rPr lang="en-US"/>
               <a:t>Click to edit Master title style</a:t>
             </a:r>
-            <a:endParaRPr lang="en-US"/>
           </a:p>
         </p:txBody>
       </p:sp>
@@ -276,10 +279,9 @@
           </a:lstStyle>
           <a:p>
             <a:r>
-              <a:rPr lang="en-US" smtClean="0"/>
+              <a:rPr lang="en-US"/>
               <a:t>Click to edit Master subtitle style</a:t>
             </a:r>
-            <a:endParaRPr lang="en-US"/>
           </a:p>
         </p:txBody>
       </p:sp>
@@ -300,7 +302,7 @@
           <a:p>
             <a:fld id="{91609BD3-0346-4A5A-96F0-3BC5C43B303C}" type="datetimeFigureOut">
               <a:rPr lang="en-US" smtClean="0"/>
-              <a:t>5/24/2021</a:t>
+              <a:t>1/7/2024</a:t>
             </a:fld>
             <a:endParaRPr lang="en-US"/>
           </a:p>
@@ -394,10 +396,9 @@
           <a:lstStyle/>
           <a:p>
             <a:r>
-              <a:rPr lang="en-US" smtClean="0"/>
+              <a:rPr lang="en-US"/>
               <a:t>Click to edit Master title style</a:t>
             </a:r>
-            <a:endParaRPr lang="en-US"/>
           </a:p>
         </p:txBody>
       </p:sp>
@@ -418,38 +419,37 @@
           <a:p>
             <a:pPr lvl="0"/>
             <a:r>
-              <a:rPr lang="en-US" smtClean="0"/>
+              <a:rPr lang="en-US"/>
               <a:t>Click to edit Master text styles</a:t>
             </a:r>
           </a:p>
           <a:p>
             <a:pPr lvl="1"/>
             <a:r>
-              <a:rPr lang="en-US" smtClean="0"/>
+              <a:rPr lang="en-US"/>
               <a:t>Second level</a:t>
             </a:r>
           </a:p>
           <a:p>
             <a:pPr lvl="2"/>
             <a:r>
-              <a:rPr lang="en-US" smtClean="0"/>
+              <a:rPr lang="en-US"/>
               <a:t>Third level</a:t>
             </a:r>
           </a:p>
           <a:p>
             <a:pPr lvl="3"/>
             <a:r>
-              <a:rPr lang="en-US" smtClean="0"/>
+              <a:rPr lang="en-US"/>
               <a:t>Fourth level</a:t>
             </a:r>
           </a:p>
           <a:p>
             <a:pPr lvl="4"/>
             <a:r>
-              <a:rPr lang="en-US" smtClean="0"/>
+              <a:rPr lang="en-US"/>
               <a:t>Fifth level</a:t>
             </a:r>
-            <a:endParaRPr lang="en-US"/>
           </a:p>
         </p:txBody>
       </p:sp>
@@ -470,7 +470,7 @@
           <a:p>
             <a:fld id="{91609BD3-0346-4A5A-96F0-3BC5C43B303C}" type="datetimeFigureOut">
               <a:rPr lang="en-US" smtClean="0"/>
-              <a:t>5/24/2021</a:t>
+              <a:t>1/7/2024</a:t>
             </a:fld>
             <a:endParaRPr lang="en-US"/>
           </a:p>
@@ -569,10 +569,9 @@
           <a:lstStyle/>
           <a:p>
             <a:r>
-              <a:rPr lang="en-US" smtClean="0"/>
+              <a:rPr lang="en-US"/>
               <a:t>Click to edit Master title style</a:t>
             </a:r>
-            <a:endParaRPr lang="en-US"/>
           </a:p>
         </p:txBody>
       </p:sp>
@@ -598,38 +597,37 @@
           <a:p>
             <a:pPr lvl="0"/>
             <a:r>
-              <a:rPr lang="en-US" smtClean="0"/>
+              <a:rPr lang="en-US"/>
               <a:t>Click to edit Master text styles</a:t>
             </a:r>
           </a:p>
           <a:p>
             <a:pPr lvl="1"/>
             <a:r>
-              <a:rPr lang="en-US" smtClean="0"/>
+              <a:rPr lang="en-US"/>
               <a:t>Second level</a:t>
             </a:r>
           </a:p>
           <a:p>
             <a:pPr lvl="2"/>
             <a:r>
-              <a:rPr lang="en-US" smtClean="0"/>
+              <a:rPr lang="en-US"/>
               <a:t>Third level</a:t>
             </a:r>
           </a:p>
           <a:p>
             <a:pPr lvl="3"/>
             <a:r>
-              <a:rPr lang="en-US" smtClean="0"/>
+              <a:rPr lang="en-US"/>
               <a:t>Fourth level</a:t>
             </a:r>
           </a:p>
           <a:p>
             <a:pPr lvl="4"/>
             <a:r>
-              <a:rPr lang="en-US" smtClean="0"/>
+              <a:rPr lang="en-US"/>
               <a:t>Fifth level</a:t>
             </a:r>
-            <a:endParaRPr lang="en-US"/>
           </a:p>
         </p:txBody>
       </p:sp>
@@ -650,7 +648,7 @@
           <a:p>
             <a:fld id="{91609BD3-0346-4A5A-96F0-3BC5C43B303C}" type="datetimeFigureOut">
               <a:rPr lang="en-US" smtClean="0"/>
-              <a:t>5/24/2021</a:t>
+              <a:t>1/7/2024</a:t>
             </a:fld>
             <a:endParaRPr lang="en-US"/>
           </a:p>
@@ -744,10 +742,9 @@
           <a:lstStyle/>
           <a:p>
             <a:r>
-              <a:rPr lang="en-US" smtClean="0"/>
+              <a:rPr lang="en-US"/>
               <a:t>Click to edit Master title style</a:t>
             </a:r>
-            <a:endParaRPr lang="en-US"/>
           </a:p>
         </p:txBody>
       </p:sp>
@@ -768,38 +765,37 @@
           <a:p>
             <a:pPr lvl="0"/>
             <a:r>
-              <a:rPr lang="en-US" smtClean="0"/>
+              <a:rPr lang="en-US"/>
               <a:t>Click to edit Master text styles</a:t>
             </a:r>
           </a:p>
           <a:p>
             <a:pPr lvl="1"/>
             <a:r>
-              <a:rPr lang="en-US" smtClean="0"/>
+              <a:rPr lang="en-US"/>
               <a:t>Second level</a:t>
             </a:r>
           </a:p>
           <a:p>
             <a:pPr lvl="2"/>
             <a:r>
-              <a:rPr lang="en-US" smtClean="0"/>
+              <a:rPr lang="en-US"/>
               <a:t>Third level</a:t>
             </a:r>
           </a:p>
           <a:p>
             <a:pPr lvl="3"/>
             <a:r>
-              <a:rPr lang="en-US" smtClean="0"/>
+              <a:rPr lang="en-US"/>
               <a:t>Fourth level</a:t>
             </a:r>
           </a:p>
           <a:p>
             <a:pPr lvl="4"/>
             <a:r>
-              <a:rPr lang="en-US" smtClean="0"/>
+              <a:rPr lang="en-US"/>
               <a:t>Fifth level</a:t>
             </a:r>
-            <a:endParaRPr lang="en-US"/>
           </a:p>
         </p:txBody>
       </p:sp>
@@ -820,7 +816,7 @@
           <a:p>
             <a:fld id="{91609BD3-0346-4A5A-96F0-3BC5C43B303C}" type="datetimeFigureOut">
               <a:rPr lang="en-US" smtClean="0"/>
-              <a:t>5/24/2021</a:t>
+              <a:t>1/7/2024</a:t>
             </a:fld>
             <a:endParaRPr lang="en-US"/>
           </a:p>
@@ -923,10 +919,9 @@
           </a:lstStyle>
           <a:p>
             <a:r>
-              <a:rPr lang="en-US" smtClean="0"/>
+              <a:rPr lang="en-US"/>
               <a:t>Click to edit Master title style</a:t>
             </a:r>
-            <a:endParaRPr lang="en-US"/>
           </a:p>
         </p:txBody>
       </p:sp>
@@ -1043,7 +1038,7 @@
           <a:p>
             <a:pPr lvl="0"/>
             <a:r>
-              <a:rPr lang="en-US" smtClean="0"/>
+              <a:rPr lang="en-US"/>
               <a:t>Click to edit Master text styles</a:t>
             </a:r>
           </a:p>
@@ -1066,7 +1061,7 @@
           <a:p>
             <a:fld id="{91609BD3-0346-4A5A-96F0-3BC5C43B303C}" type="datetimeFigureOut">
               <a:rPr lang="en-US" smtClean="0"/>
-              <a:t>5/24/2021</a:t>
+              <a:t>1/7/2024</a:t>
             </a:fld>
             <a:endParaRPr lang="en-US"/>
           </a:p>
@@ -1160,10 +1155,9 @@
           <a:lstStyle/>
           <a:p>
             <a:r>
-              <a:rPr lang="en-US" smtClean="0"/>
+              <a:rPr lang="en-US"/>
               <a:t>Click to edit Master title style</a:t>
             </a:r>
-            <a:endParaRPr lang="en-US"/>
           </a:p>
         </p:txBody>
       </p:sp>
@@ -1189,38 +1183,37 @@
           <a:p>
             <a:pPr lvl="0"/>
             <a:r>
-              <a:rPr lang="en-US" smtClean="0"/>
+              <a:rPr lang="en-US"/>
               <a:t>Click to edit Master text styles</a:t>
             </a:r>
           </a:p>
           <a:p>
             <a:pPr lvl="1"/>
             <a:r>
-              <a:rPr lang="en-US" smtClean="0"/>
+              <a:rPr lang="en-US"/>
               <a:t>Second level</a:t>
             </a:r>
           </a:p>
           <a:p>
             <a:pPr lvl="2"/>
             <a:r>
-              <a:rPr lang="en-US" smtClean="0"/>
+              <a:rPr lang="en-US"/>
               <a:t>Third level</a:t>
             </a:r>
           </a:p>
           <a:p>
             <a:pPr lvl="3"/>
             <a:r>
-              <a:rPr lang="en-US" smtClean="0"/>
+              <a:rPr lang="en-US"/>
               <a:t>Fourth level</a:t>
             </a:r>
           </a:p>
           <a:p>
             <a:pPr lvl="4"/>
             <a:r>
-              <a:rPr lang="en-US" smtClean="0"/>
+              <a:rPr lang="en-US"/>
               <a:t>Fifth level</a:t>
             </a:r>
-            <a:endParaRPr lang="en-US"/>
           </a:p>
         </p:txBody>
       </p:sp>
@@ -1246,38 +1239,37 @@
           <a:p>
             <a:pPr lvl="0"/>
             <a:r>
-              <a:rPr lang="en-US" smtClean="0"/>
+              <a:rPr lang="en-US"/>
               <a:t>Click to edit Master text styles</a:t>
             </a:r>
           </a:p>
           <a:p>
             <a:pPr lvl="1"/>
             <a:r>
-              <a:rPr lang="en-US" smtClean="0"/>
+              <a:rPr lang="en-US"/>
               <a:t>Second level</a:t>
             </a:r>
           </a:p>
           <a:p>
             <a:pPr lvl="2"/>
             <a:r>
-              <a:rPr lang="en-US" smtClean="0"/>
+              <a:rPr lang="en-US"/>
               <a:t>Third level</a:t>
             </a:r>
           </a:p>
           <a:p>
             <a:pPr lvl="3"/>
             <a:r>
-              <a:rPr lang="en-US" smtClean="0"/>
+              <a:rPr lang="en-US"/>
               <a:t>Fourth level</a:t>
             </a:r>
           </a:p>
           <a:p>
             <a:pPr lvl="4"/>
             <a:r>
-              <a:rPr lang="en-US" smtClean="0"/>
+              <a:rPr lang="en-US"/>
               <a:t>Fifth level</a:t>
             </a:r>
-            <a:endParaRPr lang="en-US"/>
           </a:p>
         </p:txBody>
       </p:sp>
@@ -1298,7 +1290,7 @@
           <a:p>
             <a:fld id="{91609BD3-0346-4A5A-96F0-3BC5C43B303C}" type="datetimeFigureOut">
               <a:rPr lang="en-US" smtClean="0"/>
-              <a:t>5/24/2021</a:t>
+              <a:t>1/7/2024</a:t>
             </a:fld>
             <a:endParaRPr lang="en-US"/>
           </a:p>
@@ -1397,10 +1389,9 @@
           <a:lstStyle/>
           <a:p>
             <a:r>
-              <a:rPr lang="en-US" smtClean="0"/>
+              <a:rPr lang="en-US"/>
               <a:t>Click to edit Master title style</a:t>
             </a:r>
-            <a:endParaRPr lang="en-US"/>
           </a:p>
         </p:txBody>
       </p:sp>
@@ -1463,7 +1454,7 @@
           <a:p>
             <a:pPr lvl="0"/>
             <a:r>
-              <a:rPr lang="en-US" smtClean="0"/>
+              <a:rPr lang="en-US"/>
               <a:t>Click to edit Master text styles</a:t>
             </a:r>
           </a:p>
@@ -1491,38 +1482,37 @@
           <a:p>
             <a:pPr lvl="0"/>
             <a:r>
-              <a:rPr lang="en-US" smtClean="0"/>
+              <a:rPr lang="en-US"/>
               <a:t>Click to edit Master text styles</a:t>
             </a:r>
           </a:p>
           <a:p>
             <a:pPr lvl="1"/>
             <a:r>
-              <a:rPr lang="en-US" smtClean="0"/>
+              <a:rPr lang="en-US"/>
               <a:t>Second level</a:t>
             </a:r>
           </a:p>
           <a:p>
             <a:pPr lvl="2"/>
             <a:r>
-              <a:rPr lang="en-US" smtClean="0"/>
+              <a:rPr lang="en-US"/>
               <a:t>Third level</a:t>
             </a:r>
           </a:p>
           <a:p>
             <a:pPr lvl="3"/>
             <a:r>
-              <a:rPr lang="en-US" smtClean="0"/>
+              <a:rPr lang="en-US"/>
               <a:t>Fourth level</a:t>
             </a:r>
           </a:p>
           <a:p>
             <a:pPr lvl="4"/>
             <a:r>
-              <a:rPr lang="en-US" smtClean="0"/>
+              <a:rPr lang="en-US"/>
               <a:t>Fifth level</a:t>
             </a:r>
-            <a:endParaRPr lang="en-US"/>
           </a:p>
         </p:txBody>
       </p:sp>
@@ -1585,7 +1575,7 @@
           <a:p>
             <a:pPr lvl="0"/>
             <a:r>
-              <a:rPr lang="en-US" smtClean="0"/>
+              <a:rPr lang="en-US"/>
               <a:t>Click to edit Master text styles</a:t>
             </a:r>
           </a:p>
@@ -1613,38 +1603,37 @@
           <a:p>
             <a:pPr lvl="0"/>
             <a:r>
-              <a:rPr lang="en-US" smtClean="0"/>
+              <a:rPr lang="en-US"/>
               <a:t>Click to edit Master text styles</a:t>
             </a:r>
           </a:p>
           <a:p>
             <a:pPr lvl="1"/>
             <a:r>
-              <a:rPr lang="en-US" smtClean="0"/>
+              <a:rPr lang="en-US"/>
               <a:t>Second level</a:t>
             </a:r>
           </a:p>
           <a:p>
             <a:pPr lvl="2"/>
             <a:r>
-              <a:rPr lang="en-US" smtClean="0"/>
+              <a:rPr lang="en-US"/>
               <a:t>Third level</a:t>
             </a:r>
           </a:p>
           <a:p>
             <a:pPr lvl="3"/>
             <a:r>
-              <a:rPr lang="en-US" smtClean="0"/>
+              <a:rPr lang="en-US"/>
               <a:t>Fourth level</a:t>
             </a:r>
           </a:p>
           <a:p>
             <a:pPr lvl="4"/>
             <a:r>
-              <a:rPr lang="en-US" smtClean="0"/>
+              <a:rPr lang="en-US"/>
               <a:t>Fifth level</a:t>
             </a:r>
-            <a:endParaRPr lang="en-US"/>
           </a:p>
         </p:txBody>
       </p:sp>
@@ -1665,7 +1654,7 @@
           <a:p>
             <a:fld id="{91609BD3-0346-4A5A-96F0-3BC5C43B303C}" type="datetimeFigureOut">
               <a:rPr lang="en-US" smtClean="0"/>
-              <a:t>5/24/2021</a:t>
+              <a:t>1/7/2024</a:t>
             </a:fld>
             <a:endParaRPr lang="en-US"/>
           </a:p>
@@ -1759,10 +1748,9 @@
           <a:lstStyle/>
           <a:p>
             <a:r>
-              <a:rPr lang="en-US" smtClean="0"/>
+              <a:rPr lang="en-US"/>
               <a:t>Click to edit Master title style</a:t>
             </a:r>
-            <a:endParaRPr lang="en-US"/>
           </a:p>
         </p:txBody>
       </p:sp>
@@ -1783,7 +1771,7 @@
           <a:p>
             <a:fld id="{91609BD3-0346-4A5A-96F0-3BC5C43B303C}" type="datetimeFigureOut">
               <a:rPr lang="en-US" smtClean="0"/>
-              <a:t>5/24/2021</a:t>
+              <a:t>1/7/2024</a:t>
             </a:fld>
             <a:endParaRPr lang="en-US"/>
           </a:p>
@@ -1878,7 +1866,7 @@
           <a:p>
             <a:fld id="{91609BD3-0346-4A5A-96F0-3BC5C43B303C}" type="datetimeFigureOut">
               <a:rPr lang="en-US" smtClean="0"/>
-              <a:t>5/24/2021</a:t>
+              <a:t>1/7/2024</a:t>
             </a:fld>
             <a:endParaRPr lang="en-US"/>
           </a:p>
@@ -1981,10 +1969,9 @@
           </a:lstStyle>
           <a:p>
             <a:r>
-              <a:rPr lang="en-US" smtClean="0"/>
+              <a:rPr lang="en-US"/>
               <a:t>Click to edit Master title style</a:t>
             </a:r>
-            <a:endParaRPr lang="en-US"/>
           </a:p>
         </p:txBody>
       </p:sp>
@@ -2038,38 +2025,37 @@
           <a:p>
             <a:pPr lvl="0"/>
             <a:r>
-              <a:rPr lang="en-US" smtClean="0"/>
+              <a:rPr lang="en-US"/>
               <a:t>Click to edit Master text styles</a:t>
             </a:r>
           </a:p>
           <a:p>
             <a:pPr lvl="1"/>
             <a:r>
-              <a:rPr lang="en-US" smtClean="0"/>
+              <a:rPr lang="en-US"/>
               <a:t>Second level</a:t>
             </a:r>
           </a:p>
           <a:p>
             <a:pPr lvl="2"/>
             <a:r>
-              <a:rPr lang="en-US" smtClean="0"/>
+              <a:rPr lang="en-US"/>
               <a:t>Third level</a:t>
             </a:r>
           </a:p>
           <a:p>
             <a:pPr lvl="3"/>
             <a:r>
-              <a:rPr lang="en-US" smtClean="0"/>
+              <a:rPr lang="en-US"/>
               <a:t>Fourth level</a:t>
             </a:r>
           </a:p>
           <a:p>
             <a:pPr lvl="4"/>
             <a:r>
-              <a:rPr lang="en-US" smtClean="0"/>
+              <a:rPr lang="en-US"/>
               <a:t>Fifth level</a:t>
             </a:r>
-            <a:endParaRPr lang="en-US"/>
           </a:p>
         </p:txBody>
       </p:sp>
@@ -2132,7 +2118,7 @@
           <a:p>
             <a:pPr lvl="0"/>
             <a:r>
-              <a:rPr lang="en-US" smtClean="0"/>
+              <a:rPr lang="en-US"/>
               <a:t>Click to edit Master text styles</a:t>
             </a:r>
           </a:p>
@@ -2155,7 +2141,7 @@
           <a:p>
             <a:fld id="{91609BD3-0346-4A5A-96F0-3BC5C43B303C}" type="datetimeFigureOut">
               <a:rPr lang="en-US" smtClean="0"/>
-              <a:t>5/24/2021</a:t>
+              <a:t>1/7/2024</a:t>
             </a:fld>
             <a:endParaRPr lang="en-US"/>
           </a:p>
@@ -2258,10 +2244,9 @@
           </a:lstStyle>
           <a:p>
             <a:r>
-              <a:rPr lang="en-US" smtClean="0"/>
+              <a:rPr lang="en-US"/>
               <a:t>Click to edit Master title style</a:t>
             </a:r>
-            <a:endParaRPr lang="en-US"/>
           </a:p>
         </p:txBody>
       </p:sp>
@@ -2385,7 +2370,7 @@
           <a:p>
             <a:pPr lvl="0"/>
             <a:r>
-              <a:rPr lang="en-US" smtClean="0"/>
+              <a:rPr lang="en-US"/>
               <a:t>Click to edit Master text styles</a:t>
             </a:r>
           </a:p>
@@ -2408,7 +2393,7 @@
           <a:p>
             <a:fld id="{91609BD3-0346-4A5A-96F0-3BC5C43B303C}" type="datetimeFigureOut">
               <a:rPr lang="en-US" smtClean="0"/>
-              <a:t>5/24/2021</a:t>
+              <a:t>1/7/2024</a:t>
             </a:fld>
             <a:endParaRPr lang="en-US"/>
           </a:p>
@@ -2517,10 +2502,9 @@
           <a:lstStyle/>
           <a:p>
             <a:r>
-              <a:rPr lang="en-US" smtClean="0"/>
+              <a:rPr lang="en-US"/>
               <a:t>Click to edit Master title style</a:t>
             </a:r>
-            <a:endParaRPr lang="en-US"/>
           </a:p>
         </p:txBody>
       </p:sp>
@@ -2551,38 +2535,37 @@
           <a:p>
             <a:pPr lvl="0"/>
             <a:r>
-              <a:rPr lang="en-US" smtClean="0"/>
+              <a:rPr lang="en-US"/>
               <a:t>Click to edit Master text styles</a:t>
             </a:r>
           </a:p>
           <a:p>
             <a:pPr lvl="1"/>
             <a:r>
-              <a:rPr lang="en-US" smtClean="0"/>
+              <a:rPr lang="en-US"/>
               <a:t>Second level</a:t>
             </a:r>
           </a:p>
           <a:p>
             <a:pPr lvl="2"/>
             <a:r>
-              <a:rPr lang="en-US" smtClean="0"/>
+              <a:rPr lang="en-US"/>
               <a:t>Third level</a:t>
             </a:r>
           </a:p>
           <a:p>
             <a:pPr lvl="3"/>
             <a:r>
-              <a:rPr lang="en-US" smtClean="0"/>
+              <a:rPr lang="en-US"/>
               <a:t>Fourth level</a:t>
             </a:r>
           </a:p>
           <a:p>
             <a:pPr lvl="4"/>
             <a:r>
-              <a:rPr lang="en-US" smtClean="0"/>
+              <a:rPr lang="en-US"/>
               <a:t>Fifth level</a:t>
             </a:r>
-            <a:endParaRPr lang="en-US"/>
           </a:p>
         </p:txBody>
       </p:sp>
@@ -2621,7 +2604,7 @@
           <a:p>
             <a:fld id="{91609BD3-0346-4A5A-96F0-3BC5C43B303C}" type="datetimeFigureOut">
               <a:rPr lang="en-US" smtClean="0"/>
-              <a:t>5/24/2021</a:t>
+              <a:t>1/7/2024</a:t>
             </a:fld>
             <a:endParaRPr lang="en-US"/>
           </a:p>
@@ -3028,7 +3011,13 @@
       </p:grpSpPr>
       <p:pic>
         <p:nvPicPr>
-          <p:cNvPr id="2" name="Picture 1"/>
+          <p:cNvPr id="4" name="Picture 3">
+            <a:extLst>
+              <a:ext uri="{FF2B5EF4-FFF2-40B4-BE49-F238E27FC236}">
+                <a16:creationId xmlns:a16="http://schemas.microsoft.com/office/drawing/2014/main" id="{B06127B2-CF90-4559-79E4-B7AD6E112C59}"/>
+              </a:ext>
+            </a:extLst>
+          </p:cNvPr>
           <p:cNvPicPr>
             <a:picLocks noChangeAspect="1"/>
           </p:cNvPicPr>
@@ -3042,14 +3031,379 @@
         </p:blipFill>
         <p:spPr>
           <a:xfrm>
-            <a:off x="1990725" y="1709737"/>
-            <a:ext cx="8210550" cy="3438525"/>
+            <a:off x="0" y="114215"/>
+            <a:ext cx="3134162" cy="3029373"/>
           </a:xfrm>
           <a:prstGeom prst="rect">
             <a:avLst/>
           </a:prstGeom>
         </p:spPr>
       </p:pic>
+      <p:pic>
+        <p:nvPicPr>
+          <p:cNvPr id="8" name="Picture 7">
+            <a:extLst>
+              <a:ext uri="{FF2B5EF4-FFF2-40B4-BE49-F238E27FC236}">
+                <a16:creationId xmlns:a16="http://schemas.microsoft.com/office/drawing/2014/main" id="{C7D12680-ECD8-CECC-2FA2-B222077758E8}"/>
+              </a:ext>
+            </a:extLst>
+          </p:cNvPr>
+          <p:cNvPicPr>
+            <a:picLocks noChangeAspect="1"/>
+          </p:cNvPicPr>
+          <p:nvPr/>
+        </p:nvPicPr>
+        <p:blipFill>
+          <a:blip r:embed="rId3"/>
+          <a:stretch>
+            <a:fillRect/>
+          </a:stretch>
+        </p:blipFill>
+        <p:spPr>
+          <a:xfrm>
+            <a:off x="182136" y="5475600"/>
+            <a:ext cx="8726118" cy="4725059"/>
+          </a:xfrm>
+          <a:prstGeom prst="rect">
+            <a:avLst/>
+          </a:prstGeom>
+        </p:spPr>
+      </p:pic>
+      <p:sp>
+        <p:nvSpPr>
+          <p:cNvPr id="9" name="Rectangle: Rounded Corners 8">
+            <a:extLst>
+              <a:ext uri="{FF2B5EF4-FFF2-40B4-BE49-F238E27FC236}">
+                <a16:creationId xmlns:a16="http://schemas.microsoft.com/office/drawing/2014/main" id="{BED06920-FF1E-931C-E6FB-CFCE383CF07C}"/>
+              </a:ext>
+            </a:extLst>
+          </p:cNvPr>
+          <p:cNvSpPr/>
+          <p:nvPr/>
+        </p:nvSpPr>
+        <p:spPr>
+          <a:xfrm>
+            <a:off x="-89210" y="905069"/>
+            <a:ext cx="847493" cy="388472"/>
+          </a:xfrm>
+          <a:prstGeom prst="roundRect">
+            <a:avLst/>
+          </a:prstGeom>
+          <a:noFill/>
+          <a:ln w="57150">
+            <a:solidFill>
+              <a:srgbClr val="FF3399"/>
+            </a:solidFill>
+          </a:ln>
+        </p:spPr>
+        <p:style>
+          <a:lnRef idx="2">
+            <a:schemeClr val="accent1">
+              <a:shade val="15000"/>
+            </a:schemeClr>
+          </a:lnRef>
+          <a:fillRef idx="1">
+            <a:schemeClr val="accent1"/>
+          </a:fillRef>
+          <a:effectRef idx="0">
+            <a:schemeClr val="accent1"/>
+          </a:effectRef>
+          <a:fontRef idx="minor">
+            <a:schemeClr val="lt1"/>
+          </a:fontRef>
+        </p:style>
+        <p:txBody>
+          <a:bodyPr rtlCol="0" anchor="ctr"/>
+          <a:lstStyle/>
+          <a:p>
+            <a:pPr algn="ctr"/>
+            <a:endParaRPr lang="en-US"/>
+          </a:p>
+        </p:txBody>
+      </p:sp>
+      <p:sp>
+        <p:nvSpPr>
+          <p:cNvPr id="10" name="Rectangle: Rounded Corners 9">
+            <a:extLst>
+              <a:ext uri="{FF2B5EF4-FFF2-40B4-BE49-F238E27FC236}">
+                <a16:creationId xmlns:a16="http://schemas.microsoft.com/office/drawing/2014/main" id="{40A2B6F7-BD35-4A75-D2C2-3CA147FFBD4E}"/>
+              </a:ext>
+            </a:extLst>
+          </p:cNvPr>
+          <p:cNvSpPr/>
+          <p:nvPr/>
+        </p:nvSpPr>
+        <p:spPr>
+          <a:xfrm>
+            <a:off x="13006" y="1293541"/>
+            <a:ext cx="1414578" cy="388472"/>
+          </a:xfrm>
+          <a:prstGeom prst="roundRect">
+            <a:avLst/>
+          </a:prstGeom>
+          <a:noFill/>
+          <a:ln w="57150">
+            <a:solidFill>
+              <a:srgbClr val="FF3399"/>
+            </a:solidFill>
+          </a:ln>
+        </p:spPr>
+        <p:style>
+          <a:lnRef idx="2">
+            <a:schemeClr val="accent1">
+              <a:shade val="15000"/>
+            </a:schemeClr>
+          </a:lnRef>
+          <a:fillRef idx="1">
+            <a:schemeClr val="accent1"/>
+          </a:fillRef>
+          <a:effectRef idx="0">
+            <a:schemeClr val="accent1"/>
+          </a:effectRef>
+          <a:fontRef idx="minor">
+            <a:schemeClr val="lt1"/>
+          </a:fontRef>
+        </p:style>
+        <p:txBody>
+          <a:bodyPr rtlCol="0" anchor="ctr"/>
+          <a:lstStyle/>
+          <a:p>
+            <a:pPr algn="ctr"/>
+            <a:endParaRPr lang="en-US"/>
+          </a:p>
+        </p:txBody>
+      </p:sp>
+      <p:pic>
+        <p:nvPicPr>
+          <p:cNvPr id="12" name="Picture 11">
+            <a:extLst>
+              <a:ext uri="{FF2B5EF4-FFF2-40B4-BE49-F238E27FC236}">
+                <a16:creationId xmlns:a16="http://schemas.microsoft.com/office/drawing/2014/main" id="{2930781C-2818-6254-65FC-3F11ABA5745B}"/>
+              </a:ext>
+            </a:extLst>
+          </p:cNvPr>
+          <p:cNvPicPr>
+            <a:picLocks noChangeAspect="1"/>
+          </p:cNvPicPr>
+          <p:nvPr/>
+        </p:nvPicPr>
+        <p:blipFill>
+          <a:blip r:embed="rId4"/>
+          <a:stretch>
+            <a:fillRect/>
+          </a:stretch>
+        </p:blipFill>
+        <p:spPr>
+          <a:xfrm>
+            <a:off x="3370186" y="905069"/>
+            <a:ext cx="11926964" cy="4182059"/>
+          </a:xfrm>
+          <a:prstGeom prst="rect">
+            <a:avLst/>
+          </a:prstGeom>
+        </p:spPr>
+      </p:pic>
+      <p:sp>
+        <p:nvSpPr>
+          <p:cNvPr id="13" name="Rectangle: Rounded Corners 12">
+            <a:extLst>
+              <a:ext uri="{FF2B5EF4-FFF2-40B4-BE49-F238E27FC236}">
+                <a16:creationId xmlns:a16="http://schemas.microsoft.com/office/drawing/2014/main" id="{4B9A03A5-2A8E-91DF-6039-9DDF951EB265}"/>
+              </a:ext>
+            </a:extLst>
+          </p:cNvPr>
+          <p:cNvSpPr/>
+          <p:nvPr/>
+        </p:nvSpPr>
+        <p:spPr>
+          <a:xfrm>
+            <a:off x="11265206" y="1434665"/>
+            <a:ext cx="1790394" cy="388472"/>
+          </a:xfrm>
+          <a:prstGeom prst="roundRect">
+            <a:avLst/>
+          </a:prstGeom>
+          <a:noFill/>
+          <a:ln w="57150">
+            <a:solidFill>
+              <a:srgbClr val="FF3399"/>
+            </a:solidFill>
+          </a:ln>
+        </p:spPr>
+        <p:style>
+          <a:lnRef idx="2">
+            <a:schemeClr val="accent1">
+              <a:shade val="15000"/>
+            </a:schemeClr>
+          </a:lnRef>
+          <a:fillRef idx="1">
+            <a:schemeClr val="accent1"/>
+          </a:fillRef>
+          <a:effectRef idx="0">
+            <a:schemeClr val="accent1"/>
+          </a:effectRef>
+          <a:fontRef idx="minor">
+            <a:schemeClr val="lt1"/>
+          </a:fontRef>
+        </p:style>
+        <p:txBody>
+          <a:bodyPr rtlCol="0" anchor="ctr"/>
+          <a:lstStyle/>
+          <a:p>
+            <a:pPr algn="ctr"/>
+            <a:endParaRPr lang="en-US"/>
+          </a:p>
+        </p:txBody>
+      </p:sp>
+      <p:sp>
+        <p:nvSpPr>
+          <p:cNvPr id="14" name="Rectangle: Rounded Corners 13">
+            <a:extLst>
+              <a:ext uri="{FF2B5EF4-FFF2-40B4-BE49-F238E27FC236}">
+                <a16:creationId xmlns:a16="http://schemas.microsoft.com/office/drawing/2014/main" id="{5327F131-094D-10A0-6AB5-29BDAD419696}"/>
+              </a:ext>
+            </a:extLst>
+          </p:cNvPr>
+          <p:cNvSpPr/>
+          <p:nvPr/>
+        </p:nvSpPr>
+        <p:spPr>
+          <a:xfrm>
+            <a:off x="1903144" y="6494493"/>
+            <a:ext cx="2554556" cy="388472"/>
+          </a:xfrm>
+          <a:prstGeom prst="roundRect">
+            <a:avLst/>
+          </a:prstGeom>
+          <a:noFill/>
+          <a:ln w="57150">
+            <a:solidFill>
+              <a:srgbClr val="FF3399"/>
+            </a:solidFill>
+          </a:ln>
+        </p:spPr>
+        <p:style>
+          <a:lnRef idx="2">
+            <a:schemeClr val="accent1">
+              <a:shade val="15000"/>
+            </a:schemeClr>
+          </a:lnRef>
+          <a:fillRef idx="1">
+            <a:schemeClr val="accent1"/>
+          </a:fillRef>
+          <a:effectRef idx="0">
+            <a:schemeClr val="accent1"/>
+          </a:effectRef>
+          <a:fontRef idx="minor">
+            <a:schemeClr val="lt1"/>
+          </a:fontRef>
+        </p:style>
+        <p:txBody>
+          <a:bodyPr rtlCol="0" anchor="ctr"/>
+          <a:lstStyle/>
+          <a:p>
+            <a:pPr algn="ctr"/>
+            <a:endParaRPr lang="en-US"/>
+          </a:p>
+        </p:txBody>
+      </p:sp>
+      <p:cxnSp>
+        <p:nvCxnSpPr>
+          <p:cNvPr id="16" name="Straight Arrow Connector 15">
+            <a:extLst>
+              <a:ext uri="{FF2B5EF4-FFF2-40B4-BE49-F238E27FC236}">
+                <a16:creationId xmlns:a16="http://schemas.microsoft.com/office/drawing/2014/main" id="{0F8DC9E6-ED27-F158-D8AD-5C30371BC517}"/>
+              </a:ext>
+            </a:extLst>
+          </p:cNvPr>
+          <p:cNvCxnSpPr>
+            <a:stCxn id="10" idx="3"/>
+            <a:endCxn id="13" idx="1"/>
+          </p:cNvCxnSpPr>
+          <p:nvPr/>
+        </p:nvCxnSpPr>
+        <p:spPr>
+          <a:xfrm>
+            <a:off x="1427584" y="1487777"/>
+            <a:ext cx="9837622" cy="141124"/>
+          </a:xfrm>
+          <a:prstGeom prst="straightConnector1">
+            <a:avLst/>
+          </a:prstGeom>
+          <a:noFill/>
+          <a:ln w="57150">
+            <a:solidFill>
+              <a:srgbClr val="FF3399"/>
+            </a:solidFill>
+            <a:headEnd type="none" w="med" len="med"/>
+            <a:tailEnd type="triangle" w="med" len="med"/>
+          </a:ln>
+        </p:spPr>
+        <p:style>
+          <a:lnRef idx="2">
+            <a:schemeClr val="accent1">
+              <a:shade val="15000"/>
+            </a:schemeClr>
+          </a:lnRef>
+          <a:fillRef idx="1">
+            <a:schemeClr val="accent1"/>
+          </a:fillRef>
+          <a:effectRef idx="0">
+            <a:schemeClr val="accent1"/>
+          </a:effectRef>
+          <a:fontRef idx="minor">
+            <a:schemeClr val="lt1"/>
+          </a:fontRef>
+        </p:style>
+      </p:cxnSp>
+      <p:cxnSp>
+        <p:nvCxnSpPr>
+          <p:cNvPr id="17" name="Straight Arrow Connector 16">
+            <a:extLst>
+              <a:ext uri="{FF2B5EF4-FFF2-40B4-BE49-F238E27FC236}">
+                <a16:creationId xmlns:a16="http://schemas.microsoft.com/office/drawing/2014/main" id="{DE6592F0-841A-81C1-B9E1-D6F427B43285}"/>
+              </a:ext>
+            </a:extLst>
+          </p:cNvPr>
+          <p:cNvCxnSpPr>
+            <a:cxnSpLocks/>
+          </p:cNvCxnSpPr>
+          <p:nvPr/>
+        </p:nvCxnSpPr>
+        <p:spPr>
+          <a:xfrm flipH="1">
+            <a:off x="3223372" y="1823137"/>
+            <a:ext cx="8447928" cy="4671356"/>
+          </a:xfrm>
+          <a:prstGeom prst="straightConnector1">
+            <a:avLst/>
+          </a:prstGeom>
+          <a:noFill/>
+          <a:ln w="57150">
+            <a:solidFill>
+              <a:srgbClr val="FF3399"/>
+            </a:solidFill>
+            <a:headEnd type="none" w="med" len="med"/>
+            <a:tailEnd type="triangle" w="med" len="med"/>
+          </a:ln>
+        </p:spPr>
+        <p:style>
+          <a:lnRef idx="2">
+            <a:schemeClr val="accent1">
+              <a:shade val="15000"/>
+            </a:schemeClr>
+          </a:lnRef>
+          <a:fillRef idx="1">
+            <a:schemeClr val="accent1"/>
+          </a:fillRef>
+          <a:effectRef idx="0">
+            <a:schemeClr val="accent1"/>
+          </a:effectRef>
+          <a:fontRef idx="minor">
+            <a:schemeClr val="lt1"/>
+          </a:fontRef>
+        </p:style>
+      </p:cxnSp>
     </p:spTree>
     <p:extLst>
       <p:ext uri="{BB962C8B-B14F-4D97-AF65-F5344CB8AC3E}">
@@ -3060,17 +3414,110 @@
   <p:clrMapOvr>
     <a:masterClrMapping/>
   </p:clrMapOvr>
-  <p:timing>
-    <p:tnLst>
-      <p:par>
-        <p:cTn id="1" dur="indefinite" restart="never" nodeType="tmRoot"/>
-      </p:par>
-    </p:tnLst>
-  </p:timing>
 </p:sld>
 </file>
 
 <file path=ppt/slides/slide10.xml><?xml version="1.0" encoding="utf-8"?>
+<p:sld xmlns:a="http://schemas.openxmlformats.org/drawingml/2006/main" xmlns:r="http://schemas.openxmlformats.org/officeDocument/2006/relationships" xmlns:p="http://schemas.openxmlformats.org/presentationml/2006/main">
+  <p:cSld>
+    <p:spTree>
+      <p:nvGrpSpPr>
+        <p:cNvPr id="1" name=""/>
+        <p:cNvGrpSpPr/>
+        <p:nvPr/>
+      </p:nvGrpSpPr>
+      <p:grpSpPr>
+        <a:xfrm>
+          <a:off x="0" y="0"/>
+          <a:ext cx="0" cy="0"/>
+          <a:chOff x="0" y="0"/>
+          <a:chExt cx="0" cy="0"/>
+        </a:xfrm>
+      </p:grpSpPr>
+      <p:pic>
+        <p:nvPicPr>
+          <p:cNvPr id="3" name="Picture 2"/>
+          <p:cNvPicPr>
+            <a:picLocks noChangeAspect="1"/>
+          </p:cNvPicPr>
+          <p:nvPr/>
+        </p:nvPicPr>
+        <p:blipFill>
+          <a:blip r:embed="rId2"/>
+          <a:stretch>
+            <a:fillRect/>
+          </a:stretch>
+        </p:blipFill>
+        <p:spPr>
+          <a:xfrm>
+            <a:off x="3238500" y="1838325"/>
+            <a:ext cx="5715000" cy="3181350"/>
+          </a:xfrm>
+          <a:prstGeom prst="rect">
+            <a:avLst/>
+          </a:prstGeom>
+        </p:spPr>
+      </p:pic>
+      <p:sp>
+        <p:nvSpPr>
+          <p:cNvPr id="6" name="Rounded Rectangle 5"/>
+          <p:cNvSpPr/>
+          <p:nvPr/>
+        </p:nvSpPr>
+        <p:spPr>
+          <a:xfrm>
+            <a:off x="3124863" y="3959750"/>
+            <a:ext cx="3753015" cy="226237"/>
+          </a:xfrm>
+          <a:prstGeom prst="roundRect">
+            <a:avLst/>
+          </a:prstGeom>
+          <a:noFill/>
+          <a:ln w="28575">
+            <a:solidFill>
+              <a:srgbClr val="FF0000"/>
+            </a:solidFill>
+          </a:ln>
+        </p:spPr>
+        <p:style>
+          <a:lnRef idx="2">
+            <a:schemeClr val="accent1">
+              <a:shade val="50000"/>
+            </a:schemeClr>
+          </a:lnRef>
+          <a:fillRef idx="1">
+            <a:schemeClr val="accent1"/>
+          </a:fillRef>
+          <a:effectRef idx="0">
+            <a:schemeClr val="accent1"/>
+          </a:effectRef>
+          <a:fontRef idx="minor">
+            <a:schemeClr val="lt1"/>
+          </a:fontRef>
+        </p:style>
+        <p:txBody>
+          <a:bodyPr rtlCol="0" anchor="ctr"/>
+          <a:lstStyle/>
+          <a:p>
+            <a:pPr algn="ctr"/>
+            <a:endParaRPr lang="en-US"/>
+          </a:p>
+        </p:txBody>
+      </p:sp>
+    </p:spTree>
+    <p:extLst>
+      <p:ext uri="{BB962C8B-B14F-4D97-AF65-F5344CB8AC3E}">
+        <p14:creationId xmlns:p14="http://schemas.microsoft.com/office/powerpoint/2010/main" val="91684731"/>
+      </p:ext>
+    </p:extLst>
+  </p:cSld>
+  <p:clrMapOvr>
+    <a:masterClrMapping/>
+  </p:clrMapOvr>
+</p:sld>
+</file>
+
+<file path=ppt/slides/slide11.xml><?xml version="1.0" encoding="utf-8"?>
 <p:sld xmlns:a="http://schemas.openxmlformats.org/drawingml/2006/main" xmlns:r="http://schemas.openxmlformats.org/officeDocument/2006/relationships" xmlns:p="http://schemas.openxmlformats.org/presentationml/2006/main">
   <p:cSld>
     <p:spTree>
@@ -3103,6 +3550,60 @@
         </p:blipFill>
         <p:spPr>
           <a:xfrm>
+            <a:off x="3247627" y="1823813"/>
+            <a:ext cx="5696745" cy="3210373"/>
+          </a:xfrm>
+          <a:prstGeom prst="rect">
+            <a:avLst/>
+          </a:prstGeom>
+        </p:spPr>
+      </p:pic>
+    </p:spTree>
+    <p:extLst>
+      <p:ext uri="{BB962C8B-B14F-4D97-AF65-F5344CB8AC3E}">
+        <p14:creationId xmlns:p14="http://schemas.microsoft.com/office/powerpoint/2010/main" val="3335592055"/>
+      </p:ext>
+    </p:extLst>
+  </p:cSld>
+  <p:clrMapOvr>
+    <a:masterClrMapping/>
+  </p:clrMapOvr>
+</p:sld>
+</file>
+
+<file path=ppt/slides/slide12.xml><?xml version="1.0" encoding="utf-8"?>
+<p:sld xmlns:a="http://schemas.openxmlformats.org/drawingml/2006/main" xmlns:r="http://schemas.openxmlformats.org/officeDocument/2006/relationships" xmlns:p="http://schemas.openxmlformats.org/presentationml/2006/main">
+  <p:cSld>
+    <p:spTree>
+      <p:nvGrpSpPr>
+        <p:cNvPr id="1" name=""/>
+        <p:cNvGrpSpPr/>
+        <p:nvPr/>
+      </p:nvGrpSpPr>
+      <p:grpSpPr>
+        <a:xfrm>
+          <a:off x="0" y="0"/>
+          <a:ext cx="0" cy="0"/>
+          <a:chOff x="0" y="0"/>
+          <a:chExt cx="0" cy="0"/>
+        </a:xfrm>
+      </p:grpSpPr>
+      <p:pic>
+        <p:nvPicPr>
+          <p:cNvPr id="2" name="Picture 1"/>
+          <p:cNvPicPr>
+            <a:picLocks noChangeAspect="1"/>
+          </p:cNvPicPr>
+          <p:nvPr/>
+        </p:nvPicPr>
+        <p:blipFill>
+          <a:blip r:embed="rId2"/>
+          <a:stretch>
+            <a:fillRect/>
+          </a:stretch>
+        </p:blipFill>
+        <p:spPr>
+          <a:xfrm>
             <a:off x="3247627" y="1838103"/>
             <a:ext cx="5696745" cy="3181794"/>
           </a:xfrm>
@@ -3121,17 +3622,10 @@
   <p:clrMapOvr>
     <a:masterClrMapping/>
   </p:clrMapOvr>
-  <p:timing>
-    <p:tnLst>
-      <p:par>
-        <p:cTn id="1" dur="indefinite" restart="never" nodeType="tmRoot"/>
-      </p:par>
-    </p:tnLst>
-  </p:timing>
 </p:sld>
 </file>
 
-<file path=ppt/slides/slide11.xml><?xml version="1.0" encoding="utf-8"?>
+<file path=ppt/slides/slide13.xml><?xml version="1.0" encoding="utf-8"?>
 <p:sld xmlns:a="http://schemas.openxmlformats.org/drawingml/2006/main" xmlns:r="http://schemas.openxmlformats.org/officeDocument/2006/relationships" xmlns:p="http://schemas.openxmlformats.org/presentationml/2006/main">
   <p:cSld>
     <p:spTree>
@@ -3314,17 +3808,10 @@
   <p:clrMapOvr>
     <a:masterClrMapping/>
   </p:clrMapOvr>
-  <p:timing>
-    <p:tnLst>
-      <p:par>
-        <p:cTn id="1" dur="indefinite" restart="never" nodeType="tmRoot"/>
-      </p:par>
-    </p:tnLst>
-  </p:timing>
 </p:sld>
 </file>
 
-<file path=ppt/slides/slide12.xml><?xml version="1.0" encoding="utf-8"?>
+<file path=ppt/slides/slide14.xml><?xml version="1.0" encoding="utf-8"?>
 <p:sld xmlns:a="http://schemas.openxmlformats.org/drawingml/2006/main" xmlns:r="http://schemas.openxmlformats.org/officeDocument/2006/relationships" xmlns:p="http://schemas.openxmlformats.org/presentationml/2006/main">
   <p:cSld>
     <p:spTree>
@@ -3505,17 +3992,10 @@
   <p:clrMapOvr>
     <a:masterClrMapping/>
   </p:clrMapOvr>
-  <p:timing>
-    <p:tnLst>
-      <p:par>
-        <p:cTn id="1" dur="indefinite" restart="never" nodeType="tmRoot"/>
-      </p:par>
-    </p:tnLst>
-  </p:timing>
 </p:sld>
 </file>
 
-<file path=ppt/slides/slide13.xml><?xml version="1.0" encoding="utf-8"?>
+<file path=ppt/slides/slide15.xml><?xml version="1.0" encoding="utf-8"?>
 <p:sld xmlns:a="http://schemas.openxmlformats.org/drawingml/2006/main" xmlns:r="http://schemas.openxmlformats.org/officeDocument/2006/relationships" xmlns:p="http://schemas.openxmlformats.org/presentationml/2006/main">
   <p:cSld>
     <p:spTree>
@@ -3803,1360 +4283,6 @@
   <p:clrMapOvr>
     <a:masterClrMapping/>
   </p:clrMapOvr>
-  <p:timing>
-    <p:tnLst>
-      <p:par>
-        <p:cTn id="1" dur="indefinite" restart="never" nodeType="tmRoot"/>
-      </p:par>
-    </p:tnLst>
-  </p:timing>
-</p:sld>
-</file>
-
-<file path=ppt/slides/slide14.xml><?xml version="1.0" encoding="utf-8"?>
-<p:sld xmlns:a="http://schemas.openxmlformats.org/drawingml/2006/main" xmlns:r="http://schemas.openxmlformats.org/officeDocument/2006/relationships" xmlns:p="http://schemas.openxmlformats.org/presentationml/2006/main">
-  <p:cSld>
-    <p:spTree>
-      <p:nvGrpSpPr>
-        <p:cNvPr id="1" name=""/>
-        <p:cNvGrpSpPr/>
-        <p:nvPr/>
-      </p:nvGrpSpPr>
-      <p:grpSpPr>
-        <a:xfrm>
-          <a:off x="0" y="0"/>
-          <a:ext cx="0" cy="0"/>
-          <a:chOff x="0" y="0"/>
-          <a:chExt cx="0" cy="0"/>
-        </a:xfrm>
-      </p:grpSpPr>
-      <p:pic>
-        <p:nvPicPr>
-          <p:cNvPr id="2" name="Picture 1"/>
-          <p:cNvPicPr>
-            <a:picLocks noChangeAspect="1"/>
-          </p:cNvPicPr>
-          <p:nvPr/>
-        </p:nvPicPr>
-        <p:blipFill>
-          <a:blip r:embed="rId2"/>
-          <a:stretch>
-            <a:fillRect/>
-          </a:stretch>
-        </p:blipFill>
-        <p:spPr>
-          <a:xfrm>
-            <a:off x="1447800" y="271462"/>
-            <a:ext cx="9296400" cy="6315075"/>
-          </a:xfrm>
-          <a:prstGeom prst="rect">
-            <a:avLst/>
-          </a:prstGeom>
-        </p:spPr>
-      </p:pic>
-      <p:sp>
-        <p:nvSpPr>
-          <p:cNvPr id="5" name="Rounded Rectangle 4"/>
-          <p:cNvSpPr/>
-          <p:nvPr/>
-        </p:nvSpPr>
-        <p:spPr>
-          <a:xfrm>
-            <a:off x="3522427" y="1240404"/>
-            <a:ext cx="6019138" cy="652006"/>
-          </a:xfrm>
-          <a:prstGeom prst="roundRect">
-            <a:avLst/>
-          </a:prstGeom>
-          <a:noFill/>
-          <a:ln w="28575">
-            <a:solidFill>
-              <a:srgbClr val="FF0000"/>
-            </a:solidFill>
-          </a:ln>
-        </p:spPr>
-        <p:style>
-          <a:lnRef idx="2">
-            <a:schemeClr val="accent1">
-              <a:shade val="50000"/>
-            </a:schemeClr>
-          </a:lnRef>
-          <a:fillRef idx="1">
-            <a:schemeClr val="accent1"/>
-          </a:fillRef>
-          <a:effectRef idx="0">
-            <a:schemeClr val="accent1"/>
-          </a:effectRef>
-          <a:fontRef idx="minor">
-            <a:schemeClr val="lt1"/>
-          </a:fontRef>
-        </p:style>
-        <p:txBody>
-          <a:bodyPr rtlCol="0" anchor="ctr"/>
-          <a:lstStyle/>
-          <a:p>
-            <a:pPr algn="ctr"/>
-            <a:endParaRPr lang="en-US"/>
-          </a:p>
-        </p:txBody>
-      </p:sp>
-    </p:spTree>
-    <p:extLst>
-      <p:ext uri="{BB962C8B-B14F-4D97-AF65-F5344CB8AC3E}">
-        <p14:creationId xmlns:p14="http://schemas.microsoft.com/office/powerpoint/2010/main" val="208769060"/>
-      </p:ext>
-    </p:extLst>
-  </p:cSld>
-  <p:clrMapOvr>
-    <a:masterClrMapping/>
-  </p:clrMapOvr>
-  <p:timing>
-    <p:tnLst>
-      <p:par>
-        <p:cTn id="1" dur="indefinite" restart="never" nodeType="tmRoot"/>
-      </p:par>
-    </p:tnLst>
-  </p:timing>
-</p:sld>
-</file>
-
-<file path=ppt/slides/slide15.xml><?xml version="1.0" encoding="utf-8"?>
-<p:sld xmlns:a="http://schemas.openxmlformats.org/drawingml/2006/main" xmlns:r="http://schemas.openxmlformats.org/officeDocument/2006/relationships" xmlns:p="http://schemas.openxmlformats.org/presentationml/2006/main">
-  <p:cSld>
-    <p:spTree>
-      <p:nvGrpSpPr>
-        <p:cNvPr id="1" name=""/>
-        <p:cNvGrpSpPr/>
-        <p:nvPr/>
-      </p:nvGrpSpPr>
-      <p:grpSpPr>
-        <a:xfrm>
-          <a:off x="0" y="0"/>
-          <a:ext cx="0" cy="0"/>
-          <a:chOff x="0" y="0"/>
-          <a:chExt cx="0" cy="0"/>
-        </a:xfrm>
-      </p:grpSpPr>
-      <p:sp>
-        <p:nvSpPr>
-          <p:cNvPr id="3" name="Rectangle 2"/>
-          <p:cNvSpPr/>
-          <p:nvPr/>
-        </p:nvSpPr>
-        <p:spPr>
-          <a:xfrm>
-            <a:off x="1688328" y="107169"/>
-            <a:ext cx="6096000" cy="6617196"/>
-          </a:xfrm>
-          <a:prstGeom prst="rect">
-            <a:avLst/>
-          </a:prstGeom>
-        </p:spPr>
-        <p:txBody>
-          <a:bodyPr>
-            <a:spAutoFit/>
-          </a:bodyPr>
-          <a:lstStyle/>
-          <a:p>
-            <a:r>
-              <a:rPr lang="en-US" sz="800">
-                <a:solidFill>
-                  <a:srgbClr val="228B22"/>
-                </a:solidFill>
-                <a:latin typeface="Courier New" panose="02070309020205020404" pitchFamily="49" charset="0"/>
-              </a:rPr>
-              <a:t>%% Search for a specified operating point for the model - </a:t>
-            </a:r>
-            <a:r>
-              <a:rPr lang="en-US" sz="800" dirty="0" err="1">
-                <a:solidFill>
-                  <a:srgbClr val="228B22"/>
-                </a:solidFill>
-                <a:latin typeface="Courier New" panose="02070309020205020404" pitchFamily="49" charset="0"/>
-              </a:rPr>
-              <a:t>findop_model</a:t>
-            </a:r>
-            <a:r>
-              <a:rPr lang="en-US" sz="800" dirty="0">
-                <a:solidFill>
-                  <a:srgbClr val="228B22"/>
-                </a:solidFill>
-                <a:latin typeface="Courier New" panose="02070309020205020404" pitchFamily="49" charset="0"/>
-              </a:rPr>
-              <a:t>.</a:t>
-            </a:r>
-          </a:p>
-          <a:p>
-            <a:r>
-              <a:rPr lang="en-US" sz="800" dirty="0">
-                <a:solidFill>
-                  <a:srgbClr val="228B22"/>
-                </a:solidFill>
-                <a:latin typeface="Courier New" panose="02070309020205020404" pitchFamily="49" charset="0"/>
-              </a:rPr>
-              <a:t>%</a:t>
-            </a:r>
-          </a:p>
-          <a:p>
-            <a:r>
-              <a:rPr lang="en-US" sz="800" dirty="0">
-                <a:solidFill>
-                  <a:srgbClr val="228B22"/>
-                </a:solidFill>
-                <a:latin typeface="Courier New" panose="02070309020205020404" pitchFamily="49" charset="0"/>
-              </a:rPr>
-              <a:t>% This MATLAB script is the command line equivalent of the trim model</a:t>
-            </a:r>
-          </a:p>
-          <a:p>
-            <a:r>
-              <a:rPr lang="en-US" sz="800" dirty="0">
-                <a:solidFill>
-                  <a:srgbClr val="228B22"/>
-                </a:solidFill>
-                <a:latin typeface="Courier New" panose="02070309020205020404" pitchFamily="49" charset="0"/>
-              </a:rPr>
-              <a:t>% tab in linear analysis tool with current specifications and options.</a:t>
-            </a:r>
-          </a:p>
-          <a:p>
-            <a:r>
-              <a:rPr lang="en-US" sz="800" dirty="0">
-                <a:solidFill>
-                  <a:srgbClr val="228B22"/>
-                </a:solidFill>
-                <a:latin typeface="Courier New" panose="02070309020205020404" pitchFamily="49" charset="0"/>
-              </a:rPr>
-              <a:t>% It produces the exact same operating points as hitting the Trim button.</a:t>
-            </a:r>
-          </a:p>
-          <a:p>
-            <a:r>
-              <a:rPr lang="en-US" sz="800" dirty="0">
-                <a:solidFill>
-                  <a:srgbClr val="228B22"/>
-                </a:solidFill>
-                <a:latin typeface="Courier New" panose="02070309020205020404" pitchFamily="49" charset="0"/>
-              </a:rPr>
-              <a:t> </a:t>
-            </a:r>
-          </a:p>
-          <a:p>
-            <a:r>
-              <a:rPr lang="en-US" sz="800" dirty="0">
-                <a:solidFill>
-                  <a:srgbClr val="228B22"/>
-                </a:solidFill>
-                <a:latin typeface="Courier New" panose="02070309020205020404" pitchFamily="49" charset="0"/>
-              </a:rPr>
-              <a:t>% MATLAB(R) file generated by MATLAB(R) 9.5 and Simulink Control Design (TM) 5.2.</a:t>
-            </a:r>
-          </a:p>
-          <a:p>
-            <a:r>
-              <a:rPr lang="en-US" sz="800" dirty="0">
-                <a:solidFill>
-                  <a:srgbClr val="228B22"/>
-                </a:solidFill>
-                <a:latin typeface="Courier New" panose="02070309020205020404" pitchFamily="49" charset="0"/>
-              </a:rPr>
-              <a:t>%</a:t>
-            </a:r>
-          </a:p>
-          <a:p>
-            <a:r>
-              <a:rPr lang="en-US" sz="800" dirty="0">
-                <a:solidFill>
-                  <a:srgbClr val="228B22"/>
-                </a:solidFill>
-                <a:latin typeface="Courier New" panose="02070309020205020404" pitchFamily="49" charset="0"/>
-              </a:rPr>
-              <a:t>% Generated on: 28-Apr-2019 10:56:06</a:t>
-            </a:r>
-          </a:p>
-          <a:p>
-            <a:r>
-              <a:rPr lang="en-US" sz="800" dirty="0">
-                <a:solidFill>
-                  <a:srgbClr val="228B22"/>
-                </a:solidFill>
-                <a:latin typeface="Courier New" panose="02070309020205020404" pitchFamily="49" charset="0"/>
-              </a:rPr>
-              <a:t> </a:t>
-            </a:r>
-          </a:p>
-          <a:p>
-            <a:r>
-              <a:rPr lang="en-US" sz="800" dirty="0">
-                <a:solidFill>
-                  <a:srgbClr val="228B22"/>
-                </a:solidFill>
-                <a:latin typeface="Courier New" panose="02070309020205020404" pitchFamily="49" charset="0"/>
-              </a:rPr>
-              <a:t>%% Specify the model name</a:t>
-            </a:r>
-          </a:p>
-          <a:p>
-            <a:r>
-              <a:rPr lang="en-US" sz="800" dirty="0">
-                <a:solidFill>
-                  <a:srgbClr val="000000"/>
-                </a:solidFill>
-                <a:latin typeface="Courier New" panose="02070309020205020404" pitchFamily="49" charset="0"/>
-              </a:rPr>
-              <a:t>model = </a:t>
-            </a:r>
-            <a:r>
-              <a:rPr lang="en-US" sz="800" dirty="0">
-                <a:solidFill>
-                  <a:srgbClr val="A020F0"/>
-                </a:solidFill>
-                <a:latin typeface="Courier New" panose="02070309020205020404" pitchFamily="49" charset="0"/>
-              </a:rPr>
-              <a:t>'</a:t>
-            </a:r>
-            <a:r>
-              <a:rPr lang="en-US" sz="800" dirty="0" err="1">
-                <a:solidFill>
-                  <a:srgbClr val="A020F0"/>
-                </a:solidFill>
-                <a:latin typeface="Courier New" panose="02070309020205020404" pitchFamily="49" charset="0"/>
-              </a:rPr>
-              <a:t>findop_model</a:t>
-            </a:r>
-            <a:r>
-              <a:rPr lang="en-US" sz="800" dirty="0">
-                <a:solidFill>
-                  <a:srgbClr val="A020F0"/>
-                </a:solidFill>
-                <a:latin typeface="Courier New" panose="02070309020205020404" pitchFamily="49" charset="0"/>
-              </a:rPr>
-              <a:t>'</a:t>
-            </a:r>
-            <a:r>
-              <a:rPr lang="en-US" sz="800" dirty="0">
-                <a:solidFill>
-                  <a:srgbClr val="000000"/>
-                </a:solidFill>
-                <a:latin typeface="Courier New" panose="02070309020205020404" pitchFamily="49" charset="0"/>
-              </a:rPr>
-              <a:t>;</a:t>
-            </a:r>
-          </a:p>
-          <a:p>
-            <a:r>
-              <a:rPr lang="en-US" sz="800" dirty="0">
-                <a:solidFill>
-                  <a:srgbClr val="000000"/>
-                </a:solidFill>
-                <a:latin typeface="Courier New" panose="02070309020205020404" pitchFamily="49" charset="0"/>
-              </a:rPr>
-              <a:t> </a:t>
-            </a:r>
-          </a:p>
-          <a:p>
-            <a:r>
-              <a:rPr lang="en-US" sz="800" dirty="0">
-                <a:solidFill>
-                  <a:srgbClr val="228B22"/>
-                </a:solidFill>
-                <a:latin typeface="Courier New" panose="02070309020205020404" pitchFamily="49" charset="0"/>
-              </a:rPr>
-              <a:t>%% Create the operating point specification object.</a:t>
-            </a:r>
-          </a:p>
-          <a:p>
-            <a:r>
-              <a:rPr lang="en-US" sz="800" dirty="0" err="1">
-                <a:solidFill>
-                  <a:srgbClr val="000000"/>
-                </a:solidFill>
-                <a:latin typeface="Courier New" panose="02070309020205020404" pitchFamily="49" charset="0"/>
-              </a:rPr>
-              <a:t>opspec</a:t>
-            </a:r>
-            <a:r>
-              <a:rPr lang="en-US" sz="800" dirty="0">
-                <a:solidFill>
-                  <a:srgbClr val="000000"/>
-                </a:solidFill>
-                <a:latin typeface="Courier New" panose="02070309020205020404" pitchFamily="49" charset="0"/>
-              </a:rPr>
-              <a:t> = </a:t>
-            </a:r>
-            <a:r>
-              <a:rPr lang="en-US" sz="800" dirty="0" err="1">
-                <a:solidFill>
-                  <a:srgbClr val="000000"/>
-                </a:solidFill>
-                <a:latin typeface="Courier New" panose="02070309020205020404" pitchFamily="49" charset="0"/>
-              </a:rPr>
-              <a:t>operspec</a:t>
-            </a:r>
-            <a:r>
-              <a:rPr lang="en-US" sz="800" dirty="0">
-                <a:solidFill>
-                  <a:srgbClr val="000000"/>
-                </a:solidFill>
-                <a:latin typeface="Courier New" panose="02070309020205020404" pitchFamily="49" charset="0"/>
-              </a:rPr>
-              <a:t>(model);</a:t>
-            </a:r>
-          </a:p>
-          <a:p>
-            <a:r>
-              <a:rPr lang="en-US" sz="800" dirty="0">
-                <a:solidFill>
-                  <a:srgbClr val="000000"/>
-                </a:solidFill>
-                <a:latin typeface="Courier New" panose="02070309020205020404" pitchFamily="49" charset="0"/>
-              </a:rPr>
-              <a:t> </a:t>
-            </a:r>
-          </a:p>
-          <a:p>
-            <a:r>
-              <a:rPr lang="en-US" sz="800" dirty="0">
-                <a:solidFill>
-                  <a:srgbClr val="228B22"/>
-                </a:solidFill>
-                <a:latin typeface="Courier New" panose="02070309020205020404" pitchFamily="49" charset="0"/>
-              </a:rPr>
-              <a:t>%% Set the constraints on the states in the model.</a:t>
-            </a:r>
-          </a:p>
-          <a:p>
-            <a:r>
-              <a:rPr lang="en-US" sz="800" dirty="0">
-                <a:solidFill>
-                  <a:srgbClr val="228B22"/>
-                </a:solidFill>
-                <a:latin typeface="Courier New" panose="02070309020205020404" pitchFamily="49" charset="0"/>
-              </a:rPr>
-              <a:t>% - The defaults for all states are Known = false, SteadyState = true,</a:t>
-            </a:r>
-          </a:p>
-          <a:p>
-            <a:r>
-              <a:rPr lang="en-US" sz="800" dirty="0">
-                <a:solidFill>
-                  <a:srgbClr val="228B22"/>
-                </a:solidFill>
-                <a:latin typeface="Courier New" panose="02070309020205020404" pitchFamily="49" charset="0"/>
-              </a:rPr>
-              <a:t>%   Min = -</a:t>
-            </a:r>
-            <a:r>
-              <a:rPr lang="en-US" sz="800" dirty="0" err="1">
-                <a:solidFill>
-                  <a:srgbClr val="228B22"/>
-                </a:solidFill>
-                <a:latin typeface="Courier New" panose="02070309020205020404" pitchFamily="49" charset="0"/>
-              </a:rPr>
-              <a:t>Inf</a:t>
-            </a:r>
-            <a:r>
-              <a:rPr lang="en-US" sz="800" dirty="0">
-                <a:solidFill>
-                  <a:srgbClr val="228B22"/>
-                </a:solidFill>
-                <a:latin typeface="Courier New" panose="02070309020205020404" pitchFamily="49" charset="0"/>
-              </a:rPr>
-              <a:t>, Max = </a:t>
-            </a:r>
-            <a:r>
-              <a:rPr lang="en-US" sz="800" dirty="0" err="1">
-                <a:solidFill>
-                  <a:srgbClr val="228B22"/>
-                </a:solidFill>
-                <a:latin typeface="Courier New" panose="02070309020205020404" pitchFamily="49" charset="0"/>
-              </a:rPr>
-              <a:t>Inf</a:t>
-            </a:r>
-            <a:r>
-              <a:rPr lang="en-US" sz="800" dirty="0">
-                <a:solidFill>
-                  <a:srgbClr val="228B22"/>
-                </a:solidFill>
-                <a:latin typeface="Courier New" panose="02070309020205020404" pitchFamily="49" charset="0"/>
-              </a:rPr>
-              <a:t>, </a:t>
-            </a:r>
-            <a:r>
-              <a:rPr lang="en-US" sz="800" dirty="0" err="1">
-                <a:solidFill>
-                  <a:srgbClr val="228B22"/>
-                </a:solidFill>
-                <a:latin typeface="Courier New" panose="02070309020205020404" pitchFamily="49" charset="0"/>
-              </a:rPr>
-              <a:t>dxMin</a:t>
-            </a:r>
-            <a:r>
-              <a:rPr lang="en-US" sz="800" dirty="0">
-                <a:solidFill>
-                  <a:srgbClr val="228B22"/>
-                </a:solidFill>
-                <a:latin typeface="Courier New" panose="02070309020205020404" pitchFamily="49" charset="0"/>
-              </a:rPr>
-              <a:t> = -</a:t>
-            </a:r>
-            <a:r>
-              <a:rPr lang="en-US" sz="800" dirty="0" err="1">
-                <a:solidFill>
-                  <a:srgbClr val="228B22"/>
-                </a:solidFill>
-                <a:latin typeface="Courier New" panose="02070309020205020404" pitchFamily="49" charset="0"/>
-              </a:rPr>
-              <a:t>Inf</a:t>
-            </a:r>
-            <a:r>
-              <a:rPr lang="en-US" sz="800" dirty="0">
-                <a:solidFill>
-                  <a:srgbClr val="228B22"/>
-                </a:solidFill>
-                <a:latin typeface="Courier New" panose="02070309020205020404" pitchFamily="49" charset="0"/>
-              </a:rPr>
-              <a:t>, and </a:t>
-            </a:r>
-            <a:r>
-              <a:rPr lang="en-US" sz="800" dirty="0" err="1">
-                <a:solidFill>
-                  <a:srgbClr val="228B22"/>
-                </a:solidFill>
-                <a:latin typeface="Courier New" panose="02070309020205020404" pitchFamily="49" charset="0"/>
-              </a:rPr>
-              <a:t>dxMax</a:t>
-            </a:r>
-            <a:r>
-              <a:rPr lang="en-US" sz="800" dirty="0">
-                <a:solidFill>
-                  <a:srgbClr val="228B22"/>
-                </a:solidFill>
-                <a:latin typeface="Courier New" panose="02070309020205020404" pitchFamily="49" charset="0"/>
-              </a:rPr>
-              <a:t> = Inf.</a:t>
-            </a:r>
-          </a:p>
-          <a:p>
-            <a:r>
-              <a:rPr lang="en-US" sz="800" dirty="0">
-                <a:solidFill>
-                  <a:srgbClr val="228B22"/>
-                </a:solidFill>
-                <a:latin typeface="Courier New" panose="02070309020205020404" pitchFamily="49" charset="0"/>
-              </a:rPr>
-              <a:t> </a:t>
-            </a:r>
-          </a:p>
-          <a:p>
-            <a:r>
-              <a:rPr lang="en-US" sz="800" dirty="0">
-                <a:solidFill>
-                  <a:srgbClr val="228B22"/>
-                </a:solidFill>
-                <a:latin typeface="Courier New" panose="02070309020205020404" pitchFamily="49" charset="0"/>
-              </a:rPr>
-              <a:t>% State (1) - </a:t>
-            </a:r>
-            <a:r>
-              <a:rPr lang="en-US" sz="800" dirty="0" err="1">
-                <a:solidFill>
-                  <a:srgbClr val="228B22"/>
-                </a:solidFill>
-                <a:latin typeface="Courier New" panose="02070309020205020404" pitchFamily="49" charset="0"/>
-              </a:rPr>
-              <a:t>findop_model</a:t>
-            </a:r>
-            <a:r>
-              <a:rPr lang="en-US" sz="800" dirty="0">
-                <a:solidFill>
-                  <a:srgbClr val="228B22"/>
-                </a:solidFill>
-                <a:latin typeface="Courier New" panose="02070309020205020404" pitchFamily="49" charset="0"/>
-              </a:rPr>
-              <a:t>/</a:t>
-            </a:r>
-            <a:r>
-              <a:rPr lang="en-US" sz="800" dirty="0" err="1">
-                <a:solidFill>
-                  <a:srgbClr val="228B22"/>
-                </a:solidFill>
-                <a:latin typeface="Courier New" panose="02070309020205020404" pitchFamily="49" charset="0"/>
-              </a:rPr>
-              <a:t>planar_vehicle</a:t>
-            </a:r>
-            <a:r>
-              <a:rPr lang="en-US" sz="800" dirty="0">
-                <a:solidFill>
-                  <a:srgbClr val="228B22"/>
-                </a:solidFill>
-                <a:latin typeface="Courier New" panose="02070309020205020404" pitchFamily="49" charset="0"/>
-              </a:rPr>
-              <a:t>/Integrator x; y; </a:t>
-            </a:r>
-            <a:r>
-              <a:rPr lang="en-US" sz="800" dirty="0" err="1">
-                <a:solidFill>
-                  <a:srgbClr val="228B22"/>
-                </a:solidFill>
-                <a:latin typeface="Courier New" panose="02070309020205020404" pitchFamily="49" charset="0"/>
-              </a:rPr>
-              <a:t>xDot</a:t>
-            </a:r>
-            <a:r>
-              <a:rPr lang="en-US" sz="800" dirty="0">
-                <a:solidFill>
-                  <a:srgbClr val="228B22"/>
-                </a:solidFill>
-                <a:latin typeface="Courier New" panose="02070309020205020404" pitchFamily="49" charset="0"/>
-              </a:rPr>
-              <a:t>; </a:t>
-            </a:r>
-            <a:r>
-              <a:rPr lang="en-US" sz="800" dirty="0" err="1">
-                <a:solidFill>
-                  <a:srgbClr val="228B22"/>
-                </a:solidFill>
-                <a:latin typeface="Courier New" panose="02070309020205020404" pitchFamily="49" charset="0"/>
-              </a:rPr>
-              <a:t>yDot</a:t>
-            </a:r>
-            <a:r>
-              <a:rPr lang="en-US" sz="800" dirty="0">
-                <a:solidFill>
-                  <a:srgbClr val="228B22"/>
-                </a:solidFill>
-                <a:latin typeface="Courier New" panose="02070309020205020404" pitchFamily="49" charset="0"/>
-              </a:rPr>
-              <a:t>; theta; </a:t>
-            </a:r>
-            <a:r>
-              <a:rPr lang="en-US" sz="800" dirty="0" err="1">
-                <a:solidFill>
-                  <a:srgbClr val="228B22"/>
-                </a:solidFill>
-                <a:latin typeface="Courier New" panose="02070309020205020404" pitchFamily="49" charset="0"/>
-              </a:rPr>
-              <a:t>thetaDot</a:t>
-            </a:r>
-            <a:endParaRPr lang="en-US" sz="800" dirty="0">
-              <a:solidFill>
-                <a:srgbClr val="228B22"/>
-              </a:solidFill>
-              <a:latin typeface="Courier New" panose="02070309020205020404" pitchFamily="49" charset="0"/>
-            </a:endParaRPr>
-          </a:p>
-          <a:p>
-            <a:r>
-              <a:rPr lang="en-US" sz="800" dirty="0" err="1">
-                <a:solidFill>
-                  <a:srgbClr val="000000"/>
-                </a:solidFill>
-                <a:latin typeface="Courier New" panose="02070309020205020404" pitchFamily="49" charset="0"/>
-              </a:rPr>
-              <a:t>opspec.States</a:t>
-            </a:r>
-            <a:r>
-              <a:rPr lang="en-US" sz="800" dirty="0">
-                <a:solidFill>
-                  <a:srgbClr val="000000"/>
-                </a:solidFill>
-                <a:latin typeface="Courier New" panose="02070309020205020404" pitchFamily="49" charset="0"/>
-              </a:rPr>
-              <a:t>(1).x = [0;0;0;15;1.5708;0];</a:t>
-            </a:r>
-          </a:p>
-          <a:p>
-            <a:r>
-              <a:rPr lang="en-US" sz="800" dirty="0" err="1">
-                <a:solidFill>
-                  <a:srgbClr val="000000"/>
-                </a:solidFill>
-                <a:latin typeface="Courier New" panose="02070309020205020404" pitchFamily="49" charset="0"/>
-              </a:rPr>
-              <a:t>opspec.States</a:t>
-            </a:r>
-            <a:r>
-              <a:rPr lang="en-US" sz="800" dirty="0">
-                <a:solidFill>
-                  <a:srgbClr val="000000"/>
-                </a:solidFill>
-                <a:latin typeface="Courier New" panose="02070309020205020404" pitchFamily="49" charset="0"/>
-              </a:rPr>
-              <a:t>(1).Known = [</a:t>
-            </a:r>
-            <a:r>
-              <a:rPr lang="en-US" sz="800" dirty="0" err="1">
-                <a:solidFill>
-                  <a:srgbClr val="000000"/>
-                </a:solidFill>
-                <a:latin typeface="Courier New" panose="02070309020205020404" pitchFamily="49" charset="0"/>
-              </a:rPr>
-              <a:t>false;false;false;true;true;true</a:t>
-            </a:r>
-            <a:r>
-              <a:rPr lang="en-US" sz="800" dirty="0">
-                <a:solidFill>
-                  <a:srgbClr val="000000"/>
-                </a:solidFill>
-                <a:latin typeface="Courier New" panose="02070309020205020404" pitchFamily="49" charset="0"/>
-              </a:rPr>
-              <a:t>];</a:t>
-            </a:r>
-          </a:p>
-          <a:p>
-            <a:r>
-              <a:rPr lang="en-US" sz="800" dirty="0" err="1">
-                <a:solidFill>
-                  <a:srgbClr val="000000"/>
-                </a:solidFill>
-                <a:latin typeface="Courier New" panose="02070309020205020404" pitchFamily="49" charset="0"/>
-              </a:rPr>
-              <a:t>opspec.States</a:t>
-            </a:r>
-            <a:r>
-              <a:rPr lang="en-US" sz="800" dirty="0">
-                <a:solidFill>
-                  <a:srgbClr val="000000"/>
-                </a:solidFill>
-                <a:latin typeface="Courier New" panose="02070309020205020404" pitchFamily="49" charset="0"/>
-              </a:rPr>
-              <a:t>(1).SteadyState = [</a:t>
-            </a:r>
-            <a:r>
-              <a:rPr lang="en-US" sz="800" dirty="0" err="1">
-                <a:solidFill>
-                  <a:srgbClr val="000000"/>
-                </a:solidFill>
-                <a:latin typeface="Courier New" panose="02070309020205020404" pitchFamily="49" charset="0"/>
-              </a:rPr>
-              <a:t>false;false;true;true;true;true</a:t>
-            </a:r>
-            <a:r>
-              <a:rPr lang="en-US" sz="800" dirty="0">
-                <a:solidFill>
-                  <a:srgbClr val="000000"/>
-                </a:solidFill>
-                <a:latin typeface="Courier New" panose="02070309020205020404" pitchFamily="49" charset="0"/>
-              </a:rPr>
-              <a:t>];</a:t>
-            </a:r>
-          </a:p>
-          <a:p>
-            <a:r>
-              <a:rPr lang="en-US" sz="800" dirty="0">
-                <a:solidFill>
-                  <a:srgbClr val="000000"/>
-                </a:solidFill>
-                <a:latin typeface="Courier New" panose="02070309020205020404" pitchFamily="49" charset="0"/>
-              </a:rPr>
-              <a:t> </a:t>
-            </a:r>
-          </a:p>
-          <a:p>
-            <a:r>
-              <a:rPr lang="en-US" sz="800" dirty="0">
-                <a:solidFill>
-                  <a:srgbClr val="228B22"/>
-                </a:solidFill>
-                <a:latin typeface="Courier New" panose="02070309020205020404" pitchFamily="49" charset="0"/>
-              </a:rPr>
-              <a:t>%% Set the constraints on the inputs in the model.</a:t>
-            </a:r>
-          </a:p>
-          <a:p>
-            <a:r>
-              <a:rPr lang="en-US" sz="800" dirty="0">
-                <a:solidFill>
-                  <a:srgbClr val="228B22"/>
-                </a:solidFill>
-                <a:latin typeface="Courier New" panose="02070309020205020404" pitchFamily="49" charset="0"/>
-              </a:rPr>
-              <a:t>% - The defaults for all inputs are Known = false, Min = -</a:t>
-            </a:r>
-            <a:r>
-              <a:rPr lang="en-US" sz="800" dirty="0" err="1">
-                <a:solidFill>
-                  <a:srgbClr val="228B22"/>
-                </a:solidFill>
-                <a:latin typeface="Courier New" panose="02070309020205020404" pitchFamily="49" charset="0"/>
-              </a:rPr>
-              <a:t>Inf</a:t>
-            </a:r>
-            <a:r>
-              <a:rPr lang="en-US" sz="800" dirty="0">
-                <a:solidFill>
-                  <a:srgbClr val="228B22"/>
-                </a:solidFill>
-                <a:latin typeface="Courier New" panose="02070309020205020404" pitchFamily="49" charset="0"/>
-              </a:rPr>
-              <a:t>, and</a:t>
-            </a:r>
-          </a:p>
-          <a:p>
-            <a:r>
-              <a:rPr lang="en-US" sz="800" dirty="0">
-                <a:solidFill>
-                  <a:srgbClr val="228B22"/>
-                </a:solidFill>
-                <a:latin typeface="Courier New" panose="02070309020205020404" pitchFamily="49" charset="0"/>
-              </a:rPr>
-              <a:t>% Max = Inf.</a:t>
-            </a:r>
-          </a:p>
-          <a:p>
-            <a:r>
-              <a:rPr lang="en-US" sz="800" dirty="0">
-                <a:solidFill>
-                  <a:srgbClr val="228B22"/>
-                </a:solidFill>
-                <a:latin typeface="Courier New" panose="02070309020205020404" pitchFamily="49" charset="0"/>
-              </a:rPr>
-              <a:t> </a:t>
-            </a:r>
-          </a:p>
-          <a:p>
-            <a:r>
-              <a:rPr lang="en-US" sz="800" dirty="0">
-                <a:solidFill>
-                  <a:srgbClr val="228B22"/>
-                </a:solidFill>
-                <a:latin typeface="Courier New" panose="02070309020205020404" pitchFamily="49" charset="0"/>
-              </a:rPr>
-              <a:t>% Input (1) - </a:t>
-            </a:r>
-            <a:r>
-              <a:rPr lang="en-US" sz="800" dirty="0" err="1">
-                <a:solidFill>
-                  <a:srgbClr val="228B22"/>
-                </a:solidFill>
-                <a:latin typeface="Courier New" panose="02070309020205020404" pitchFamily="49" charset="0"/>
-              </a:rPr>
-              <a:t>findop_model</a:t>
-            </a:r>
-            <a:r>
-              <a:rPr lang="en-US" sz="800" dirty="0">
-                <a:solidFill>
-                  <a:srgbClr val="228B22"/>
-                </a:solidFill>
-                <a:latin typeface="Courier New" panose="02070309020205020404" pitchFamily="49" charset="0"/>
-              </a:rPr>
-              <a:t>/thrust fraction</a:t>
-            </a:r>
-          </a:p>
-          <a:p>
-            <a:r>
-              <a:rPr lang="en-US" sz="800" dirty="0" err="1">
-                <a:solidFill>
-                  <a:srgbClr val="000000"/>
-                </a:solidFill>
-                <a:latin typeface="Courier New" panose="02070309020205020404" pitchFamily="49" charset="0"/>
-              </a:rPr>
-              <a:t>opspec.Inputs</a:t>
-            </a:r>
-            <a:r>
-              <a:rPr lang="en-US" sz="800" dirty="0">
-                <a:solidFill>
-                  <a:srgbClr val="000000"/>
-                </a:solidFill>
-                <a:latin typeface="Courier New" panose="02070309020205020404" pitchFamily="49" charset="0"/>
-              </a:rPr>
-              <a:t>(1).u = 0;</a:t>
-            </a:r>
-          </a:p>
-          <a:p>
-            <a:r>
-              <a:rPr lang="en-US" sz="800" dirty="0">
-                <a:solidFill>
-                  <a:srgbClr val="000000"/>
-                </a:solidFill>
-                <a:latin typeface="Courier New" panose="02070309020205020404" pitchFamily="49" charset="0"/>
-              </a:rPr>
-              <a:t> </a:t>
-            </a:r>
-          </a:p>
-          <a:p>
-            <a:r>
-              <a:rPr lang="en-US" sz="800" dirty="0">
-                <a:solidFill>
-                  <a:srgbClr val="228B22"/>
-                </a:solidFill>
-                <a:latin typeface="Courier New" panose="02070309020205020404" pitchFamily="49" charset="0"/>
-              </a:rPr>
-              <a:t>% Input (2) - </a:t>
-            </a:r>
-            <a:r>
-              <a:rPr lang="en-US" sz="800" dirty="0" err="1">
-                <a:solidFill>
-                  <a:srgbClr val="228B22"/>
-                </a:solidFill>
-                <a:latin typeface="Courier New" panose="02070309020205020404" pitchFamily="49" charset="0"/>
-              </a:rPr>
-              <a:t>findop_model</a:t>
-            </a:r>
-            <a:r>
-              <a:rPr lang="en-US" sz="800" dirty="0">
-                <a:solidFill>
-                  <a:srgbClr val="228B22"/>
-                </a:solidFill>
-                <a:latin typeface="Courier New" panose="02070309020205020404" pitchFamily="49" charset="0"/>
-              </a:rPr>
-              <a:t>/torque fraction</a:t>
-            </a:r>
-          </a:p>
-          <a:p>
-            <a:r>
-              <a:rPr lang="en-US" sz="800" dirty="0">
-                <a:solidFill>
-                  <a:srgbClr val="228B22"/>
-                </a:solidFill>
-                <a:latin typeface="Courier New" panose="02070309020205020404" pitchFamily="49" charset="0"/>
-              </a:rPr>
-              <a:t>% - Default model initial conditions are used to initialize optimization.</a:t>
-            </a:r>
-          </a:p>
-          <a:p>
-            <a:r>
-              <a:rPr lang="en-US" sz="800" dirty="0" err="1">
-                <a:solidFill>
-                  <a:srgbClr val="000000"/>
-                </a:solidFill>
-                <a:latin typeface="Courier New" panose="02070309020205020404" pitchFamily="49" charset="0"/>
-              </a:rPr>
-              <a:t>opspec.Inputs</a:t>
-            </a:r>
-            <a:r>
-              <a:rPr lang="en-US" sz="800" dirty="0">
-                <a:solidFill>
-                  <a:srgbClr val="000000"/>
-                </a:solidFill>
-                <a:latin typeface="Courier New" panose="02070309020205020404" pitchFamily="49" charset="0"/>
-              </a:rPr>
-              <a:t>(2).Known = true;</a:t>
-            </a:r>
-          </a:p>
-          <a:p>
-            <a:r>
-              <a:rPr lang="en-US" sz="800" dirty="0">
-                <a:solidFill>
-                  <a:srgbClr val="000000"/>
-                </a:solidFill>
-                <a:latin typeface="Courier New" panose="02070309020205020404" pitchFamily="49" charset="0"/>
-              </a:rPr>
-              <a:t> </a:t>
-            </a:r>
-          </a:p>
-          <a:p>
-            <a:r>
-              <a:rPr lang="en-US" sz="800" dirty="0">
-                <a:solidFill>
-                  <a:srgbClr val="228B22"/>
-                </a:solidFill>
-                <a:latin typeface="Courier New" panose="02070309020205020404" pitchFamily="49" charset="0"/>
-              </a:rPr>
-              <a:t>%% Set the constraints on the outputs in the model.</a:t>
-            </a:r>
-          </a:p>
-          <a:p>
-            <a:r>
-              <a:rPr lang="en-US" sz="800" dirty="0">
-                <a:solidFill>
-                  <a:srgbClr val="228B22"/>
-                </a:solidFill>
-                <a:latin typeface="Courier New" panose="02070309020205020404" pitchFamily="49" charset="0"/>
-              </a:rPr>
-              <a:t>% - The defaults for all outputs are Known = false, Min = -</a:t>
-            </a:r>
-            <a:r>
-              <a:rPr lang="en-US" sz="800" dirty="0" err="1">
-                <a:solidFill>
-                  <a:srgbClr val="228B22"/>
-                </a:solidFill>
-                <a:latin typeface="Courier New" panose="02070309020205020404" pitchFamily="49" charset="0"/>
-              </a:rPr>
-              <a:t>Inf</a:t>
-            </a:r>
-            <a:r>
-              <a:rPr lang="en-US" sz="800" dirty="0">
-                <a:solidFill>
-                  <a:srgbClr val="228B22"/>
-                </a:solidFill>
-                <a:latin typeface="Courier New" panose="02070309020205020404" pitchFamily="49" charset="0"/>
-              </a:rPr>
-              <a:t>, and</a:t>
-            </a:r>
-          </a:p>
-          <a:p>
-            <a:r>
-              <a:rPr lang="en-US" sz="800" dirty="0">
-                <a:solidFill>
-                  <a:srgbClr val="228B22"/>
-                </a:solidFill>
-                <a:latin typeface="Courier New" panose="02070309020205020404" pitchFamily="49" charset="0"/>
-              </a:rPr>
-              <a:t>% Max = Inf.</a:t>
-            </a:r>
-          </a:p>
-          <a:p>
-            <a:r>
-              <a:rPr lang="en-US" sz="800" dirty="0">
-                <a:solidFill>
-                  <a:srgbClr val="228B22"/>
-                </a:solidFill>
-                <a:latin typeface="Courier New" panose="02070309020205020404" pitchFamily="49" charset="0"/>
-              </a:rPr>
-              <a:t> </a:t>
-            </a:r>
-          </a:p>
-          <a:p>
-            <a:r>
-              <a:rPr lang="en-US" sz="800" dirty="0">
-                <a:solidFill>
-                  <a:srgbClr val="228B22"/>
-                </a:solidFill>
-                <a:latin typeface="Courier New" panose="02070309020205020404" pitchFamily="49" charset="0"/>
-              </a:rPr>
-              <a:t>% Output (1) - </a:t>
-            </a:r>
-            <a:r>
-              <a:rPr lang="en-US" sz="800" dirty="0" err="1">
-                <a:solidFill>
-                  <a:srgbClr val="228B22"/>
-                </a:solidFill>
-                <a:latin typeface="Courier New" panose="02070309020205020404" pitchFamily="49" charset="0"/>
-              </a:rPr>
-              <a:t>findop_model</a:t>
-            </a:r>
-            <a:r>
-              <a:rPr lang="en-US" sz="800" dirty="0">
-                <a:solidFill>
-                  <a:srgbClr val="228B22"/>
-                </a:solidFill>
-                <a:latin typeface="Courier New" panose="02070309020205020404" pitchFamily="49" charset="0"/>
-              </a:rPr>
-              <a:t>/V</a:t>
-            </a:r>
-          </a:p>
-          <a:p>
-            <a:r>
-              <a:rPr lang="en-US" sz="800" dirty="0">
-                <a:solidFill>
-                  <a:srgbClr val="228B22"/>
-                </a:solidFill>
-                <a:latin typeface="Courier New" panose="02070309020205020404" pitchFamily="49" charset="0"/>
-              </a:rPr>
-              <a:t>% - Default model initial conditions are used to initialize optimization.</a:t>
-            </a:r>
-          </a:p>
-          <a:p>
-            <a:r>
-              <a:rPr lang="en-US" sz="800" dirty="0">
-                <a:solidFill>
-                  <a:srgbClr val="228B22"/>
-                </a:solidFill>
-                <a:latin typeface="Courier New" panose="02070309020205020404" pitchFamily="49" charset="0"/>
-              </a:rPr>
-              <a:t> </a:t>
-            </a:r>
-          </a:p>
-          <a:p>
-            <a:r>
-              <a:rPr lang="en-US" sz="800" dirty="0">
-                <a:solidFill>
-                  <a:srgbClr val="228B22"/>
-                </a:solidFill>
-                <a:latin typeface="Courier New" panose="02070309020205020404" pitchFamily="49" charset="0"/>
-              </a:rPr>
-              <a:t>% Output (2) - </a:t>
-            </a:r>
-            <a:r>
-              <a:rPr lang="en-US" sz="800" dirty="0" err="1">
-                <a:solidFill>
-                  <a:srgbClr val="228B22"/>
-                </a:solidFill>
-                <a:latin typeface="Courier New" panose="02070309020205020404" pitchFamily="49" charset="0"/>
-              </a:rPr>
-              <a:t>findop_model</a:t>
-            </a:r>
-            <a:r>
-              <a:rPr lang="en-US" sz="800" dirty="0">
-                <a:solidFill>
-                  <a:srgbClr val="228B22"/>
-                </a:solidFill>
-                <a:latin typeface="Courier New" panose="02070309020205020404" pitchFamily="49" charset="0"/>
-              </a:rPr>
-              <a:t>/</a:t>
-            </a:r>
-            <a:r>
-              <a:rPr lang="en-US" sz="800" dirty="0" err="1">
-                <a:solidFill>
-                  <a:srgbClr val="228B22"/>
-                </a:solidFill>
-                <a:latin typeface="Courier New" panose="02070309020205020404" pitchFamily="49" charset="0"/>
-              </a:rPr>
-              <a:t>thetaDot</a:t>
-            </a:r>
-            <a:endParaRPr lang="en-US" sz="800" dirty="0">
-              <a:solidFill>
-                <a:srgbClr val="228B22"/>
-              </a:solidFill>
-              <a:latin typeface="Courier New" panose="02070309020205020404" pitchFamily="49" charset="0"/>
-            </a:endParaRPr>
-          </a:p>
-          <a:p>
-            <a:r>
-              <a:rPr lang="en-US" sz="800" dirty="0">
-                <a:solidFill>
-                  <a:srgbClr val="228B22"/>
-                </a:solidFill>
-                <a:latin typeface="Courier New" panose="02070309020205020404" pitchFamily="49" charset="0"/>
-              </a:rPr>
-              <a:t>% - Default model initial conditions are used to initialize optimization.</a:t>
-            </a:r>
-          </a:p>
-          <a:p>
-            <a:r>
-              <a:rPr lang="en-US" sz="800" dirty="0">
-                <a:solidFill>
-                  <a:srgbClr val="228B22"/>
-                </a:solidFill>
-                <a:latin typeface="Courier New" panose="02070309020205020404" pitchFamily="49" charset="0"/>
-              </a:rPr>
-              <a:t> </a:t>
-            </a:r>
-          </a:p>
-          <a:p>
-            <a:r>
-              <a:rPr lang="en-US" sz="800" dirty="0">
-                <a:solidFill>
-                  <a:srgbClr val="228B22"/>
-                </a:solidFill>
-                <a:latin typeface="Courier New" panose="02070309020205020404" pitchFamily="49" charset="0"/>
-              </a:rPr>
-              <a:t> </a:t>
-            </a:r>
-          </a:p>
-          <a:p>
-            <a:r>
-              <a:rPr lang="en-US" sz="800" dirty="0">
-                <a:solidFill>
-                  <a:srgbClr val="228B22"/>
-                </a:solidFill>
-                <a:latin typeface="Courier New" panose="02070309020205020404" pitchFamily="49" charset="0"/>
-              </a:rPr>
-              <a:t>%% Create the options</a:t>
-            </a:r>
-          </a:p>
-          <a:p>
-            <a:r>
-              <a:rPr lang="en-US" sz="800" dirty="0">
-                <a:solidFill>
-                  <a:srgbClr val="000000"/>
-                </a:solidFill>
-                <a:latin typeface="Courier New" panose="02070309020205020404" pitchFamily="49" charset="0"/>
-              </a:rPr>
-              <a:t>opt = </a:t>
-            </a:r>
-            <a:r>
-              <a:rPr lang="en-US" sz="800" dirty="0" err="1">
-                <a:solidFill>
-                  <a:srgbClr val="000000"/>
-                </a:solidFill>
-                <a:latin typeface="Courier New" panose="02070309020205020404" pitchFamily="49" charset="0"/>
-              </a:rPr>
-              <a:t>findopOptions</a:t>
-            </a:r>
-            <a:r>
-              <a:rPr lang="en-US" sz="800" dirty="0">
-                <a:solidFill>
-                  <a:srgbClr val="000000"/>
-                </a:solidFill>
-                <a:latin typeface="Courier New" panose="02070309020205020404" pitchFamily="49" charset="0"/>
-              </a:rPr>
-              <a:t>(</a:t>
-            </a:r>
-            <a:r>
-              <a:rPr lang="en-US" sz="800" dirty="0">
-                <a:solidFill>
-                  <a:srgbClr val="A020F0"/>
-                </a:solidFill>
-                <a:latin typeface="Courier New" panose="02070309020205020404" pitchFamily="49" charset="0"/>
-              </a:rPr>
-              <a:t>'</a:t>
-            </a:r>
-            <a:r>
-              <a:rPr lang="en-US" sz="800" dirty="0" err="1">
-                <a:solidFill>
-                  <a:srgbClr val="A020F0"/>
-                </a:solidFill>
-                <a:latin typeface="Courier New" panose="02070309020205020404" pitchFamily="49" charset="0"/>
-              </a:rPr>
-              <a:t>DisplayReport</a:t>
-            </a:r>
-            <a:r>
-              <a:rPr lang="en-US" sz="800" dirty="0">
-                <a:solidFill>
-                  <a:srgbClr val="A020F0"/>
-                </a:solidFill>
-                <a:latin typeface="Courier New" panose="02070309020205020404" pitchFamily="49" charset="0"/>
-              </a:rPr>
-              <a:t>'</a:t>
-            </a:r>
-            <a:r>
-              <a:rPr lang="en-US" sz="800" dirty="0">
-                <a:solidFill>
-                  <a:srgbClr val="000000"/>
-                </a:solidFill>
-                <a:latin typeface="Courier New" panose="02070309020205020404" pitchFamily="49" charset="0"/>
-              </a:rPr>
-              <a:t>,</a:t>
-            </a:r>
-            <a:r>
-              <a:rPr lang="en-US" sz="800" dirty="0">
-                <a:solidFill>
-                  <a:srgbClr val="A020F0"/>
-                </a:solidFill>
-                <a:latin typeface="Courier New" panose="02070309020205020404" pitchFamily="49" charset="0"/>
-              </a:rPr>
-              <a:t>'</a:t>
-            </a:r>
-            <a:r>
-              <a:rPr lang="en-US" sz="800" dirty="0" err="1">
-                <a:solidFill>
-                  <a:srgbClr val="A020F0"/>
-                </a:solidFill>
-                <a:latin typeface="Courier New" panose="02070309020205020404" pitchFamily="49" charset="0"/>
-              </a:rPr>
-              <a:t>iter</a:t>
-            </a:r>
-            <a:r>
-              <a:rPr lang="en-US" sz="800" dirty="0">
-                <a:solidFill>
-                  <a:srgbClr val="A020F0"/>
-                </a:solidFill>
-                <a:latin typeface="Courier New" panose="02070309020205020404" pitchFamily="49" charset="0"/>
-              </a:rPr>
-              <a:t>'</a:t>
-            </a:r>
-            <a:r>
-              <a:rPr lang="en-US" sz="800" dirty="0">
-                <a:solidFill>
-                  <a:srgbClr val="000000"/>
-                </a:solidFill>
-                <a:latin typeface="Courier New" panose="02070309020205020404" pitchFamily="49" charset="0"/>
-              </a:rPr>
-              <a:t>);</a:t>
-            </a:r>
-          </a:p>
-          <a:p>
-            <a:r>
-              <a:rPr lang="en-US" sz="800" dirty="0">
-                <a:solidFill>
-                  <a:srgbClr val="000000"/>
-                </a:solidFill>
-                <a:latin typeface="Courier New" panose="02070309020205020404" pitchFamily="49" charset="0"/>
-              </a:rPr>
-              <a:t> </a:t>
-            </a:r>
-          </a:p>
-          <a:p>
-            <a:r>
-              <a:rPr lang="en-US" sz="800" dirty="0">
-                <a:solidFill>
-                  <a:srgbClr val="228B22"/>
-                </a:solidFill>
-                <a:latin typeface="Courier New" panose="02070309020205020404" pitchFamily="49" charset="0"/>
-              </a:rPr>
-              <a:t>%% Perform the operating point search.</a:t>
-            </a:r>
-          </a:p>
-          <a:p>
-            <a:r>
-              <a:rPr lang="en-US" sz="800" dirty="0">
-                <a:solidFill>
-                  <a:srgbClr val="000000"/>
-                </a:solidFill>
-                <a:latin typeface="Courier New" panose="02070309020205020404" pitchFamily="49" charset="0"/>
-              </a:rPr>
-              <a:t>[</a:t>
-            </a:r>
-            <a:r>
-              <a:rPr lang="en-US" sz="800" dirty="0" err="1">
-                <a:solidFill>
-                  <a:srgbClr val="000000"/>
-                </a:solidFill>
-                <a:latin typeface="Courier New" panose="02070309020205020404" pitchFamily="49" charset="0"/>
-              </a:rPr>
-              <a:t>op,opreport</a:t>
-            </a:r>
-            <a:r>
-              <a:rPr lang="en-US" sz="800" dirty="0">
-                <a:solidFill>
-                  <a:srgbClr val="000000"/>
-                </a:solidFill>
-                <a:latin typeface="Courier New" panose="02070309020205020404" pitchFamily="49" charset="0"/>
-              </a:rPr>
-              <a:t>] = </a:t>
-            </a:r>
-            <a:r>
-              <a:rPr lang="en-US" sz="800" dirty="0" err="1">
-                <a:solidFill>
-                  <a:srgbClr val="000000"/>
-                </a:solidFill>
-                <a:latin typeface="Courier New" panose="02070309020205020404" pitchFamily="49" charset="0"/>
-              </a:rPr>
-              <a:t>findop</a:t>
-            </a:r>
-            <a:r>
-              <a:rPr lang="en-US" sz="800" dirty="0">
-                <a:solidFill>
-                  <a:srgbClr val="000000"/>
-                </a:solidFill>
-                <a:latin typeface="Courier New" panose="02070309020205020404" pitchFamily="49" charset="0"/>
-              </a:rPr>
-              <a:t>(</a:t>
-            </a:r>
-            <a:r>
-              <a:rPr lang="en-US" sz="800" dirty="0" err="1">
-                <a:solidFill>
-                  <a:srgbClr val="000000"/>
-                </a:solidFill>
-                <a:latin typeface="Courier New" panose="02070309020205020404" pitchFamily="49" charset="0"/>
-              </a:rPr>
-              <a:t>model,opspec,opt</a:t>
-            </a:r>
-            <a:r>
-              <a:rPr lang="en-US" sz="800" dirty="0">
-                <a:solidFill>
-                  <a:srgbClr val="000000"/>
-                </a:solidFill>
-                <a:latin typeface="Courier New" panose="02070309020205020404" pitchFamily="49" charset="0"/>
-              </a:rPr>
-              <a:t>);</a:t>
-            </a:r>
-          </a:p>
-          <a:p>
-            <a:endParaRPr lang="en-US" sz="800" dirty="0"/>
-          </a:p>
-        </p:txBody>
-      </p:sp>
-    </p:spTree>
-    <p:extLst>
-      <p:ext uri="{BB962C8B-B14F-4D97-AF65-F5344CB8AC3E}">
-        <p14:creationId xmlns:p14="http://schemas.microsoft.com/office/powerpoint/2010/main" val="2764946799"/>
-      </p:ext>
-    </p:extLst>
-  </p:cSld>
-  <p:clrMapOvr>
-    <a:masterClrMapping/>
-  </p:clrMapOvr>
-  <p:timing>
-    <p:tnLst>
-      <p:par>
-        <p:cTn id="1" dur="indefinite" restart="never" nodeType="tmRoot"/>
-      </p:par>
-    </p:tnLst>
-  </p:timing>
 </p:sld>
 </file>
 
@@ -5193,8 +4319,8 @@
         </p:blipFill>
         <p:spPr>
           <a:xfrm>
-            <a:off x="536795" y="0"/>
-            <a:ext cx="11118409" cy="6858000"/>
+            <a:off x="1447800" y="271462"/>
+            <a:ext cx="9296400" cy="6315075"/>
           </a:xfrm>
           <a:prstGeom prst="rect">
             <a:avLst/>
@@ -5203,14 +4329,14 @@
       </p:pic>
       <p:sp>
         <p:nvSpPr>
-          <p:cNvPr id="4" name="Rounded Rectangle 3"/>
+          <p:cNvPr id="5" name="Rounded Rectangle 4"/>
           <p:cNvSpPr/>
           <p:nvPr/>
         </p:nvSpPr>
         <p:spPr>
           <a:xfrm>
-            <a:off x="461176" y="699717"/>
-            <a:ext cx="1033670" cy="357808"/>
+            <a:off x="3522427" y="1240404"/>
+            <a:ext cx="6019138" cy="652006"/>
           </a:xfrm>
           <a:prstGeom prst="roundRect">
             <a:avLst/>
@@ -5247,61 +4373,16 @@
           </a:p>
         </p:txBody>
       </p:sp>
-      <p:cxnSp>
-        <p:nvCxnSpPr>
-          <p:cNvPr id="5" name="Straight Arrow Connector 4"/>
-          <p:cNvCxnSpPr>
-            <a:stCxn id="4" idx="3"/>
-          </p:cNvCxnSpPr>
-          <p:nvPr/>
-        </p:nvCxnSpPr>
-        <p:spPr>
-          <a:xfrm>
-            <a:off x="1494846" y="878621"/>
-            <a:ext cx="2926079" cy="4917880"/>
-          </a:xfrm>
-          <a:prstGeom prst="straightConnector1">
-            <a:avLst/>
-          </a:prstGeom>
-          <a:ln w="28575">
-            <a:solidFill>
-              <a:srgbClr val="FF0000"/>
-            </a:solidFill>
-            <a:tailEnd type="triangle"/>
-          </a:ln>
-        </p:spPr>
-        <p:style>
-          <a:lnRef idx="1">
-            <a:schemeClr val="accent1"/>
-          </a:lnRef>
-          <a:fillRef idx="0">
-            <a:schemeClr val="accent1"/>
-          </a:fillRef>
-          <a:effectRef idx="0">
-            <a:schemeClr val="accent1"/>
-          </a:effectRef>
-          <a:fontRef idx="minor">
-            <a:schemeClr val="tx1"/>
-          </a:fontRef>
-        </p:style>
-      </p:cxnSp>
     </p:spTree>
     <p:extLst>
       <p:ext uri="{BB962C8B-B14F-4D97-AF65-F5344CB8AC3E}">
-        <p14:creationId xmlns:p14="http://schemas.microsoft.com/office/powerpoint/2010/main" val="3000165238"/>
+        <p14:creationId xmlns:p14="http://schemas.microsoft.com/office/powerpoint/2010/main" val="208769060"/>
       </p:ext>
     </p:extLst>
   </p:cSld>
   <p:clrMapOvr>
     <a:masterClrMapping/>
   </p:clrMapOvr>
-  <p:timing>
-    <p:tnLst>
-      <p:par>
-        <p:cTn id="1" dur="indefinite" restart="never" nodeType="tmRoot"/>
-      </p:par>
-    </p:tnLst>
-  </p:timing>
 </p:sld>
 </file>
 
@@ -5322,187 +4403,1219 @@
           <a:chExt cx="0" cy="0"/>
         </a:xfrm>
       </p:grpSpPr>
-      <p:pic>
-        <p:nvPicPr>
-          <p:cNvPr id="5" name="Picture 4"/>
-          <p:cNvPicPr>
-            <a:picLocks noChangeAspect="1"/>
-          </p:cNvPicPr>
+      <p:sp>
+        <p:nvSpPr>
+          <p:cNvPr id="3" name="Rectangle 2"/>
+          <p:cNvSpPr/>
           <p:nvPr/>
-        </p:nvPicPr>
-        <p:blipFill>
-          <a:blip r:embed="rId2"/>
-          <a:stretch>
-            <a:fillRect/>
-          </a:stretch>
-        </p:blipFill>
-        <p:spPr>
-          <a:xfrm>
-            <a:off x="194310" y="108047"/>
-            <a:ext cx="4807455" cy="3358722"/>
+        </p:nvSpPr>
+        <p:spPr>
+          <a:xfrm>
+            <a:off x="1688328" y="107169"/>
+            <a:ext cx="6096000" cy="6617196"/>
           </a:xfrm>
           <a:prstGeom prst="rect">
             <a:avLst/>
           </a:prstGeom>
         </p:spPr>
-      </p:pic>
-      <p:pic>
-        <p:nvPicPr>
-          <p:cNvPr id="7" name="Picture 6"/>
-          <p:cNvPicPr>
-            <a:picLocks noChangeAspect="1"/>
-          </p:cNvPicPr>
-          <p:nvPr/>
-        </p:nvPicPr>
-        <p:blipFill>
-          <a:blip r:embed="rId3"/>
-          <a:stretch>
-            <a:fillRect/>
-          </a:stretch>
-        </p:blipFill>
-        <p:spPr>
-          <a:xfrm>
-            <a:off x="377190" y="1841121"/>
-            <a:ext cx="4807455" cy="3358722"/>
-          </a:xfrm>
-          <a:prstGeom prst="rect">
-            <a:avLst/>
-          </a:prstGeom>
-        </p:spPr>
-      </p:pic>
-      <p:pic>
-        <p:nvPicPr>
-          <p:cNvPr id="8" name="Picture 7"/>
-          <p:cNvPicPr>
-            <a:picLocks noChangeAspect="1"/>
-          </p:cNvPicPr>
-          <p:nvPr/>
-        </p:nvPicPr>
-        <p:blipFill>
-          <a:blip r:embed="rId4"/>
-          <a:stretch>
-            <a:fillRect/>
-          </a:stretch>
-        </p:blipFill>
-        <p:spPr>
-          <a:xfrm>
-            <a:off x="715122" y="3234235"/>
-            <a:ext cx="4807455" cy="3358722"/>
-          </a:xfrm>
-          <a:prstGeom prst="rect">
-            <a:avLst/>
-          </a:prstGeom>
-        </p:spPr>
-      </p:pic>
-      <p:sp>
-        <p:nvSpPr>
-          <p:cNvPr id="9" name="Rounded Rectangle 8"/>
-          <p:cNvSpPr/>
-          <p:nvPr/>
-        </p:nvSpPr>
-        <p:spPr>
-          <a:xfrm>
-            <a:off x="1653871" y="4079019"/>
-            <a:ext cx="1534602" cy="238539"/>
-          </a:xfrm>
-          <a:prstGeom prst="roundRect">
-            <a:avLst/>
-          </a:prstGeom>
-          <a:noFill/>
-          <a:ln w="28575">
-            <a:solidFill>
-              <a:srgbClr val="FF0000"/>
-            </a:solidFill>
-          </a:ln>
-        </p:spPr>
-        <p:style>
-          <a:lnRef idx="2">
-            <a:schemeClr val="accent1">
-              <a:shade val="50000"/>
-            </a:schemeClr>
-          </a:lnRef>
-          <a:fillRef idx="1">
-            <a:schemeClr val="accent1"/>
-          </a:fillRef>
-          <a:effectRef idx="0">
-            <a:schemeClr val="accent1"/>
-          </a:effectRef>
-          <a:fontRef idx="minor">
-            <a:schemeClr val="lt1"/>
-          </a:fontRef>
-        </p:style>
-        <p:txBody>
-          <a:bodyPr rtlCol="0" anchor="ctr"/>
+        <p:txBody>
+          <a:bodyPr>
+            <a:spAutoFit/>
+          </a:bodyPr>
           <a:lstStyle/>
           <a:p>
-            <a:pPr algn="ctr"/>
-            <a:endParaRPr lang="en-US"/>
-          </a:p>
-        </p:txBody>
-      </p:sp>
-      <p:sp>
-        <p:nvSpPr>
-          <p:cNvPr id="10" name="Rounded Rectangle 9"/>
-          <p:cNvSpPr/>
-          <p:nvPr/>
-        </p:nvSpPr>
-        <p:spPr>
-          <a:xfrm>
-            <a:off x="715122" y="1228871"/>
-            <a:ext cx="549135" cy="272290"/>
-          </a:xfrm>
-          <a:prstGeom prst="roundRect">
-            <a:avLst/>
-          </a:prstGeom>
-          <a:noFill/>
-          <a:ln w="28575">
-            <a:solidFill>
-              <a:srgbClr val="FF0000"/>
-            </a:solidFill>
-          </a:ln>
-        </p:spPr>
-        <p:style>
-          <a:lnRef idx="2">
-            <a:schemeClr val="accent1">
-              <a:shade val="50000"/>
-            </a:schemeClr>
-          </a:lnRef>
-          <a:fillRef idx="1">
-            <a:schemeClr val="accent1"/>
-          </a:fillRef>
-          <a:effectRef idx="0">
-            <a:schemeClr val="accent1"/>
-          </a:effectRef>
-          <a:fontRef idx="minor">
-            <a:schemeClr val="lt1"/>
-          </a:fontRef>
-        </p:style>
-        <p:txBody>
-          <a:bodyPr rtlCol="0" anchor="ctr"/>
-          <a:lstStyle/>
-          <a:p>
-            <a:pPr algn="ctr"/>
-            <a:endParaRPr lang="en-US"/>
+            <a:r>
+              <a:rPr lang="en-US" sz="800">
+                <a:solidFill>
+                  <a:srgbClr val="228B22"/>
+                </a:solidFill>
+                <a:latin typeface="Courier New" panose="02070309020205020404" pitchFamily="49" charset="0"/>
+              </a:rPr>
+              <a:t>%% Search for a specified operating point for the model - </a:t>
+            </a:r>
+            <a:r>
+              <a:rPr lang="en-US" sz="800" dirty="0" err="1">
+                <a:solidFill>
+                  <a:srgbClr val="228B22"/>
+                </a:solidFill>
+                <a:latin typeface="Courier New" panose="02070309020205020404" pitchFamily="49" charset="0"/>
+              </a:rPr>
+              <a:t>findop_model</a:t>
+            </a:r>
+            <a:r>
+              <a:rPr lang="en-US" sz="800" dirty="0">
+                <a:solidFill>
+                  <a:srgbClr val="228B22"/>
+                </a:solidFill>
+                <a:latin typeface="Courier New" panose="02070309020205020404" pitchFamily="49" charset="0"/>
+              </a:rPr>
+              <a:t>.</a:t>
+            </a:r>
+          </a:p>
+          <a:p>
+            <a:r>
+              <a:rPr lang="en-US" sz="800" dirty="0">
+                <a:solidFill>
+                  <a:srgbClr val="228B22"/>
+                </a:solidFill>
+                <a:latin typeface="Courier New" panose="02070309020205020404" pitchFamily="49" charset="0"/>
+              </a:rPr>
+              <a:t>%</a:t>
+            </a:r>
+          </a:p>
+          <a:p>
+            <a:r>
+              <a:rPr lang="en-US" sz="800" dirty="0">
+                <a:solidFill>
+                  <a:srgbClr val="228B22"/>
+                </a:solidFill>
+                <a:latin typeface="Courier New" panose="02070309020205020404" pitchFamily="49" charset="0"/>
+              </a:rPr>
+              <a:t>% This MATLAB script is the command line equivalent of the trim model</a:t>
+            </a:r>
+          </a:p>
+          <a:p>
+            <a:r>
+              <a:rPr lang="en-US" sz="800" dirty="0">
+                <a:solidFill>
+                  <a:srgbClr val="228B22"/>
+                </a:solidFill>
+                <a:latin typeface="Courier New" panose="02070309020205020404" pitchFamily="49" charset="0"/>
+              </a:rPr>
+              <a:t>% tab in linear analysis tool with current specifications and options.</a:t>
+            </a:r>
+          </a:p>
+          <a:p>
+            <a:r>
+              <a:rPr lang="en-US" sz="800" dirty="0">
+                <a:solidFill>
+                  <a:srgbClr val="228B22"/>
+                </a:solidFill>
+                <a:latin typeface="Courier New" panose="02070309020205020404" pitchFamily="49" charset="0"/>
+              </a:rPr>
+              <a:t>% It produces the exact same operating points as hitting the Trim button.</a:t>
+            </a:r>
+          </a:p>
+          <a:p>
+            <a:r>
+              <a:rPr lang="en-US" sz="800" dirty="0">
+                <a:solidFill>
+                  <a:srgbClr val="228B22"/>
+                </a:solidFill>
+                <a:latin typeface="Courier New" panose="02070309020205020404" pitchFamily="49" charset="0"/>
+              </a:rPr>
+              <a:t> </a:t>
+            </a:r>
+          </a:p>
+          <a:p>
+            <a:r>
+              <a:rPr lang="en-US" sz="800" dirty="0">
+                <a:solidFill>
+                  <a:srgbClr val="228B22"/>
+                </a:solidFill>
+                <a:latin typeface="Courier New" panose="02070309020205020404" pitchFamily="49" charset="0"/>
+              </a:rPr>
+              <a:t>% MATLAB(R) file generated by MATLAB(R) 9.5 and Simulink Control Design (TM) 5.2.</a:t>
+            </a:r>
+          </a:p>
+          <a:p>
+            <a:r>
+              <a:rPr lang="en-US" sz="800" dirty="0">
+                <a:solidFill>
+                  <a:srgbClr val="228B22"/>
+                </a:solidFill>
+                <a:latin typeface="Courier New" panose="02070309020205020404" pitchFamily="49" charset="0"/>
+              </a:rPr>
+              <a:t>%</a:t>
+            </a:r>
+          </a:p>
+          <a:p>
+            <a:r>
+              <a:rPr lang="en-US" sz="800" dirty="0">
+                <a:solidFill>
+                  <a:srgbClr val="228B22"/>
+                </a:solidFill>
+                <a:latin typeface="Courier New" panose="02070309020205020404" pitchFamily="49" charset="0"/>
+              </a:rPr>
+              <a:t>% Generated on: 28-Apr-2019 10:56:06</a:t>
+            </a:r>
+          </a:p>
+          <a:p>
+            <a:r>
+              <a:rPr lang="en-US" sz="800" dirty="0">
+                <a:solidFill>
+                  <a:srgbClr val="228B22"/>
+                </a:solidFill>
+                <a:latin typeface="Courier New" panose="02070309020205020404" pitchFamily="49" charset="0"/>
+              </a:rPr>
+              <a:t> </a:t>
+            </a:r>
+          </a:p>
+          <a:p>
+            <a:r>
+              <a:rPr lang="en-US" sz="800" dirty="0">
+                <a:solidFill>
+                  <a:srgbClr val="228B22"/>
+                </a:solidFill>
+                <a:latin typeface="Courier New" panose="02070309020205020404" pitchFamily="49" charset="0"/>
+              </a:rPr>
+              <a:t>%% Specify the model name</a:t>
+            </a:r>
+          </a:p>
+          <a:p>
+            <a:r>
+              <a:rPr lang="en-US" sz="800" dirty="0">
+                <a:solidFill>
+                  <a:srgbClr val="000000"/>
+                </a:solidFill>
+                <a:latin typeface="Courier New" panose="02070309020205020404" pitchFamily="49" charset="0"/>
+              </a:rPr>
+              <a:t>model = </a:t>
+            </a:r>
+            <a:r>
+              <a:rPr lang="en-US" sz="800" dirty="0">
+                <a:solidFill>
+                  <a:srgbClr val="A020F0"/>
+                </a:solidFill>
+                <a:latin typeface="Courier New" panose="02070309020205020404" pitchFamily="49" charset="0"/>
+              </a:rPr>
+              <a:t>'</a:t>
+            </a:r>
+            <a:r>
+              <a:rPr lang="en-US" sz="800" dirty="0" err="1">
+                <a:solidFill>
+                  <a:srgbClr val="A020F0"/>
+                </a:solidFill>
+                <a:latin typeface="Courier New" panose="02070309020205020404" pitchFamily="49" charset="0"/>
+              </a:rPr>
+              <a:t>findop_model</a:t>
+            </a:r>
+            <a:r>
+              <a:rPr lang="en-US" sz="800" dirty="0">
+                <a:solidFill>
+                  <a:srgbClr val="A020F0"/>
+                </a:solidFill>
+                <a:latin typeface="Courier New" panose="02070309020205020404" pitchFamily="49" charset="0"/>
+              </a:rPr>
+              <a:t>'</a:t>
+            </a:r>
+            <a:r>
+              <a:rPr lang="en-US" sz="800" dirty="0">
+                <a:solidFill>
+                  <a:srgbClr val="000000"/>
+                </a:solidFill>
+                <a:latin typeface="Courier New" panose="02070309020205020404" pitchFamily="49" charset="0"/>
+              </a:rPr>
+              <a:t>;</a:t>
+            </a:r>
+          </a:p>
+          <a:p>
+            <a:r>
+              <a:rPr lang="en-US" sz="800" dirty="0">
+                <a:solidFill>
+                  <a:srgbClr val="000000"/>
+                </a:solidFill>
+                <a:latin typeface="Courier New" panose="02070309020205020404" pitchFamily="49" charset="0"/>
+              </a:rPr>
+              <a:t> </a:t>
+            </a:r>
+          </a:p>
+          <a:p>
+            <a:r>
+              <a:rPr lang="en-US" sz="800" dirty="0">
+                <a:solidFill>
+                  <a:srgbClr val="228B22"/>
+                </a:solidFill>
+                <a:latin typeface="Courier New" panose="02070309020205020404" pitchFamily="49" charset="0"/>
+              </a:rPr>
+              <a:t>%% Create the operating point specification object.</a:t>
+            </a:r>
+          </a:p>
+          <a:p>
+            <a:r>
+              <a:rPr lang="en-US" sz="800" dirty="0" err="1">
+                <a:solidFill>
+                  <a:srgbClr val="000000"/>
+                </a:solidFill>
+                <a:latin typeface="Courier New" panose="02070309020205020404" pitchFamily="49" charset="0"/>
+              </a:rPr>
+              <a:t>opspec</a:t>
+            </a:r>
+            <a:r>
+              <a:rPr lang="en-US" sz="800" dirty="0">
+                <a:solidFill>
+                  <a:srgbClr val="000000"/>
+                </a:solidFill>
+                <a:latin typeface="Courier New" panose="02070309020205020404" pitchFamily="49" charset="0"/>
+              </a:rPr>
+              <a:t> = </a:t>
+            </a:r>
+            <a:r>
+              <a:rPr lang="en-US" sz="800" dirty="0" err="1">
+                <a:solidFill>
+                  <a:srgbClr val="000000"/>
+                </a:solidFill>
+                <a:latin typeface="Courier New" panose="02070309020205020404" pitchFamily="49" charset="0"/>
+              </a:rPr>
+              <a:t>operspec</a:t>
+            </a:r>
+            <a:r>
+              <a:rPr lang="en-US" sz="800" dirty="0">
+                <a:solidFill>
+                  <a:srgbClr val="000000"/>
+                </a:solidFill>
+                <a:latin typeface="Courier New" panose="02070309020205020404" pitchFamily="49" charset="0"/>
+              </a:rPr>
+              <a:t>(model);</a:t>
+            </a:r>
+          </a:p>
+          <a:p>
+            <a:r>
+              <a:rPr lang="en-US" sz="800" dirty="0">
+                <a:solidFill>
+                  <a:srgbClr val="000000"/>
+                </a:solidFill>
+                <a:latin typeface="Courier New" panose="02070309020205020404" pitchFamily="49" charset="0"/>
+              </a:rPr>
+              <a:t> </a:t>
+            </a:r>
+          </a:p>
+          <a:p>
+            <a:r>
+              <a:rPr lang="en-US" sz="800" dirty="0">
+                <a:solidFill>
+                  <a:srgbClr val="228B22"/>
+                </a:solidFill>
+                <a:latin typeface="Courier New" panose="02070309020205020404" pitchFamily="49" charset="0"/>
+              </a:rPr>
+              <a:t>%% Set the constraints on the states in the model.</a:t>
+            </a:r>
+          </a:p>
+          <a:p>
+            <a:r>
+              <a:rPr lang="en-US" sz="800" dirty="0">
+                <a:solidFill>
+                  <a:srgbClr val="228B22"/>
+                </a:solidFill>
+                <a:latin typeface="Courier New" panose="02070309020205020404" pitchFamily="49" charset="0"/>
+              </a:rPr>
+              <a:t>% - The defaults for all states are Known = false, SteadyState = true,</a:t>
+            </a:r>
+          </a:p>
+          <a:p>
+            <a:r>
+              <a:rPr lang="en-US" sz="800" dirty="0">
+                <a:solidFill>
+                  <a:srgbClr val="228B22"/>
+                </a:solidFill>
+                <a:latin typeface="Courier New" panose="02070309020205020404" pitchFamily="49" charset="0"/>
+              </a:rPr>
+              <a:t>%   Min = -</a:t>
+            </a:r>
+            <a:r>
+              <a:rPr lang="en-US" sz="800" dirty="0" err="1">
+                <a:solidFill>
+                  <a:srgbClr val="228B22"/>
+                </a:solidFill>
+                <a:latin typeface="Courier New" panose="02070309020205020404" pitchFamily="49" charset="0"/>
+              </a:rPr>
+              <a:t>Inf</a:t>
+            </a:r>
+            <a:r>
+              <a:rPr lang="en-US" sz="800" dirty="0">
+                <a:solidFill>
+                  <a:srgbClr val="228B22"/>
+                </a:solidFill>
+                <a:latin typeface="Courier New" panose="02070309020205020404" pitchFamily="49" charset="0"/>
+              </a:rPr>
+              <a:t>, Max = </a:t>
+            </a:r>
+            <a:r>
+              <a:rPr lang="en-US" sz="800" dirty="0" err="1">
+                <a:solidFill>
+                  <a:srgbClr val="228B22"/>
+                </a:solidFill>
+                <a:latin typeface="Courier New" panose="02070309020205020404" pitchFamily="49" charset="0"/>
+              </a:rPr>
+              <a:t>Inf</a:t>
+            </a:r>
+            <a:r>
+              <a:rPr lang="en-US" sz="800" dirty="0">
+                <a:solidFill>
+                  <a:srgbClr val="228B22"/>
+                </a:solidFill>
+                <a:latin typeface="Courier New" panose="02070309020205020404" pitchFamily="49" charset="0"/>
+              </a:rPr>
+              <a:t>, </a:t>
+            </a:r>
+            <a:r>
+              <a:rPr lang="en-US" sz="800" dirty="0" err="1">
+                <a:solidFill>
+                  <a:srgbClr val="228B22"/>
+                </a:solidFill>
+                <a:latin typeface="Courier New" panose="02070309020205020404" pitchFamily="49" charset="0"/>
+              </a:rPr>
+              <a:t>dxMin</a:t>
+            </a:r>
+            <a:r>
+              <a:rPr lang="en-US" sz="800" dirty="0">
+                <a:solidFill>
+                  <a:srgbClr val="228B22"/>
+                </a:solidFill>
+                <a:latin typeface="Courier New" panose="02070309020205020404" pitchFamily="49" charset="0"/>
+              </a:rPr>
+              <a:t> = -</a:t>
+            </a:r>
+            <a:r>
+              <a:rPr lang="en-US" sz="800" dirty="0" err="1">
+                <a:solidFill>
+                  <a:srgbClr val="228B22"/>
+                </a:solidFill>
+                <a:latin typeface="Courier New" panose="02070309020205020404" pitchFamily="49" charset="0"/>
+              </a:rPr>
+              <a:t>Inf</a:t>
+            </a:r>
+            <a:r>
+              <a:rPr lang="en-US" sz="800" dirty="0">
+                <a:solidFill>
+                  <a:srgbClr val="228B22"/>
+                </a:solidFill>
+                <a:latin typeface="Courier New" panose="02070309020205020404" pitchFamily="49" charset="0"/>
+              </a:rPr>
+              <a:t>, and </a:t>
+            </a:r>
+            <a:r>
+              <a:rPr lang="en-US" sz="800" dirty="0" err="1">
+                <a:solidFill>
+                  <a:srgbClr val="228B22"/>
+                </a:solidFill>
+                <a:latin typeface="Courier New" panose="02070309020205020404" pitchFamily="49" charset="0"/>
+              </a:rPr>
+              <a:t>dxMax</a:t>
+            </a:r>
+            <a:r>
+              <a:rPr lang="en-US" sz="800" dirty="0">
+                <a:solidFill>
+                  <a:srgbClr val="228B22"/>
+                </a:solidFill>
+                <a:latin typeface="Courier New" panose="02070309020205020404" pitchFamily="49" charset="0"/>
+              </a:rPr>
+              <a:t> = Inf.</a:t>
+            </a:r>
+          </a:p>
+          <a:p>
+            <a:r>
+              <a:rPr lang="en-US" sz="800" dirty="0">
+                <a:solidFill>
+                  <a:srgbClr val="228B22"/>
+                </a:solidFill>
+                <a:latin typeface="Courier New" panose="02070309020205020404" pitchFamily="49" charset="0"/>
+              </a:rPr>
+              <a:t> </a:t>
+            </a:r>
+          </a:p>
+          <a:p>
+            <a:r>
+              <a:rPr lang="en-US" sz="800" dirty="0">
+                <a:solidFill>
+                  <a:srgbClr val="228B22"/>
+                </a:solidFill>
+                <a:latin typeface="Courier New" panose="02070309020205020404" pitchFamily="49" charset="0"/>
+              </a:rPr>
+              <a:t>% State (1) - </a:t>
+            </a:r>
+            <a:r>
+              <a:rPr lang="en-US" sz="800" dirty="0" err="1">
+                <a:solidFill>
+                  <a:srgbClr val="228B22"/>
+                </a:solidFill>
+                <a:latin typeface="Courier New" panose="02070309020205020404" pitchFamily="49" charset="0"/>
+              </a:rPr>
+              <a:t>findop_model</a:t>
+            </a:r>
+            <a:r>
+              <a:rPr lang="en-US" sz="800" dirty="0">
+                <a:solidFill>
+                  <a:srgbClr val="228B22"/>
+                </a:solidFill>
+                <a:latin typeface="Courier New" panose="02070309020205020404" pitchFamily="49" charset="0"/>
+              </a:rPr>
+              <a:t>/</a:t>
+            </a:r>
+            <a:r>
+              <a:rPr lang="en-US" sz="800" dirty="0" err="1">
+                <a:solidFill>
+                  <a:srgbClr val="228B22"/>
+                </a:solidFill>
+                <a:latin typeface="Courier New" panose="02070309020205020404" pitchFamily="49" charset="0"/>
+              </a:rPr>
+              <a:t>planar_vehicle</a:t>
+            </a:r>
+            <a:r>
+              <a:rPr lang="en-US" sz="800" dirty="0">
+                <a:solidFill>
+                  <a:srgbClr val="228B22"/>
+                </a:solidFill>
+                <a:latin typeface="Courier New" panose="02070309020205020404" pitchFamily="49" charset="0"/>
+              </a:rPr>
+              <a:t>/Integrator x; y; </a:t>
+            </a:r>
+            <a:r>
+              <a:rPr lang="en-US" sz="800" dirty="0" err="1">
+                <a:solidFill>
+                  <a:srgbClr val="228B22"/>
+                </a:solidFill>
+                <a:latin typeface="Courier New" panose="02070309020205020404" pitchFamily="49" charset="0"/>
+              </a:rPr>
+              <a:t>xDot</a:t>
+            </a:r>
+            <a:r>
+              <a:rPr lang="en-US" sz="800" dirty="0">
+                <a:solidFill>
+                  <a:srgbClr val="228B22"/>
+                </a:solidFill>
+                <a:latin typeface="Courier New" panose="02070309020205020404" pitchFamily="49" charset="0"/>
+              </a:rPr>
+              <a:t>; </a:t>
+            </a:r>
+            <a:r>
+              <a:rPr lang="en-US" sz="800" dirty="0" err="1">
+                <a:solidFill>
+                  <a:srgbClr val="228B22"/>
+                </a:solidFill>
+                <a:latin typeface="Courier New" panose="02070309020205020404" pitchFamily="49" charset="0"/>
+              </a:rPr>
+              <a:t>yDot</a:t>
+            </a:r>
+            <a:r>
+              <a:rPr lang="en-US" sz="800" dirty="0">
+                <a:solidFill>
+                  <a:srgbClr val="228B22"/>
+                </a:solidFill>
+                <a:latin typeface="Courier New" panose="02070309020205020404" pitchFamily="49" charset="0"/>
+              </a:rPr>
+              <a:t>; theta; </a:t>
+            </a:r>
+            <a:r>
+              <a:rPr lang="en-US" sz="800" dirty="0" err="1">
+                <a:solidFill>
+                  <a:srgbClr val="228B22"/>
+                </a:solidFill>
+                <a:latin typeface="Courier New" panose="02070309020205020404" pitchFamily="49" charset="0"/>
+              </a:rPr>
+              <a:t>thetaDot</a:t>
+            </a:r>
+            <a:endParaRPr lang="en-US" sz="800" dirty="0">
+              <a:solidFill>
+                <a:srgbClr val="228B22"/>
+              </a:solidFill>
+              <a:latin typeface="Courier New" panose="02070309020205020404" pitchFamily="49" charset="0"/>
+            </a:endParaRPr>
+          </a:p>
+          <a:p>
+            <a:r>
+              <a:rPr lang="en-US" sz="800" dirty="0" err="1">
+                <a:solidFill>
+                  <a:srgbClr val="000000"/>
+                </a:solidFill>
+                <a:latin typeface="Courier New" panose="02070309020205020404" pitchFamily="49" charset="0"/>
+              </a:rPr>
+              <a:t>opspec.States</a:t>
+            </a:r>
+            <a:r>
+              <a:rPr lang="en-US" sz="800" dirty="0">
+                <a:solidFill>
+                  <a:srgbClr val="000000"/>
+                </a:solidFill>
+                <a:latin typeface="Courier New" panose="02070309020205020404" pitchFamily="49" charset="0"/>
+              </a:rPr>
+              <a:t>(1).x = [0;0;0;15;1.5708;0];</a:t>
+            </a:r>
+          </a:p>
+          <a:p>
+            <a:r>
+              <a:rPr lang="en-US" sz="800" dirty="0" err="1">
+                <a:solidFill>
+                  <a:srgbClr val="000000"/>
+                </a:solidFill>
+                <a:latin typeface="Courier New" panose="02070309020205020404" pitchFamily="49" charset="0"/>
+              </a:rPr>
+              <a:t>opspec.States</a:t>
+            </a:r>
+            <a:r>
+              <a:rPr lang="en-US" sz="800" dirty="0">
+                <a:solidFill>
+                  <a:srgbClr val="000000"/>
+                </a:solidFill>
+                <a:latin typeface="Courier New" panose="02070309020205020404" pitchFamily="49" charset="0"/>
+              </a:rPr>
+              <a:t>(1).Known = [</a:t>
+            </a:r>
+            <a:r>
+              <a:rPr lang="en-US" sz="800" dirty="0" err="1">
+                <a:solidFill>
+                  <a:srgbClr val="000000"/>
+                </a:solidFill>
+                <a:latin typeface="Courier New" panose="02070309020205020404" pitchFamily="49" charset="0"/>
+              </a:rPr>
+              <a:t>false;false;false;true;true;true</a:t>
+            </a:r>
+            <a:r>
+              <a:rPr lang="en-US" sz="800" dirty="0">
+                <a:solidFill>
+                  <a:srgbClr val="000000"/>
+                </a:solidFill>
+                <a:latin typeface="Courier New" panose="02070309020205020404" pitchFamily="49" charset="0"/>
+              </a:rPr>
+              <a:t>];</a:t>
+            </a:r>
+          </a:p>
+          <a:p>
+            <a:r>
+              <a:rPr lang="en-US" sz="800" dirty="0" err="1">
+                <a:solidFill>
+                  <a:srgbClr val="000000"/>
+                </a:solidFill>
+                <a:latin typeface="Courier New" panose="02070309020205020404" pitchFamily="49" charset="0"/>
+              </a:rPr>
+              <a:t>opspec.States</a:t>
+            </a:r>
+            <a:r>
+              <a:rPr lang="en-US" sz="800" dirty="0">
+                <a:solidFill>
+                  <a:srgbClr val="000000"/>
+                </a:solidFill>
+                <a:latin typeface="Courier New" panose="02070309020205020404" pitchFamily="49" charset="0"/>
+              </a:rPr>
+              <a:t>(1).SteadyState = [</a:t>
+            </a:r>
+            <a:r>
+              <a:rPr lang="en-US" sz="800" dirty="0" err="1">
+                <a:solidFill>
+                  <a:srgbClr val="000000"/>
+                </a:solidFill>
+                <a:latin typeface="Courier New" panose="02070309020205020404" pitchFamily="49" charset="0"/>
+              </a:rPr>
+              <a:t>false;false;true;true;true;true</a:t>
+            </a:r>
+            <a:r>
+              <a:rPr lang="en-US" sz="800" dirty="0">
+                <a:solidFill>
+                  <a:srgbClr val="000000"/>
+                </a:solidFill>
+                <a:latin typeface="Courier New" panose="02070309020205020404" pitchFamily="49" charset="0"/>
+              </a:rPr>
+              <a:t>];</a:t>
+            </a:r>
+          </a:p>
+          <a:p>
+            <a:r>
+              <a:rPr lang="en-US" sz="800" dirty="0">
+                <a:solidFill>
+                  <a:srgbClr val="000000"/>
+                </a:solidFill>
+                <a:latin typeface="Courier New" panose="02070309020205020404" pitchFamily="49" charset="0"/>
+              </a:rPr>
+              <a:t> </a:t>
+            </a:r>
+          </a:p>
+          <a:p>
+            <a:r>
+              <a:rPr lang="en-US" sz="800" dirty="0">
+                <a:solidFill>
+                  <a:srgbClr val="228B22"/>
+                </a:solidFill>
+                <a:latin typeface="Courier New" panose="02070309020205020404" pitchFamily="49" charset="0"/>
+              </a:rPr>
+              <a:t>%% Set the constraints on the inputs in the model.</a:t>
+            </a:r>
+          </a:p>
+          <a:p>
+            <a:r>
+              <a:rPr lang="en-US" sz="800" dirty="0">
+                <a:solidFill>
+                  <a:srgbClr val="228B22"/>
+                </a:solidFill>
+                <a:latin typeface="Courier New" panose="02070309020205020404" pitchFamily="49" charset="0"/>
+              </a:rPr>
+              <a:t>% - The defaults for all inputs are Known = false, Min = -</a:t>
+            </a:r>
+            <a:r>
+              <a:rPr lang="en-US" sz="800" dirty="0" err="1">
+                <a:solidFill>
+                  <a:srgbClr val="228B22"/>
+                </a:solidFill>
+                <a:latin typeface="Courier New" panose="02070309020205020404" pitchFamily="49" charset="0"/>
+              </a:rPr>
+              <a:t>Inf</a:t>
+            </a:r>
+            <a:r>
+              <a:rPr lang="en-US" sz="800" dirty="0">
+                <a:solidFill>
+                  <a:srgbClr val="228B22"/>
+                </a:solidFill>
+                <a:latin typeface="Courier New" panose="02070309020205020404" pitchFamily="49" charset="0"/>
+              </a:rPr>
+              <a:t>, and</a:t>
+            </a:r>
+          </a:p>
+          <a:p>
+            <a:r>
+              <a:rPr lang="en-US" sz="800" dirty="0">
+                <a:solidFill>
+                  <a:srgbClr val="228B22"/>
+                </a:solidFill>
+                <a:latin typeface="Courier New" panose="02070309020205020404" pitchFamily="49" charset="0"/>
+              </a:rPr>
+              <a:t>% Max = Inf.</a:t>
+            </a:r>
+          </a:p>
+          <a:p>
+            <a:r>
+              <a:rPr lang="en-US" sz="800" dirty="0">
+                <a:solidFill>
+                  <a:srgbClr val="228B22"/>
+                </a:solidFill>
+                <a:latin typeface="Courier New" panose="02070309020205020404" pitchFamily="49" charset="0"/>
+              </a:rPr>
+              <a:t> </a:t>
+            </a:r>
+          </a:p>
+          <a:p>
+            <a:r>
+              <a:rPr lang="en-US" sz="800" dirty="0">
+                <a:solidFill>
+                  <a:srgbClr val="228B22"/>
+                </a:solidFill>
+                <a:latin typeface="Courier New" panose="02070309020205020404" pitchFamily="49" charset="0"/>
+              </a:rPr>
+              <a:t>% Input (1) - </a:t>
+            </a:r>
+            <a:r>
+              <a:rPr lang="en-US" sz="800" dirty="0" err="1">
+                <a:solidFill>
+                  <a:srgbClr val="228B22"/>
+                </a:solidFill>
+                <a:latin typeface="Courier New" panose="02070309020205020404" pitchFamily="49" charset="0"/>
+              </a:rPr>
+              <a:t>findop_model</a:t>
+            </a:r>
+            <a:r>
+              <a:rPr lang="en-US" sz="800" dirty="0">
+                <a:solidFill>
+                  <a:srgbClr val="228B22"/>
+                </a:solidFill>
+                <a:latin typeface="Courier New" panose="02070309020205020404" pitchFamily="49" charset="0"/>
+              </a:rPr>
+              <a:t>/thrust fraction</a:t>
+            </a:r>
+          </a:p>
+          <a:p>
+            <a:r>
+              <a:rPr lang="en-US" sz="800" dirty="0" err="1">
+                <a:solidFill>
+                  <a:srgbClr val="000000"/>
+                </a:solidFill>
+                <a:latin typeface="Courier New" panose="02070309020205020404" pitchFamily="49" charset="0"/>
+              </a:rPr>
+              <a:t>opspec.Inputs</a:t>
+            </a:r>
+            <a:r>
+              <a:rPr lang="en-US" sz="800" dirty="0">
+                <a:solidFill>
+                  <a:srgbClr val="000000"/>
+                </a:solidFill>
+                <a:latin typeface="Courier New" panose="02070309020205020404" pitchFamily="49" charset="0"/>
+              </a:rPr>
+              <a:t>(1).u = 0;</a:t>
+            </a:r>
+          </a:p>
+          <a:p>
+            <a:r>
+              <a:rPr lang="en-US" sz="800" dirty="0">
+                <a:solidFill>
+                  <a:srgbClr val="000000"/>
+                </a:solidFill>
+                <a:latin typeface="Courier New" panose="02070309020205020404" pitchFamily="49" charset="0"/>
+              </a:rPr>
+              <a:t> </a:t>
+            </a:r>
+          </a:p>
+          <a:p>
+            <a:r>
+              <a:rPr lang="en-US" sz="800" dirty="0">
+                <a:solidFill>
+                  <a:srgbClr val="228B22"/>
+                </a:solidFill>
+                <a:latin typeface="Courier New" panose="02070309020205020404" pitchFamily="49" charset="0"/>
+              </a:rPr>
+              <a:t>% Input (2) - </a:t>
+            </a:r>
+            <a:r>
+              <a:rPr lang="en-US" sz="800" dirty="0" err="1">
+                <a:solidFill>
+                  <a:srgbClr val="228B22"/>
+                </a:solidFill>
+                <a:latin typeface="Courier New" panose="02070309020205020404" pitchFamily="49" charset="0"/>
+              </a:rPr>
+              <a:t>findop_model</a:t>
+            </a:r>
+            <a:r>
+              <a:rPr lang="en-US" sz="800" dirty="0">
+                <a:solidFill>
+                  <a:srgbClr val="228B22"/>
+                </a:solidFill>
+                <a:latin typeface="Courier New" panose="02070309020205020404" pitchFamily="49" charset="0"/>
+              </a:rPr>
+              <a:t>/torque fraction</a:t>
+            </a:r>
+          </a:p>
+          <a:p>
+            <a:r>
+              <a:rPr lang="en-US" sz="800" dirty="0">
+                <a:solidFill>
+                  <a:srgbClr val="228B22"/>
+                </a:solidFill>
+                <a:latin typeface="Courier New" panose="02070309020205020404" pitchFamily="49" charset="0"/>
+              </a:rPr>
+              <a:t>% - Default model initial conditions are used to initialize optimization.</a:t>
+            </a:r>
+          </a:p>
+          <a:p>
+            <a:r>
+              <a:rPr lang="en-US" sz="800" dirty="0" err="1">
+                <a:solidFill>
+                  <a:srgbClr val="000000"/>
+                </a:solidFill>
+                <a:latin typeface="Courier New" panose="02070309020205020404" pitchFamily="49" charset="0"/>
+              </a:rPr>
+              <a:t>opspec.Inputs</a:t>
+            </a:r>
+            <a:r>
+              <a:rPr lang="en-US" sz="800" dirty="0">
+                <a:solidFill>
+                  <a:srgbClr val="000000"/>
+                </a:solidFill>
+                <a:latin typeface="Courier New" panose="02070309020205020404" pitchFamily="49" charset="0"/>
+              </a:rPr>
+              <a:t>(2).Known = true;</a:t>
+            </a:r>
+          </a:p>
+          <a:p>
+            <a:r>
+              <a:rPr lang="en-US" sz="800" dirty="0">
+                <a:solidFill>
+                  <a:srgbClr val="000000"/>
+                </a:solidFill>
+                <a:latin typeface="Courier New" panose="02070309020205020404" pitchFamily="49" charset="0"/>
+              </a:rPr>
+              <a:t> </a:t>
+            </a:r>
+          </a:p>
+          <a:p>
+            <a:r>
+              <a:rPr lang="en-US" sz="800" dirty="0">
+                <a:solidFill>
+                  <a:srgbClr val="228B22"/>
+                </a:solidFill>
+                <a:latin typeface="Courier New" panose="02070309020205020404" pitchFamily="49" charset="0"/>
+              </a:rPr>
+              <a:t>%% Set the constraints on the outputs in the model.</a:t>
+            </a:r>
+          </a:p>
+          <a:p>
+            <a:r>
+              <a:rPr lang="en-US" sz="800" dirty="0">
+                <a:solidFill>
+                  <a:srgbClr val="228B22"/>
+                </a:solidFill>
+                <a:latin typeface="Courier New" panose="02070309020205020404" pitchFamily="49" charset="0"/>
+              </a:rPr>
+              <a:t>% - The defaults for all outputs are Known = false, Min = -</a:t>
+            </a:r>
+            <a:r>
+              <a:rPr lang="en-US" sz="800" dirty="0" err="1">
+                <a:solidFill>
+                  <a:srgbClr val="228B22"/>
+                </a:solidFill>
+                <a:latin typeface="Courier New" panose="02070309020205020404" pitchFamily="49" charset="0"/>
+              </a:rPr>
+              <a:t>Inf</a:t>
+            </a:r>
+            <a:r>
+              <a:rPr lang="en-US" sz="800" dirty="0">
+                <a:solidFill>
+                  <a:srgbClr val="228B22"/>
+                </a:solidFill>
+                <a:latin typeface="Courier New" panose="02070309020205020404" pitchFamily="49" charset="0"/>
+              </a:rPr>
+              <a:t>, and</a:t>
+            </a:r>
+          </a:p>
+          <a:p>
+            <a:r>
+              <a:rPr lang="en-US" sz="800" dirty="0">
+                <a:solidFill>
+                  <a:srgbClr val="228B22"/>
+                </a:solidFill>
+                <a:latin typeface="Courier New" panose="02070309020205020404" pitchFamily="49" charset="0"/>
+              </a:rPr>
+              <a:t>% Max = Inf.</a:t>
+            </a:r>
+          </a:p>
+          <a:p>
+            <a:r>
+              <a:rPr lang="en-US" sz="800" dirty="0">
+                <a:solidFill>
+                  <a:srgbClr val="228B22"/>
+                </a:solidFill>
+                <a:latin typeface="Courier New" panose="02070309020205020404" pitchFamily="49" charset="0"/>
+              </a:rPr>
+              <a:t> </a:t>
+            </a:r>
+          </a:p>
+          <a:p>
+            <a:r>
+              <a:rPr lang="en-US" sz="800" dirty="0">
+                <a:solidFill>
+                  <a:srgbClr val="228B22"/>
+                </a:solidFill>
+                <a:latin typeface="Courier New" panose="02070309020205020404" pitchFamily="49" charset="0"/>
+              </a:rPr>
+              <a:t>% Output (1) - </a:t>
+            </a:r>
+            <a:r>
+              <a:rPr lang="en-US" sz="800" dirty="0" err="1">
+                <a:solidFill>
+                  <a:srgbClr val="228B22"/>
+                </a:solidFill>
+                <a:latin typeface="Courier New" panose="02070309020205020404" pitchFamily="49" charset="0"/>
+              </a:rPr>
+              <a:t>findop_model</a:t>
+            </a:r>
+            <a:r>
+              <a:rPr lang="en-US" sz="800" dirty="0">
+                <a:solidFill>
+                  <a:srgbClr val="228B22"/>
+                </a:solidFill>
+                <a:latin typeface="Courier New" panose="02070309020205020404" pitchFamily="49" charset="0"/>
+              </a:rPr>
+              <a:t>/V</a:t>
+            </a:r>
+          </a:p>
+          <a:p>
+            <a:r>
+              <a:rPr lang="en-US" sz="800" dirty="0">
+                <a:solidFill>
+                  <a:srgbClr val="228B22"/>
+                </a:solidFill>
+                <a:latin typeface="Courier New" panose="02070309020205020404" pitchFamily="49" charset="0"/>
+              </a:rPr>
+              <a:t>% - Default model initial conditions are used to initialize optimization.</a:t>
+            </a:r>
+          </a:p>
+          <a:p>
+            <a:r>
+              <a:rPr lang="en-US" sz="800" dirty="0">
+                <a:solidFill>
+                  <a:srgbClr val="228B22"/>
+                </a:solidFill>
+                <a:latin typeface="Courier New" panose="02070309020205020404" pitchFamily="49" charset="0"/>
+              </a:rPr>
+              <a:t> </a:t>
+            </a:r>
+          </a:p>
+          <a:p>
+            <a:r>
+              <a:rPr lang="en-US" sz="800" dirty="0">
+                <a:solidFill>
+                  <a:srgbClr val="228B22"/>
+                </a:solidFill>
+                <a:latin typeface="Courier New" panose="02070309020205020404" pitchFamily="49" charset="0"/>
+              </a:rPr>
+              <a:t>% Output (2) - </a:t>
+            </a:r>
+            <a:r>
+              <a:rPr lang="en-US" sz="800" dirty="0" err="1">
+                <a:solidFill>
+                  <a:srgbClr val="228B22"/>
+                </a:solidFill>
+                <a:latin typeface="Courier New" panose="02070309020205020404" pitchFamily="49" charset="0"/>
+              </a:rPr>
+              <a:t>findop_model</a:t>
+            </a:r>
+            <a:r>
+              <a:rPr lang="en-US" sz="800" dirty="0">
+                <a:solidFill>
+                  <a:srgbClr val="228B22"/>
+                </a:solidFill>
+                <a:latin typeface="Courier New" panose="02070309020205020404" pitchFamily="49" charset="0"/>
+              </a:rPr>
+              <a:t>/</a:t>
+            </a:r>
+            <a:r>
+              <a:rPr lang="en-US" sz="800" dirty="0" err="1">
+                <a:solidFill>
+                  <a:srgbClr val="228B22"/>
+                </a:solidFill>
+                <a:latin typeface="Courier New" panose="02070309020205020404" pitchFamily="49" charset="0"/>
+              </a:rPr>
+              <a:t>thetaDot</a:t>
+            </a:r>
+            <a:endParaRPr lang="en-US" sz="800" dirty="0">
+              <a:solidFill>
+                <a:srgbClr val="228B22"/>
+              </a:solidFill>
+              <a:latin typeface="Courier New" panose="02070309020205020404" pitchFamily="49" charset="0"/>
+            </a:endParaRPr>
+          </a:p>
+          <a:p>
+            <a:r>
+              <a:rPr lang="en-US" sz="800" dirty="0">
+                <a:solidFill>
+                  <a:srgbClr val="228B22"/>
+                </a:solidFill>
+                <a:latin typeface="Courier New" panose="02070309020205020404" pitchFamily="49" charset="0"/>
+              </a:rPr>
+              <a:t>% - Default model initial conditions are used to initialize optimization.</a:t>
+            </a:r>
+          </a:p>
+          <a:p>
+            <a:r>
+              <a:rPr lang="en-US" sz="800" dirty="0">
+                <a:solidFill>
+                  <a:srgbClr val="228B22"/>
+                </a:solidFill>
+                <a:latin typeface="Courier New" panose="02070309020205020404" pitchFamily="49" charset="0"/>
+              </a:rPr>
+              <a:t> </a:t>
+            </a:r>
+          </a:p>
+          <a:p>
+            <a:r>
+              <a:rPr lang="en-US" sz="800" dirty="0">
+                <a:solidFill>
+                  <a:srgbClr val="228B22"/>
+                </a:solidFill>
+                <a:latin typeface="Courier New" panose="02070309020205020404" pitchFamily="49" charset="0"/>
+              </a:rPr>
+              <a:t> </a:t>
+            </a:r>
+          </a:p>
+          <a:p>
+            <a:r>
+              <a:rPr lang="en-US" sz="800" dirty="0">
+                <a:solidFill>
+                  <a:srgbClr val="228B22"/>
+                </a:solidFill>
+                <a:latin typeface="Courier New" panose="02070309020205020404" pitchFamily="49" charset="0"/>
+              </a:rPr>
+              <a:t>%% Create the options</a:t>
+            </a:r>
+          </a:p>
+          <a:p>
+            <a:r>
+              <a:rPr lang="en-US" sz="800" dirty="0">
+                <a:solidFill>
+                  <a:srgbClr val="000000"/>
+                </a:solidFill>
+                <a:latin typeface="Courier New" panose="02070309020205020404" pitchFamily="49" charset="0"/>
+              </a:rPr>
+              <a:t>opt = </a:t>
+            </a:r>
+            <a:r>
+              <a:rPr lang="en-US" sz="800" dirty="0" err="1">
+                <a:solidFill>
+                  <a:srgbClr val="000000"/>
+                </a:solidFill>
+                <a:latin typeface="Courier New" panose="02070309020205020404" pitchFamily="49" charset="0"/>
+              </a:rPr>
+              <a:t>findopOptions</a:t>
+            </a:r>
+            <a:r>
+              <a:rPr lang="en-US" sz="800" dirty="0">
+                <a:solidFill>
+                  <a:srgbClr val="000000"/>
+                </a:solidFill>
+                <a:latin typeface="Courier New" panose="02070309020205020404" pitchFamily="49" charset="0"/>
+              </a:rPr>
+              <a:t>(</a:t>
+            </a:r>
+            <a:r>
+              <a:rPr lang="en-US" sz="800" dirty="0">
+                <a:solidFill>
+                  <a:srgbClr val="A020F0"/>
+                </a:solidFill>
+                <a:latin typeface="Courier New" panose="02070309020205020404" pitchFamily="49" charset="0"/>
+              </a:rPr>
+              <a:t>'</a:t>
+            </a:r>
+            <a:r>
+              <a:rPr lang="en-US" sz="800" dirty="0" err="1">
+                <a:solidFill>
+                  <a:srgbClr val="A020F0"/>
+                </a:solidFill>
+                <a:latin typeface="Courier New" panose="02070309020205020404" pitchFamily="49" charset="0"/>
+              </a:rPr>
+              <a:t>DisplayReport</a:t>
+            </a:r>
+            <a:r>
+              <a:rPr lang="en-US" sz="800" dirty="0">
+                <a:solidFill>
+                  <a:srgbClr val="A020F0"/>
+                </a:solidFill>
+                <a:latin typeface="Courier New" panose="02070309020205020404" pitchFamily="49" charset="0"/>
+              </a:rPr>
+              <a:t>'</a:t>
+            </a:r>
+            <a:r>
+              <a:rPr lang="en-US" sz="800" dirty="0">
+                <a:solidFill>
+                  <a:srgbClr val="000000"/>
+                </a:solidFill>
+                <a:latin typeface="Courier New" panose="02070309020205020404" pitchFamily="49" charset="0"/>
+              </a:rPr>
+              <a:t>,</a:t>
+            </a:r>
+            <a:r>
+              <a:rPr lang="en-US" sz="800" dirty="0">
+                <a:solidFill>
+                  <a:srgbClr val="A020F0"/>
+                </a:solidFill>
+                <a:latin typeface="Courier New" panose="02070309020205020404" pitchFamily="49" charset="0"/>
+              </a:rPr>
+              <a:t>'</a:t>
+            </a:r>
+            <a:r>
+              <a:rPr lang="en-US" sz="800" dirty="0" err="1">
+                <a:solidFill>
+                  <a:srgbClr val="A020F0"/>
+                </a:solidFill>
+                <a:latin typeface="Courier New" panose="02070309020205020404" pitchFamily="49" charset="0"/>
+              </a:rPr>
+              <a:t>iter</a:t>
+            </a:r>
+            <a:r>
+              <a:rPr lang="en-US" sz="800" dirty="0">
+                <a:solidFill>
+                  <a:srgbClr val="A020F0"/>
+                </a:solidFill>
+                <a:latin typeface="Courier New" panose="02070309020205020404" pitchFamily="49" charset="0"/>
+              </a:rPr>
+              <a:t>'</a:t>
+            </a:r>
+            <a:r>
+              <a:rPr lang="en-US" sz="800" dirty="0">
+                <a:solidFill>
+                  <a:srgbClr val="000000"/>
+                </a:solidFill>
+                <a:latin typeface="Courier New" panose="02070309020205020404" pitchFamily="49" charset="0"/>
+              </a:rPr>
+              <a:t>);</a:t>
+            </a:r>
+          </a:p>
+          <a:p>
+            <a:r>
+              <a:rPr lang="en-US" sz="800" dirty="0">
+                <a:solidFill>
+                  <a:srgbClr val="000000"/>
+                </a:solidFill>
+                <a:latin typeface="Courier New" panose="02070309020205020404" pitchFamily="49" charset="0"/>
+              </a:rPr>
+              <a:t> </a:t>
+            </a:r>
+          </a:p>
+          <a:p>
+            <a:r>
+              <a:rPr lang="en-US" sz="800" dirty="0">
+                <a:solidFill>
+                  <a:srgbClr val="228B22"/>
+                </a:solidFill>
+                <a:latin typeface="Courier New" panose="02070309020205020404" pitchFamily="49" charset="0"/>
+              </a:rPr>
+              <a:t>%% Perform the operating point search.</a:t>
+            </a:r>
+          </a:p>
+          <a:p>
+            <a:r>
+              <a:rPr lang="en-US" sz="800" dirty="0">
+                <a:solidFill>
+                  <a:srgbClr val="000000"/>
+                </a:solidFill>
+                <a:latin typeface="Courier New" panose="02070309020205020404" pitchFamily="49" charset="0"/>
+              </a:rPr>
+              <a:t>[</a:t>
+            </a:r>
+            <a:r>
+              <a:rPr lang="en-US" sz="800" dirty="0" err="1">
+                <a:solidFill>
+                  <a:srgbClr val="000000"/>
+                </a:solidFill>
+                <a:latin typeface="Courier New" panose="02070309020205020404" pitchFamily="49" charset="0"/>
+              </a:rPr>
+              <a:t>op,opreport</a:t>
+            </a:r>
+            <a:r>
+              <a:rPr lang="en-US" sz="800" dirty="0">
+                <a:solidFill>
+                  <a:srgbClr val="000000"/>
+                </a:solidFill>
+                <a:latin typeface="Courier New" panose="02070309020205020404" pitchFamily="49" charset="0"/>
+              </a:rPr>
+              <a:t>] = </a:t>
+            </a:r>
+            <a:r>
+              <a:rPr lang="en-US" sz="800" dirty="0" err="1">
+                <a:solidFill>
+                  <a:srgbClr val="000000"/>
+                </a:solidFill>
+                <a:latin typeface="Courier New" panose="02070309020205020404" pitchFamily="49" charset="0"/>
+              </a:rPr>
+              <a:t>findop</a:t>
+            </a:r>
+            <a:r>
+              <a:rPr lang="en-US" sz="800" dirty="0">
+                <a:solidFill>
+                  <a:srgbClr val="000000"/>
+                </a:solidFill>
+                <a:latin typeface="Courier New" panose="02070309020205020404" pitchFamily="49" charset="0"/>
+              </a:rPr>
+              <a:t>(</a:t>
+            </a:r>
+            <a:r>
+              <a:rPr lang="en-US" sz="800" dirty="0" err="1">
+                <a:solidFill>
+                  <a:srgbClr val="000000"/>
+                </a:solidFill>
+                <a:latin typeface="Courier New" panose="02070309020205020404" pitchFamily="49" charset="0"/>
+              </a:rPr>
+              <a:t>model,opspec,opt</a:t>
+            </a:r>
+            <a:r>
+              <a:rPr lang="en-US" sz="800" dirty="0">
+                <a:solidFill>
+                  <a:srgbClr val="000000"/>
+                </a:solidFill>
+                <a:latin typeface="Courier New" panose="02070309020205020404" pitchFamily="49" charset="0"/>
+              </a:rPr>
+              <a:t>);</a:t>
+            </a:r>
+          </a:p>
+          <a:p>
+            <a:endParaRPr lang="en-US" sz="800" dirty="0"/>
           </a:p>
         </p:txBody>
       </p:sp>
     </p:spTree>
     <p:extLst>
       <p:ext uri="{BB962C8B-B14F-4D97-AF65-F5344CB8AC3E}">
-        <p14:creationId xmlns:p14="http://schemas.microsoft.com/office/powerpoint/2010/main" val="3578459823"/>
+        <p14:creationId xmlns:p14="http://schemas.microsoft.com/office/powerpoint/2010/main" val="2764946799"/>
       </p:ext>
     </p:extLst>
   </p:cSld>
   <p:clrMapOvr>
     <a:masterClrMapping/>
   </p:clrMapOvr>
-  <p:timing>
-    <p:tnLst>
-      <p:par>
-        <p:cTn id="1" dur="indefinite" restart="never" nodeType="tmRoot"/>
-      </p:par>
-    </p:tnLst>
-  </p:timing>
 </p:sld>
 </file>
 
@@ -5539,6 +5652,551 @@
         </p:blipFill>
         <p:spPr>
           <a:xfrm>
+            <a:off x="536795" y="0"/>
+            <a:ext cx="11118409" cy="6858000"/>
+          </a:xfrm>
+          <a:prstGeom prst="rect">
+            <a:avLst/>
+          </a:prstGeom>
+        </p:spPr>
+      </p:pic>
+      <p:sp>
+        <p:nvSpPr>
+          <p:cNvPr id="4" name="Rounded Rectangle 3"/>
+          <p:cNvSpPr/>
+          <p:nvPr/>
+        </p:nvSpPr>
+        <p:spPr>
+          <a:xfrm>
+            <a:off x="461176" y="699717"/>
+            <a:ext cx="1033670" cy="357808"/>
+          </a:xfrm>
+          <a:prstGeom prst="roundRect">
+            <a:avLst/>
+          </a:prstGeom>
+          <a:noFill/>
+          <a:ln w="28575">
+            <a:solidFill>
+              <a:srgbClr val="FF0000"/>
+            </a:solidFill>
+          </a:ln>
+        </p:spPr>
+        <p:style>
+          <a:lnRef idx="2">
+            <a:schemeClr val="accent1">
+              <a:shade val="50000"/>
+            </a:schemeClr>
+          </a:lnRef>
+          <a:fillRef idx="1">
+            <a:schemeClr val="accent1"/>
+          </a:fillRef>
+          <a:effectRef idx="0">
+            <a:schemeClr val="accent1"/>
+          </a:effectRef>
+          <a:fontRef idx="minor">
+            <a:schemeClr val="lt1"/>
+          </a:fontRef>
+        </p:style>
+        <p:txBody>
+          <a:bodyPr rtlCol="0" anchor="ctr"/>
+          <a:lstStyle/>
+          <a:p>
+            <a:pPr algn="ctr"/>
+            <a:endParaRPr lang="en-US"/>
+          </a:p>
+        </p:txBody>
+      </p:sp>
+      <p:cxnSp>
+        <p:nvCxnSpPr>
+          <p:cNvPr id="5" name="Straight Arrow Connector 4"/>
+          <p:cNvCxnSpPr>
+            <a:stCxn id="4" idx="3"/>
+          </p:cNvCxnSpPr>
+          <p:nvPr/>
+        </p:nvCxnSpPr>
+        <p:spPr>
+          <a:xfrm>
+            <a:off x="1494846" y="878621"/>
+            <a:ext cx="2926079" cy="4917880"/>
+          </a:xfrm>
+          <a:prstGeom prst="straightConnector1">
+            <a:avLst/>
+          </a:prstGeom>
+          <a:ln w="28575">
+            <a:solidFill>
+              <a:srgbClr val="FF0000"/>
+            </a:solidFill>
+            <a:tailEnd type="triangle"/>
+          </a:ln>
+        </p:spPr>
+        <p:style>
+          <a:lnRef idx="1">
+            <a:schemeClr val="accent1"/>
+          </a:lnRef>
+          <a:fillRef idx="0">
+            <a:schemeClr val="accent1"/>
+          </a:fillRef>
+          <a:effectRef idx="0">
+            <a:schemeClr val="accent1"/>
+          </a:effectRef>
+          <a:fontRef idx="minor">
+            <a:schemeClr val="tx1"/>
+          </a:fontRef>
+        </p:style>
+      </p:cxnSp>
+    </p:spTree>
+    <p:extLst>
+      <p:ext uri="{BB962C8B-B14F-4D97-AF65-F5344CB8AC3E}">
+        <p14:creationId xmlns:p14="http://schemas.microsoft.com/office/powerpoint/2010/main" val="3000165238"/>
+      </p:ext>
+    </p:extLst>
+  </p:cSld>
+  <p:clrMapOvr>
+    <a:masterClrMapping/>
+  </p:clrMapOvr>
+</p:sld>
+</file>
+
+<file path=ppt/slides/slide19.xml><?xml version="1.0" encoding="utf-8"?>
+<p:sld xmlns:a="http://schemas.openxmlformats.org/drawingml/2006/main" xmlns:r="http://schemas.openxmlformats.org/officeDocument/2006/relationships" xmlns:p="http://schemas.openxmlformats.org/presentationml/2006/main">
+  <p:cSld>
+    <p:spTree>
+      <p:nvGrpSpPr>
+        <p:cNvPr id="1" name=""/>
+        <p:cNvGrpSpPr/>
+        <p:nvPr/>
+      </p:nvGrpSpPr>
+      <p:grpSpPr>
+        <a:xfrm>
+          <a:off x="0" y="0"/>
+          <a:ext cx="0" cy="0"/>
+          <a:chOff x="0" y="0"/>
+          <a:chExt cx="0" cy="0"/>
+        </a:xfrm>
+      </p:grpSpPr>
+      <p:pic>
+        <p:nvPicPr>
+          <p:cNvPr id="5" name="Picture 4"/>
+          <p:cNvPicPr>
+            <a:picLocks noChangeAspect="1"/>
+          </p:cNvPicPr>
+          <p:nvPr/>
+        </p:nvPicPr>
+        <p:blipFill>
+          <a:blip r:embed="rId2"/>
+          <a:stretch>
+            <a:fillRect/>
+          </a:stretch>
+        </p:blipFill>
+        <p:spPr>
+          <a:xfrm>
+            <a:off x="194310" y="108047"/>
+            <a:ext cx="4807455" cy="3358722"/>
+          </a:xfrm>
+          <a:prstGeom prst="rect">
+            <a:avLst/>
+          </a:prstGeom>
+        </p:spPr>
+      </p:pic>
+      <p:pic>
+        <p:nvPicPr>
+          <p:cNvPr id="7" name="Picture 6"/>
+          <p:cNvPicPr>
+            <a:picLocks noChangeAspect="1"/>
+          </p:cNvPicPr>
+          <p:nvPr/>
+        </p:nvPicPr>
+        <p:blipFill>
+          <a:blip r:embed="rId3"/>
+          <a:stretch>
+            <a:fillRect/>
+          </a:stretch>
+        </p:blipFill>
+        <p:spPr>
+          <a:xfrm>
+            <a:off x="377190" y="1841121"/>
+            <a:ext cx="4807455" cy="3358722"/>
+          </a:xfrm>
+          <a:prstGeom prst="rect">
+            <a:avLst/>
+          </a:prstGeom>
+        </p:spPr>
+      </p:pic>
+      <p:pic>
+        <p:nvPicPr>
+          <p:cNvPr id="8" name="Picture 7"/>
+          <p:cNvPicPr>
+            <a:picLocks noChangeAspect="1"/>
+          </p:cNvPicPr>
+          <p:nvPr/>
+        </p:nvPicPr>
+        <p:blipFill>
+          <a:blip r:embed="rId4"/>
+          <a:stretch>
+            <a:fillRect/>
+          </a:stretch>
+        </p:blipFill>
+        <p:spPr>
+          <a:xfrm>
+            <a:off x="715122" y="3234235"/>
+            <a:ext cx="4807455" cy="3358722"/>
+          </a:xfrm>
+          <a:prstGeom prst="rect">
+            <a:avLst/>
+          </a:prstGeom>
+        </p:spPr>
+      </p:pic>
+      <p:sp>
+        <p:nvSpPr>
+          <p:cNvPr id="9" name="Rounded Rectangle 8"/>
+          <p:cNvSpPr/>
+          <p:nvPr/>
+        </p:nvSpPr>
+        <p:spPr>
+          <a:xfrm>
+            <a:off x="1653871" y="4079019"/>
+            <a:ext cx="1534602" cy="238539"/>
+          </a:xfrm>
+          <a:prstGeom prst="roundRect">
+            <a:avLst/>
+          </a:prstGeom>
+          <a:noFill/>
+          <a:ln w="28575">
+            <a:solidFill>
+              <a:srgbClr val="FF0000"/>
+            </a:solidFill>
+          </a:ln>
+        </p:spPr>
+        <p:style>
+          <a:lnRef idx="2">
+            <a:schemeClr val="accent1">
+              <a:shade val="50000"/>
+            </a:schemeClr>
+          </a:lnRef>
+          <a:fillRef idx="1">
+            <a:schemeClr val="accent1"/>
+          </a:fillRef>
+          <a:effectRef idx="0">
+            <a:schemeClr val="accent1"/>
+          </a:effectRef>
+          <a:fontRef idx="minor">
+            <a:schemeClr val="lt1"/>
+          </a:fontRef>
+        </p:style>
+        <p:txBody>
+          <a:bodyPr rtlCol="0" anchor="ctr"/>
+          <a:lstStyle/>
+          <a:p>
+            <a:pPr algn="ctr"/>
+            <a:endParaRPr lang="en-US"/>
+          </a:p>
+        </p:txBody>
+      </p:sp>
+      <p:sp>
+        <p:nvSpPr>
+          <p:cNvPr id="10" name="Rounded Rectangle 9"/>
+          <p:cNvSpPr/>
+          <p:nvPr/>
+        </p:nvSpPr>
+        <p:spPr>
+          <a:xfrm>
+            <a:off x="715122" y="1228871"/>
+            <a:ext cx="549135" cy="272290"/>
+          </a:xfrm>
+          <a:prstGeom prst="roundRect">
+            <a:avLst/>
+          </a:prstGeom>
+          <a:noFill/>
+          <a:ln w="28575">
+            <a:solidFill>
+              <a:srgbClr val="FF0000"/>
+            </a:solidFill>
+          </a:ln>
+        </p:spPr>
+        <p:style>
+          <a:lnRef idx="2">
+            <a:schemeClr val="accent1">
+              <a:shade val="50000"/>
+            </a:schemeClr>
+          </a:lnRef>
+          <a:fillRef idx="1">
+            <a:schemeClr val="accent1"/>
+          </a:fillRef>
+          <a:effectRef idx="0">
+            <a:schemeClr val="accent1"/>
+          </a:effectRef>
+          <a:fontRef idx="minor">
+            <a:schemeClr val="lt1"/>
+          </a:fontRef>
+        </p:style>
+        <p:txBody>
+          <a:bodyPr rtlCol="0" anchor="ctr"/>
+          <a:lstStyle/>
+          <a:p>
+            <a:pPr algn="ctr"/>
+            <a:endParaRPr lang="en-US"/>
+          </a:p>
+        </p:txBody>
+      </p:sp>
+    </p:spTree>
+    <p:extLst>
+      <p:ext uri="{BB962C8B-B14F-4D97-AF65-F5344CB8AC3E}">
+        <p14:creationId xmlns:p14="http://schemas.microsoft.com/office/powerpoint/2010/main" val="3578459823"/>
+      </p:ext>
+    </p:extLst>
+  </p:cSld>
+  <p:clrMapOvr>
+    <a:masterClrMapping/>
+  </p:clrMapOvr>
+</p:sld>
+</file>
+
+<file path=ppt/slides/slide2.xml><?xml version="1.0" encoding="utf-8"?>
+<p:sld xmlns:a="http://schemas.openxmlformats.org/drawingml/2006/main" xmlns:r="http://schemas.openxmlformats.org/officeDocument/2006/relationships" xmlns:p="http://schemas.openxmlformats.org/presentationml/2006/main">
+  <p:cSld>
+    <p:spTree>
+      <p:nvGrpSpPr>
+        <p:cNvPr id="1" name=""/>
+        <p:cNvGrpSpPr/>
+        <p:nvPr/>
+      </p:nvGrpSpPr>
+      <p:grpSpPr>
+        <a:xfrm>
+          <a:off x="0" y="0"/>
+          <a:ext cx="0" cy="0"/>
+          <a:chOff x="0" y="0"/>
+          <a:chExt cx="0" cy="0"/>
+        </a:xfrm>
+      </p:grpSpPr>
+      <p:pic>
+        <p:nvPicPr>
+          <p:cNvPr id="3" name="Picture 2">
+            <a:extLst>
+              <a:ext uri="{FF2B5EF4-FFF2-40B4-BE49-F238E27FC236}">
+                <a16:creationId xmlns:a16="http://schemas.microsoft.com/office/drawing/2014/main" id="{F64F201A-8CDC-D13D-7458-42AC2F51C527}"/>
+              </a:ext>
+            </a:extLst>
+          </p:cNvPr>
+          <p:cNvPicPr>
+            <a:picLocks noChangeAspect="1"/>
+          </p:cNvPicPr>
+          <p:nvPr/>
+        </p:nvPicPr>
+        <p:blipFill>
+          <a:blip r:embed="rId2"/>
+          <a:stretch>
+            <a:fillRect/>
+          </a:stretch>
+        </p:blipFill>
+        <p:spPr>
+          <a:xfrm>
+            <a:off x="-13006" y="1099305"/>
+            <a:ext cx="12192000" cy="3641766"/>
+          </a:xfrm>
+          <a:prstGeom prst="rect">
+            <a:avLst/>
+          </a:prstGeom>
+        </p:spPr>
+      </p:pic>
+      <p:sp>
+        <p:nvSpPr>
+          <p:cNvPr id="10" name="Rectangle: Rounded Corners 9">
+            <a:extLst>
+              <a:ext uri="{FF2B5EF4-FFF2-40B4-BE49-F238E27FC236}">
+                <a16:creationId xmlns:a16="http://schemas.microsoft.com/office/drawing/2014/main" id="{40A2B6F7-BD35-4A75-D2C2-3CA147FFBD4E}"/>
+              </a:ext>
+            </a:extLst>
+          </p:cNvPr>
+          <p:cNvSpPr/>
+          <p:nvPr/>
+        </p:nvSpPr>
+        <p:spPr>
+          <a:xfrm>
+            <a:off x="3504233" y="1240429"/>
+            <a:ext cx="1414578" cy="388472"/>
+          </a:xfrm>
+          <a:prstGeom prst="roundRect">
+            <a:avLst/>
+          </a:prstGeom>
+          <a:noFill/>
+          <a:ln w="57150">
+            <a:solidFill>
+              <a:srgbClr val="FF3399"/>
+            </a:solidFill>
+          </a:ln>
+        </p:spPr>
+        <p:style>
+          <a:lnRef idx="2">
+            <a:schemeClr val="accent1">
+              <a:shade val="15000"/>
+            </a:schemeClr>
+          </a:lnRef>
+          <a:fillRef idx="1">
+            <a:schemeClr val="accent1"/>
+          </a:fillRef>
+          <a:effectRef idx="0">
+            <a:schemeClr val="accent1"/>
+          </a:effectRef>
+          <a:fontRef idx="minor">
+            <a:schemeClr val="lt1"/>
+          </a:fontRef>
+        </p:style>
+        <p:txBody>
+          <a:bodyPr rtlCol="0" anchor="ctr"/>
+          <a:lstStyle/>
+          <a:p>
+            <a:pPr algn="ctr"/>
+            <a:endParaRPr lang="en-US"/>
+          </a:p>
+        </p:txBody>
+      </p:sp>
+      <p:sp>
+        <p:nvSpPr>
+          <p:cNvPr id="13" name="Rectangle: Rounded Corners 12">
+            <a:extLst>
+              <a:ext uri="{FF2B5EF4-FFF2-40B4-BE49-F238E27FC236}">
+                <a16:creationId xmlns:a16="http://schemas.microsoft.com/office/drawing/2014/main" id="{4B9A03A5-2A8E-91DF-6039-9DDF951EB265}"/>
+              </a:ext>
+            </a:extLst>
+          </p:cNvPr>
+          <p:cNvSpPr/>
+          <p:nvPr/>
+        </p:nvSpPr>
+        <p:spPr>
+          <a:xfrm>
+            <a:off x="2715678" y="3770342"/>
+            <a:ext cx="788555" cy="636557"/>
+          </a:xfrm>
+          <a:prstGeom prst="roundRect">
+            <a:avLst/>
+          </a:prstGeom>
+          <a:noFill/>
+          <a:ln w="57150">
+            <a:solidFill>
+              <a:srgbClr val="FF3399"/>
+            </a:solidFill>
+          </a:ln>
+        </p:spPr>
+        <p:style>
+          <a:lnRef idx="2">
+            <a:schemeClr val="accent1">
+              <a:shade val="15000"/>
+            </a:schemeClr>
+          </a:lnRef>
+          <a:fillRef idx="1">
+            <a:schemeClr val="accent1"/>
+          </a:fillRef>
+          <a:effectRef idx="0">
+            <a:schemeClr val="accent1"/>
+          </a:effectRef>
+          <a:fontRef idx="minor">
+            <a:schemeClr val="lt1"/>
+          </a:fontRef>
+        </p:style>
+        <p:txBody>
+          <a:bodyPr rtlCol="0" anchor="ctr"/>
+          <a:lstStyle/>
+          <a:p>
+            <a:pPr algn="ctr"/>
+            <a:endParaRPr lang="en-US"/>
+          </a:p>
+        </p:txBody>
+      </p:sp>
+      <p:cxnSp>
+        <p:nvCxnSpPr>
+          <p:cNvPr id="16" name="Straight Arrow Connector 15">
+            <a:extLst>
+              <a:ext uri="{FF2B5EF4-FFF2-40B4-BE49-F238E27FC236}">
+                <a16:creationId xmlns:a16="http://schemas.microsoft.com/office/drawing/2014/main" id="{0F8DC9E6-ED27-F158-D8AD-5C30371BC517}"/>
+              </a:ext>
+            </a:extLst>
+          </p:cNvPr>
+          <p:cNvCxnSpPr>
+            <a:cxnSpLocks/>
+            <a:endCxn id="13" idx="0"/>
+          </p:cNvCxnSpPr>
+          <p:nvPr/>
+        </p:nvCxnSpPr>
+        <p:spPr>
+          <a:xfrm flipH="1">
+            <a:off x="3109956" y="1628901"/>
+            <a:ext cx="1119144" cy="2141441"/>
+          </a:xfrm>
+          <a:prstGeom prst="straightConnector1">
+            <a:avLst/>
+          </a:prstGeom>
+          <a:noFill/>
+          <a:ln w="57150">
+            <a:solidFill>
+              <a:srgbClr val="FF3399"/>
+            </a:solidFill>
+            <a:headEnd type="none" w="med" len="med"/>
+            <a:tailEnd type="triangle" w="med" len="med"/>
+          </a:ln>
+        </p:spPr>
+        <p:style>
+          <a:lnRef idx="2">
+            <a:schemeClr val="accent1">
+              <a:shade val="15000"/>
+            </a:schemeClr>
+          </a:lnRef>
+          <a:fillRef idx="1">
+            <a:schemeClr val="accent1"/>
+          </a:fillRef>
+          <a:effectRef idx="0">
+            <a:schemeClr val="accent1"/>
+          </a:effectRef>
+          <a:fontRef idx="minor">
+            <a:schemeClr val="lt1"/>
+          </a:fontRef>
+        </p:style>
+      </p:cxnSp>
+    </p:spTree>
+    <p:extLst>
+      <p:ext uri="{BB962C8B-B14F-4D97-AF65-F5344CB8AC3E}">
+        <p14:creationId xmlns:p14="http://schemas.microsoft.com/office/powerpoint/2010/main" val="1168477911"/>
+      </p:ext>
+    </p:extLst>
+  </p:cSld>
+  <p:clrMapOvr>
+    <a:masterClrMapping/>
+  </p:clrMapOvr>
+</p:sld>
+</file>
+
+<file path=ppt/slides/slide20.xml><?xml version="1.0" encoding="utf-8"?>
+<p:sld xmlns:a="http://schemas.openxmlformats.org/drawingml/2006/main" xmlns:r="http://schemas.openxmlformats.org/officeDocument/2006/relationships" xmlns:p="http://schemas.openxmlformats.org/presentationml/2006/main">
+  <p:cSld>
+    <p:spTree>
+      <p:nvGrpSpPr>
+        <p:cNvPr id="1" name=""/>
+        <p:cNvGrpSpPr/>
+        <p:nvPr/>
+      </p:nvGrpSpPr>
+      <p:grpSpPr>
+        <a:xfrm>
+          <a:off x="0" y="0"/>
+          <a:ext cx="0" cy="0"/>
+          <a:chOff x="0" y="0"/>
+          <a:chExt cx="0" cy="0"/>
+        </a:xfrm>
+      </p:grpSpPr>
+      <p:pic>
+        <p:nvPicPr>
+          <p:cNvPr id="2" name="Picture 1"/>
+          <p:cNvPicPr>
+            <a:picLocks noChangeAspect="1"/>
+          </p:cNvPicPr>
+          <p:nvPr/>
+        </p:nvPicPr>
+        <p:blipFill>
+          <a:blip r:embed="rId2"/>
+          <a:stretch>
+            <a:fillRect/>
+          </a:stretch>
+        </p:blipFill>
+        <p:spPr>
+          <a:xfrm>
             <a:off x="321532" y="123017"/>
             <a:ext cx="4796075" cy="3350771"/>
           </a:xfrm>
@@ -5605,17 +6263,10 @@
   <p:clrMapOvr>
     <a:masterClrMapping/>
   </p:clrMapOvr>
-  <p:timing>
-    <p:tnLst>
-      <p:par>
-        <p:cTn id="1" dur="indefinite" restart="never" nodeType="tmRoot"/>
-      </p:par>
-    </p:tnLst>
-  </p:timing>
 </p:sld>
 </file>
 
-<file path=ppt/slides/slide19.xml><?xml version="1.0" encoding="utf-8"?>
+<file path=ppt/slides/slide21.xml><?xml version="1.0" encoding="utf-8"?>
 <p:sld xmlns:a="http://schemas.openxmlformats.org/drawingml/2006/main" xmlns:r="http://schemas.openxmlformats.org/officeDocument/2006/relationships" xmlns:p="http://schemas.openxmlformats.org/presentationml/2006/main">
   <p:cSld>
     <p:spTree>
@@ -5672,17 +6323,268 @@
   <p:clrMapOvr>
     <a:masterClrMapping/>
   </p:clrMapOvr>
-  <p:timing>
-    <p:tnLst>
-      <p:par>
-        <p:cTn id="1" dur="indefinite" restart="never" nodeType="tmRoot"/>
-      </p:par>
-    </p:tnLst>
-  </p:timing>
 </p:sld>
 </file>
 
-<file path=ppt/slides/slide2.xml><?xml version="1.0" encoding="utf-8"?>
+<file path=ppt/slides/slide22.xml><?xml version="1.0" encoding="utf-8"?>
+<p:sld xmlns:a="http://schemas.openxmlformats.org/drawingml/2006/main" xmlns:r="http://schemas.openxmlformats.org/officeDocument/2006/relationships" xmlns:p="http://schemas.openxmlformats.org/presentationml/2006/main">
+  <p:cSld>
+    <p:spTree>
+      <p:nvGrpSpPr>
+        <p:cNvPr id="1" name=""/>
+        <p:cNvGrpSpPr/>
+        <p:nvPr/>
+      </p:nvGrpSpPr>
+      <p:grpSpPr>
+        <a:xfrm>
+          <a:off x="0" y="0"/>
+          <a:ext cx="0" cy="0"/>
+          <a:chOff x="0" y="0"/>
+          <a:chExt cx="0" cy="0"/>
+        </a:xfrm>
+      </p:grpSpPr>
+      <p:pic>
+        <p:nvPicPr>
+          <p:cNvPr id="5" name="Picture 4"/>
+          <p:cNvPicPr>
+            <a:picLocks noChangeAspect="1"/>
+          </p:cNvPicPr>
+          <p:nvPr/>
+        </p:nvPicPr>
+        <p:blipFill>
+          <a:blip r:embed="rId2"/>
+          <a:stretch>
+            <a:fillRect/>
+          </a:stretch>
+        </p:blipFill>
+        <p:spPr>
+          <a:xfrm>
+            <a:off x="516206" y="93420"/>
+            <a:ext cx="5195513" cy="3600152"/>
+          </a:xfrm>
+          <a:prstGeom prst="rect">
+            <a:avLst/>
+          </a:prstGeom>
+        </p:spPr>
+      </p:pic>
+      <p:pic>
+        <p:nvPicPr>
+          <p:cNvPr id="6" name="Picture 5"/>
+          <p:cNvPicPr>
+            <a:picLocks noChangeAspect="1"/>
+          </p:cNvPicPr>
+          <p:nvPr/>
+        </p:nvPicPr>
+        <p:blipFill>
+          <a:blip r:embed="rId3"/>
+          <a:stretch>
+            <a:fillRect/>
+          </a:stretch>
+        </p:blipFill>
+        <p:spPr>
+          <a:xfrm>
+            <a:off x="1303386" y="1893496"/>
+            <a:ext cx="5216691" cy="3691921"/>
+          </a:xfrm>
+          <a:prstGeom prst="rect">
+            <a:avLst/>
+          </a:prstGeom>
+        </p:spPr>
+      </p:pic>
+      <p:pic>
+        <p:nvPicPr>
+          <p:cNvPr id="7" name="Picture 6"/>
+          <p:cNvPicPr>
+            <a:picLocks noChangeAspect="1"/>
+          </p:cNvPicPr>
+          <p:nvPr/>
+        </p:nvPicPr>
+        <p:blipFill>
+          <a:blip r:embed="rId4"/>
+          <a:stretch>
+            <a:fillRect/>
+          </a:stretch>
+        </p:blipFill>
+        <p:spPr>
+          <a:xfrm>
+            <a:off x="2430121" y="3368023"/>
+            <a:ext cx="5223751" cy="3649566"/>
+          </a:xfrm>
+          <a:prstGeom prst="rect">
+            <a:avLst/>
+          </a:prstGeom>
+        </p:spPr>
+      </p:pic>
+    </p:spTree>
+    <p:extLst>
+      <p:ext uri="{BB962C8B-B14F-4D97-AF65-F5344CB8AC3E}">
+        <p14:creationId xmlns:p14="http://schemas.microsoft.com/office/powerpoint/2010/main" val="2144517750"/>
+      </p:ext>
+    </p:extLst>
+  </p:cSld>
+  <p:clrMapOvr>
+    <a:masterClrMapping/>
+  </p:clrMapOvr>
+</p:sld>
+</file>
+
+<file path=ppt/slides/slide23.xml><?xml version="1.0" encoding="utf-8"?>
+<p:sld xmlns:a="http://schemas.openxmlformats.org/drawingml/2006/main" xmlns:r="http://schemas.openxmlformats.org/officeDocument/2006/relationships" xmlns:p="http://schemas.openxmlformats.org/presentationml/2006/main">
+  <p:cSld>
+    <p:spTree>
+      <p:nvGrpSpPr>
+        <p:cNvPr id="1" name=""/>
+        <p:cNvGrpSpPr/>
+        <p:nvPr/>
+      </p:nvGrpSpPr>
+      <p:grpSpPr>
+        <a:xfrm>
+          <a:off x="0" y="0"/>
+          <a:ext cx="0" cy="0"/>
+          <a:chOff x="0" y="0"/>
+          <a:chExt cx="0" cy="0"/>
+        </a:xfrm>
+      </p:grpSpPr>
+      <p:pic>
+        <p:nvPicPr>
+          <p:cNvPr id="2" name="Picture 1"/>
+          <p:cNvPicPr>
+            <a:picLocks noChangeAspect="1"/>
+          </p:cNvPicPr>
+          <p:nvPr/>
+        </p:nvPicPr>
+        <p:blipFill>
+          <a:blip r:embed="rId2"/>
+          <a:stretch>
+            <a:fillRect/>
+          </a:stretch>
+        </p:blipFill>
+        <p:spPr>
+          <a:xfrm>
+            <a:off x="526797" y="204355"/>
+            <a:ext cx="5612226" cy="3898221"/>
+          </a:xfrm>
+          <a:prstGeom prst="rect">
+            <a:avLst/>
+          </a:prstGeom>
+        </p:spPr>
+      </p:pic>
+      <p:pic>
+        <p:nvPicPr>
+          <p:cNvPr id="3" name="Picture 2"/>
+          <p:cNvPicPr>
+            <a:picLocks noChangeAspect="1"/>
+          </p:cNvPicPr>
+          <p:nvPr/>
+        </p:nvPicPr>
+        <p:blipFill>
+          <a:blip r:embed="rId3"/>
+          <a:stretch>
+            <a:fillRect/>
+          </a:stretch>
+        </p:blipFill>
+        <p:spPr>
+          <a:xfrm>
+            <a:off x="1326092" y="2157257"/>
+            <a:ext cx="5589474" cy="3890638"/>
+          </a:xfrm>
+          <a:prstGeom prst="rect">
+            <a:avLst/>
+          </a:prstGeom>
+        </p:spPr>
+      </p:pic>
+      <p:pic>
+        <p:nvPicPr>
+          <p:cNvPr id="4" name="Picture 3"/>
+          <p:cNvPicPr>
+            <a:picLocks noChangeAspect="1"/>
+          </p:cNvPicPr>
+          <p:nvPr/>
+        </p:nvPicPr>
+        <p:blipFill>
+          <a:blip r:embed="rId4"/>
+          <a:stretch>
+            <a:fillRect/>
+          </a:stretch>
+        </p:blipFill>
+        <p:spPr>
+          <a:xfrm>
+            <a:off x="2736060" y="3697154"/>
+            <a:ext cx="5597058" cy="3905806"/>
+          </a:xfrm>
+          <a:prstGeom prst="rect">
+            <a:avLst/>
+          </a:prstGeom>
+        </p:spPr>
+      </p:pic>
+    </p:spTree>
+    <p:extLst>
+      <p:ext uri="{BB962C8B-B14F-4D97-AF65-F5344CB8AC3E}">
+        <p14:creationId xmlns:p14="http://schemas.microsoft.com/office/powerpoint/2010/main" val="1811844968"/>
+      </p:ext>
+    </p:extLst>
+  </p:cSld>
+  <p:clrMapOvr>
+    <a:masterClrMapping/>
+  </p:clrMapOvr>
+</p:sld>
+</file>
+
+<file path=ppt/slides/slide3.xml><?xml version="1.0" encoding="utf-8"?>
+<p:sld xmlns:a="http://schemas.openxmlformats.org/drawingml/2006/main" xmlns:r="http://schemas.openxmlformats.org/officeDocument/2006/relationships" xmlns:p="http://schemas.openxmlformats.org/presentationml/2006/main">
+  <p:cSld>
+    <p:spTree>
+      <p:nvGrpSpPr>
+        <p:cNvPr id="1" name=""/>
+        <p:cNvGrpSpPr/>
+        <p:nvPr/>
+      </p:nvGrpSpPr>
+      <p:grpSpPr>
+        <a:xfrm>
+          <a:off x="0" y="0"/>
+          <a:ext cx="0" cy="0"/>
+          <a:chOff x="0" y="0"/>
+          <a:chExt cx="0" cy="0"/>
+        </a:xfrm>
+      </p:grpSpPr>
+      <p:pic>
+        <p:nvPicPr>
+          <p:cNvPr id="2" name="Picture 1"/>
+          <p:cNvPicPr>
+            <a:picLocks noChangeAspect="1"/>
+          </p:cNvPicPr>
+          <p:nvPr/>
+        </p:nvPicPr>
+        <p:blipFill>
+          <a:blip r:embed="rId2"/>
+          <a:stretch>
+            <a:fillRect/>
+          </a:stretch>
+        </p:blipFill>
+        <p:spPr>
+          <a:xfrm>
+            <a:off x="1990725" y="1709737"/>
+            <a:ext cx="8210550" cy="3438525"/>
+          </a:xfrm>
+          <a:prstGeom prst="rect">
+            <a:avLst/>
+          </a:prstGeom>
+        </p:spPr>
+      </p:pic>
+    </p:spTree>
+    <p:extLst>
+      <p:ext uri="{BB962C8B-B14F-4D97-AF65-F5344CB8AC3E}">
+        <p14:creationId xmlns:p14="http://schemas.microsoft.com/office/powerpoint/2010/main" val="3832850532"/>
+      </p:ext>
+    </p:extLst>
+  </p:cSld>
+  <p:clrMapOvr>
+    <a:masterClrMapping/>
+  </p:clrMapOvr>
+</p:sld>
+</file>
+
+<file path=ppt/slides/slide4.xml><?xml version="1.0" encoding="utf-8"?>
 <p:sld xmlns:a="http://schemas.openxmlformats.org/drawingml/2006/main" xmlns:r="http://schemas.openxmlformats.org/officeDocument/2006/relationships" xmlns:p="http://schemas.openxmlformats.org/presentationml/2006/main">
   <p:cSld>
     <p:spTree>
@@ -5871,445 +6773,6 @@
   <p:clrMapOvr>
     <a:masterClrMapping/>
   </p:clrMapOvr>
-  <p:timing>
-    <p:tnLst>
-      <p:par>
-        <p:cTn id="1" dur="indefinite" restart="never" nodeType="tmRoot"/>
-      </p:par>
-    </p:tnLst>
-  </p:timing>
-</p:sld>
-</file>
-
-<file path=ppt/slides/slide20.xml><?xml version="1.0" encoding="utf-8"?>
-<p:sld xmlns:a="http://schemas.openxmlformats.org/drawingml/2006/main" xmlns:r="http://schemas.openxmlformats.org/officeDocument/2006/relationships" xmlns:p="http://schemas.openxmlformats.org/presentationml/2006/main">
-  <p:cSld>
-    <p:spTree>
-      <p:nvGrpSpPr>
-        <p:cNvPr id="1" name=""/>
-        <p:cNvGrpSpPr/>
-        <p:nvPr/>
-      </p:nvGrpSpPr>
-      <p:grpSpPr>
-        <a:xfrm>
-          <a:off x="0" y="0"/>
-          <a:ext cx="0" cy="0"/>
-          <a:chOff x="0" y="0"/>
-          <a:chExt cx="0" cy="0"/>
-        </a:xfrm>
-      </p:grpSpPr>
-      <p:pic>
-        <p:nvPicPr>
-          <p:cNvPr id="5" name="Picture 4"/>
-          <p:cNvPicPr>
-            <a:picLocks noChangeAspect="1"/>
-          </p:cNvPicPr>
-          <p:nvPr/>
-        </p:nvPicPr>
-        <p:blipFill>
-          <a:blip r:embed="rId2"/>
-          <a:stretch>
-            <a:fillRect/>
-          </a:stretch>
-        </p:blipFill>
-        <p:spPr>
-          <a:xfrm>
-            <a:off x="516206" y="93420"/>
-            <a:ext cx="5195513" cy="3600152"/>
-          </a:xfrm>
-          <a:prstGeom prst="rect">
-            <a:avLst/>
-          </a:prstGeom>
-        </p:spPr>
-      </p:pic>
-      <p:pic>
-        <p:nvPicPr>
-          <p:cNvPr id="6" name="Picture 5"/>
-          <p:cNvPicPr>
-            <a:picLocks noChangeAspect="1"/>
-          </p:cNvPicPr>
-          <p:nvPr/>
-        </p:nvPicPr>
-        <p:blipFill>
-          <a:blip r:embed="rId3"/>
-          <a:stretch>
-            <a:fillRect/>
-          </a:stretch>
-        </p:blipFill>
-        <p:spPr>
-          <a:xfrm>
-            <a:off x="1303386" y="1893496"/>
-            <a:ext cx="5216691" cy="3691921"/>
-          </a:xfrm>
-          <a:prstGeom prst="rect">
-            <a:avLst/>
-          </a:prstGeom>
-        </p:spPr>
-      </p:pic>
-      <p:pic>
-        <p:nvPicPr>
-          <p:cNvPr id="7" name="Picture 6"/>
-          <p:cNvPicPr>
-            <a:picLocks noChangeAspect="1"/>
-          </p:cNvPicPr>
-          <p:nvPr/>
-        </p:nvPicPr>
-        <p:blipFill>
-          <a:blip r:embed="rId4"/>
-          <a:stretch>
-            <a:fillRect/>
-          </a:stretch>
-        </p:blipFill>
-        <p:spPr>
-          <a:xfrm>
-            <a:off x="2430121" y="3368023"/>
-            <a:ext cx="5223751" cy="3649566"/>
-          </a:xfrm>
-          <a:prstGeom prst="rect">
-            <a:avLst/>
-          </a:prstGeom>
-        </p:spPr>
-      </p:pic>
-    </p:spTree>
-    <p:extLst>
-      <p:ext uri="{BB962C8B-B14F-4D97-AF65-F5344CB8AC3E}">
-        <p14:creationId xmlns:p14="http://schemas.microsoft.com/office/powerpoint/2010/main" val="2144517750"/>
-      </p:ext>
-    </p:extLst>
-  </p:cSld>
-  <p:clrMapOvr>
-    <a:masterClrMapping/>
-  </p:clrMapOvr>
-  <p:timing>
-    <p:tnLst>
-      <p:par>
-        <p:cTn id="1" dur="indefinite" restart="never" nodeType="tmRoot"/>
-      </p:par>
-    </p:tnLst>
-  </p:timing>
-</p:sld>
-</file>
-
-<file path=ppt/slides/slide21.xml><?xml version="1.0" encoding="utf-8"?>
-<p:sld xmlns:a="http://schemas.openxmlformats.org/drawingml/2006/main" xmlns:r="http://schemas.openxmlformats.org/officeDocument/2006/relationships" xmlns:p="http://schemas.openxmlformats.org/presentationml/2006/main">
-  <p:cSld>
-    <p:spTree>
-      <p:nvGrpSpPr>
-        <p:cNvPr id="1" name=""/>
-        <p:cNvGrpSpPr/>
-        <p:nvPr/>
-      </p:nvGrpSpPr>
-      <p:grpSpPr>
-        <a:xfrm>
-          <a:off x="0" y="0"/>
-          <a:ext cx="0" cy="0"/>
-          <a:chOff x="0" y="0"/>
-          <a:chExt cx="0" cy="0"/>
-        </a:xfrm>
-      </p:grpSpPr>
-      <p:pic>
-        <p:nvPicPr>
-          <p:cNvPr id="2" name="Picture 1"/>
-          <p:cNvPicPr>
-            <a:picLocks noChangeAspect="1"/>
-          </p:cNvPicPr>
-          <p:nvPr/>
-        </p:nvPicPr>
-        <p:blipFill>
-          <a:blip r:embed="rId2"/>
-          <a:stretch>
-            <a:fillRect/>
-          </a:stretch>
-        </p:blipFill>
-        <p:spPr>
-          <a:xfrm>
-            <a:off x="526797" y="204355"/>
-            <a:ext cx="5612226" cy="3898221"/>
-          </a:xfrm>
-          <a:prstGeom prst="rect">
-            <a:avLst/>
-          </a:prstGeom>
-        </p:spPr>
-      </p:pic>
-      <p:pic>
-        <p:nvPicPr>
-          <p:cNvPr id="3" name="Picture 2"/>
-          <p:cNvPicPr>
-            <a:picLocks noChangeAspect="1"/>
-          </p:cNvPicPr>
-          <p:nvPr/>
-        </p:nvPicPr>
-        <p:blipFill>
-          <a:blip r:embed="rId3"/>
-          <a:stretch>
-            <a:fillRect/>
-          </a:stretch>
-        </p:blipFill>
-        <p:spPr>
-          <a:xfrm>
-            <a:off x="1326092" y="2157257"/>
-            <a:ext cx="5589474" cy="3890638"/>
-          </a:xfrm>
-          <a:prstGeom prst="rect">
-            <a:avLst/>
-          </a:prstGeom>
-        </p:spPr>
-      </p:pic>
-      <p:pic>
-        <p:nvPicPr>
-          <p:cNvPr id="4" name="Picture 3"/>
-          <p:cNvPicPr>
-            <a:picLocks noChangeAspect="1"/>
-          </p:cNvPicPr>
-          <p:nvPr/>
-        </p:nvPicPr>
-        <p:blipFill>
-          <a:blip r:embed="rId4"/>
-          <a:stretch>
-            <a:fillRect/>
-          </a:stretch>
-        </p:blipFill>
-        <p:spPr>
-          <a:xfrm>
-            <a:off x="2736060" y="3697154"/>
-            <a:ext cx="5597058" cy="3905806"/>
-          </a:xfrm>
-          <a:prstGeom prst="rect">
-            <a:avLst/>
-          </a:prstGeom>
-        </p:spPr>
-      </p:pic>
-    </p:spTree>
-    <p:extLst>
-      <p:ext uri="{BB962C8B-B14F-4D97-AF65-F5344CB8AC3E}">
-        <p14:creationId xmlns:p14="http://schemas.microsoft.com/office/powerpoint/2010/main" val="1811844968"/>
-      </p:ext>
-    </p:extLst>
-  </p:cSld>
-  <p:clrMapOvr>
-    <a:masterClrMapping/>
-  </p:clrMapOvr>
-  <p:timing>
-    <p:tnLst>
-      <p:par>
-        <p:cTn id="1" dur="indefinite" restart="never" nodeType="tmRoot"/>
-      </p:par>
-    </p:tnLst>
-  </p:timing>
-</p:sld>
-</file>
-
-<file path=ppt/slides/slide3.xml><?xml version="1.0" encoding="utf-8"?>
-<p:sld xmlns:a="http://schemas.openxmlformats.org/drawingml/2006/main" xmlns:r="http://schemas.openxmlformats.org/officeDocument/2006/relationships" xmlns:p="http://schemas.openxmlformats.org/presentationml/2006/main">
-  <p:cSld>
-    <p:spTree>
-      <p:nvGrpSpPr>
-        <p:cNvPr id="1" name=""/>
-        <p:cNvGrpSpPr/>
-        <p:nvPr/>
-      </p:nvGrpSpPr>
-      <p:grpSpPr>
-        <a:xfrm>
-          <a:off x="0" y="0"/>
-          <a:ext cx="0" cy="0"/>
-          <a:chOff x="0" y="0"/>
-          <a:chExt cx="0" cy="0"/>
-        </a:xfrm>
-      </p:grpSpPr>
-      <p:pic>
-        <p:nvPicPr>
-          <p:cNvPr id="3" name="Picture 2"/>
-          <p:cNvPicPr>
-            <a:picLocks noChangeAspect="1"/>
-          </p:cNvPicPr>
-          <p:nvPr/>
-        </p:nvPicPr>
-        <p:blipFill>
-          <a:blip r:embed="rId2"/>
-          <a:stretch>
-            <a:fillRect/>
-          </a:stretch>
-        </p:blipFill>
-        <p:spPr>
-          <a:xfrm>
-            <a:off x="1595437" y="85725"/>
-            <a:ext cx="9001125" cy="6686550"/>
-          </a:xfrm>
-          <a:prstGeom prst="rect">
-            <a:avLst/>
-          </a:prstGeom>
-        </p:spPr>
-      </p:pic>
-      <p:sp>
-        <p:nvSpPr>
-          <p:cNvPr id="4" name="Rounded Rectangle 3"/>
-          <p:cNvSpPr/>
-          <p:nvPr/>
-        </p:nvSpPr>
-        <p:spPr>
-          <a:xfrm>
-            <a:off x="3624944" y="852871"/>
-            <a:ext cx="1279070" cy="268357"/>
-          </a:xfrm>
-          <a:prstGeom prst="roundRect">
-            <a:avLst/>
-          </a:prstGeom>
-          <a:noFill/>
-          <a:ln w="28575">
-            <a:solidFill>
-              <a:srgbClr val="FF0000"/>
-            </a:solidFill>
-          </a:ln>
-        </p:spPr>
-        <p:style>
-          <a:lnRef idx="2">
-            <a:schemeClr val="accent1">
-              <a:shade val="50000"/>
-            </a:schemeClr>
-          </a:lnRef>
-          <a:fillRef idx="1">
-            <a:schemeClr val="accent1"/>
-          </a:fillRef>
-          <a:effectRef idx="0">
-            <a:schemeClr val="accent1"/>
-          </a:effectRef>
-          <a:fontRef idx="minor">
-            <a:schemeClr val="lt1"/>
-          </a:fontRef>
-        </p:style>
-        <p:txBody>
-          <a:bodyPr rtlCol="0" anchor="ctr"/>
-          <a:lstStyle/>
-          <a:p>
-            <a:pPr algn="ctr"/>
-            <a:endParaRPr lang="en-US"/>
-          </a:p>
-        </p:txBody>
-      </p:sp>
-      <p:sp>
-        <p:nvSpPr>
-          <p:cNvPr id="5" name="Rounded Rectangle 4"/>
-          <p:cNvSpPr/>
-          <p:nvPr/>
-        </p:nvSpPr>
-        <p:spPr>
-          <a:xfrm>
-            <a:off x="3624943" y="2126499"/>
-            <a:ext cx="2046513" cy="377215"/>
-          </a:xfrm>
-          <a:prstGeom prst="roundRect">
-            <a:avLst/>
-          </a:prstGeom>
-          <a:noFill/>
-          <a:ln w="28575">
-            <a:solidFill>
-              <a:srgbClr val="FF0000"/>
-            </a:solidFill>
-          </a:ln>
-        </p:spPr>
-        <p:style>
-          <a:lnRef idx="2">
-            <a:schemeClr val="accent1">
-              <a:shade val="50000"/>
-            </a:schemeClr>
-          </a:lnRef>
-          <a:fillRef idx="1">
-            <a:schemeClr val="accent1"/>
-          </a:fillRef>
-          <a:effectRef idx="0">
-            <a:schemeClr val="accent1"/>
-          </a:effectRef>
-          <a:fontRef idx="minor">
-            <a:schemeClr val="lt1"/>
-          </a:fontRef>
-        </p:style>
-        <p:txBody>
-          <a:bodyPr rtlCol="0" anchor="ctr"/>
-          <a:lstStyle/>
-          <a:p>
-            <a:pPr algn="ctr"/>
-            <a:endParaRPr lang="en-US"/>
-          </a:p>
-        </p:txBody>
-      </p:sp>
-    </p:spTree>
-    <p:extLst>
-      <p:ext uri="{BB962C8B-B14F-4D97-AF65-F5344CB8AC3E}">
-        <p14:creationId xmlns:p14="http://schemas.microsoft.com/office/powerpoint/2010/main" val="3875974868"/>
-      </p:ext>
-    </p:extLst>
-  </p:cSld>
-  <p:clrMapOvr>
-    <a:masterClrMapping/>
-  </p:clrMapOvr>
-  <p:timing>
-    <p:tnLst>
-      <p:par>
-        <p:cTn id="1" dur="indefinite" restart="never" nodeType="tmRoot"/>
-      </p:par>
-    </p:tnLst>
-  </p:timing>
-</p:sld>
-</file>
-
-<file path=ppt/slides/slide4.xml><?xml version="1.0" encoding="utf-8"?>
-<p:sld xmlns:a="http://schemas.openxmlformats.org/drawingml/2006/main" xmlns:r="http://schemas.openxmlformats.org/officeDocument/2006/relationships" xmlns:p="http://schemas.openxmlformats.org/presentationml/2006/main">
-  <p:cSld>
-    <p:spTree>
-      <p:nvGrpSpPr>
-        <p:cNvPr id="1" name=""/>
-        <p:cNvGrpSpPr/>
-        <p:nvPr/>
-      </p:nvGrpSpPr>
-      <p:grpSpPr>
-        <a:xfrm>
-          <a:off x="0" y="0"/>
-          <a:ext cx="0" cy="0"/>
-          <a:chOff x="0" y="0"/>
-          <a:chExt cx="0" cy="0"/>
-        </a:xfrm>
-      </p:grpSpPr>
-      <p:pic>
-        <p:nvPicPr>
-          <p:cNvPr id="4" name="Picture 3"/>
-          <p:cNvPicPr>
-            <a:picLocks noChangeAspect="1"/>
-          </p:cNvPicPr>
-          <p:nvPr/>
-        </p:nvPicPr>
-        <p:blipFill>
-          <a:blip r:embed="rId2"/>
-          <a:stretch>
-            <a:fillRect/>
-          </a:stretch>
-        </p:blipFill>
-        <p:spPr>
-          <a:xfrm>
-            <a:off x="2571750" y="966787"/>
-            <a:ext cx="7048500" cy="4924425"/>
-          </a:xfrm>
-          <a:prstGeom prst="rect">
-            <a:avLst/>
-          </a:prstGeom>
-        </p:spPr>
-      </p:pic>
-    </p:spTree>
-    <p:extLst>
-      <p:ext uri="{BB962C8B-B14F-4D97-AF65-F5344CB8AC3E}">
-        <p14:creationId xmlns:p14="http://schemas.microsoft.com/office/powerpoint/2010/main" val="3777630280"/>
-      </p:ext>
-    </p:extLst>
-  </p:cSld>
-  <p:clrMapOvr>
-    <a:masterClrMapping/>
-  </p:clrMapOvr>
-  <p:timing>
-    <p:tnLst>
-      <p:par>
-        <p:cTn id="1" dur="indefinite" restart="never" nodeType="tmRoot"/>
-      </p:par>
-    </p:tnLst>
-  </p:timing>
 </p:sld>
 </file>
 
@@ -6346,6 +6809,206 @@
         </p:blipFill>
         <p:spPr>
           <a:xfrm>
+            <a:off x="1595437" y="85725"/>
+            <a:ext cx="9001125" cy="6686550"/>
+          </a:xfrm>
+          <a:prstGeom prst="rect">
+            <a:avLst/>
+          </a:prstGeom>
+        </p:spPr>
+      </p:pic>
+      <p:sp>
+        <p:nvSpPr>
+          <p:cNvPr id="4" name="Rounded Rectangle 3"/>
+          <p:cNvSpPr/>
+          <p:nvPr/>
+        </p:nvSpPr>
+        <p:spPr>
+          <a:xfrm>
+            <a:off x="3624944" y="852871"/>
+            <a:ext cx="1279070" cy="268357"/>
+          </a:xfrm>
+          <a:prstGeom prst="roundRect">
+            <a:avLst/>
+          </a:prstGeom>
+          <a:noFill/>
+          <a:ln w="28575">
+            <a:solidFill>
+              <a:srgbClr val="FF0000"/>
+            </a:solidFill>
+          </a:ln>
+        </p:spPr>
+        <p:style>
+          <a:lnRef idx="2">
+            <a:schemeClr val="accent1">
+              <a:shade val="50000"/>
+            </a:schemeClr>
+          </a:lnRef>
+          <a:fillRef idx="1">
+            <a:schemeClr val="accent1"/>
+          </a:fillRef>
+          <a:effectRef idx="0">
+            <a:schemeClr val="accent1"/>
+          </a:effectRef>
+          <a:fontRef idx="minor">
+            <a:schemeClr val="lt1"/>
+          </a:fontRef>
+        </p:style>
+        <p:txBody>
+          <a:bodyPr rtlCol="0" anchor="ctr"/>
+          <a:lstStyle/>
+          <a:p>
+            <a:pPr algn="ctr"/>
+            <a:endParaRPr lang="en-US"/>
+          </a:p>
+        </p:txBody>
+      </p:sp>
+      <p:sp>
+        <p:nvSpPr>
+          <p:cNvPr id="5" name="Rounded Rectangle 4"/>
+          <p:cNvSpPr/>
+          <p:nvPr/>
+        </p:nvSpPr>
+        <p:spPr>
+          <a:xfrm>
+            <a:off x="3624943" y="2126499"/>
+            <a:ext cx="2046513" cy="377215"/>
+          </a:xfrm>
+          <a:prstGeom prst="roundRect">
+            <a:avLst/>
+          </a:prstGeom>
+          <a:noFill/>
+          <a:ln w="28575">
+            <a:solidFill>
+              <a:srgbClr val="FF0000"/>
+            </a:solidFill>
+          </a:ln>
+        </p:spPr>
+        <p:style>
+          <a:lnRef idx="2">
+            <a:schemeClr val="accent1">
+              <a:shade val="50000"/>
+            </a:schemeClr>
+          </a:lnRef>
+          <a:fillRef idx="1">
+            <a:schemeClr val="accent1"/>
+          </a:fillRef>
+          <a:effectRef idx="0">
+            <a:schemeClr val="accent1"/>
+          </a:effectRef>
+          <a:fontRef idx="minor">
+            <a:schemeClr val="lt1"/>
+          </a:fontRef>
+        </p:style>
+        <p:txBody>
+          <a:bodyPr rtlCol="0" anchor="ctr"/>
+          <a:lstStyle/>
+          <a:p>
+            <a:pPr algn="ctr"/>
+            <a:endParaRPr lang="en-US"/>
+          </a:p>
+        </p:txBody>
+      </p:sp>
+    </p:spTree>
+    <p:extLst>
+      <p:ext uri="{BB962C8B-B14F-4D97-AF65-F5344CB8AC3E}">
+        <p14:creationId xmlns:p14="http://schemas.microsoft.com/office/powerpoint/2010/main" val="3875974868"/>
+      </p:ext>
+    </p:extLst>
+  </p:cSld>
+  <p:clrMapOvr>
+    <a:masterClrMapping/>
+  </p:clrMapOvr>
+</p:sld>
+</file>
+
+<file path=ppt/slides/slide6.xml><?xml version="1.0" encoding="utf-8"?>
+<p:sld xmlns:a="http://schemas.openxmlformats.org/drawingml/2006/main" xmlns:r="http://schemas.openxmlformats.org/officeDocument/2006/relationships" xmlns:p="http://schemas.openxmlformats.org/presentationml/2006/main">
+  <p:cSld>
+    <p:spTree>
+      <p:nvGrpSpPr>
+        <p:cNvPr id="1" name=""/>
+        <p:cNvGrpSpPr/>
+        <p:nvPr/>
+      </p:nvGrpSpPr>
+      <p:grpSpPr>
+        <a:xfrm>
+          <a:off x="0" y="0"/>
+          <a:ext cx="0" cy="0"/>
+          <a:chOff x="0" y="0"/>
+          <a:chExt cx="0" cy="0"/>
+        </a:xfrm>
+      </p:grpSpPr>
+      <p:pic>
+        <p:nvPicPr>
+          <p:cNvPr id="4" name="Picture 3"/>
+          <p:cNvPicPr>
+            <a:picLocks noChangeAspect="1"/>
+          </p:cNvPicPr>
+          <p:nvPr/>
+        </p:nvPicPr>
+        <p:blipFill>
+          <a:blip r:embed="rId2"/>
+          <a:stretch>
+            <a:fillRect/>
+          </a:stretch>
+        </p:blipFill>
+        <p:spPr>
+          <a:xfrm>
+            <a:off x="2571750" y="966787"/>
+            <a:ext cx="7048500" cy="4924425"/>
+          </a:xfrm>
+          <a:prstGeom prst="rect">
+            <a:avLst/>
+          </a:prstGeom>
+        </p:spPr>
+      </p:pic>
+    </p:spTree>
+    <p:extLst>
+      <p:ext uri="{BB962C8B-B14F-4D97-AF65-F5344CB8AC3E}">
+        <p14:creationId xmlns:p14="http://schemas.microsoft.com/office/powerpoint/2010/main" val="3777630280"/>
+      </p:ext>
+    </p:extLst>
+  </p:cSld>
+  <p:clrMapOvr>
+    <a:masterClrMapping/>
+  </p:clrMapOvr>
+</p:sld>
+</file>
+
+<file path=ppt/slides/slide7.xml><?xml version="1.0" encoding="utf-8"?>
+<p:sld xmlns:a="http://schemas.openxmlformats.org/drawingml/2006/main" xmlns:r="http://schemas.openxmlformats.org/officeDocument/2006/relationships" xmlns:p="http://schemas.openxmlformats.org/presentationml/2006/main">
+  <p:cSld>
+    <p:spTree>
+      <p:nvGrpSpPr>
+        <p:cNvPr id="1" name=""/>
+        <p:cNvGrpSpPr/>
+        <p:nvPr/>
+      </p:nvGrpSpPr>
+      <p:grpSpPr>
+        <a:xfrm>
+          <a:off x="0" y="0"/>
+          <a:ext cx="0" cy="0"/>
+          <a:chOff x="0" y="0"/>
+          <a:chExt cx="0" cy="0"/>
+        </a:xfrm>
+      </p:grpSpPr>
+      <p:pic>
+        <p:nvPicPr>
+          <p:cNvPr id="3" name="Picture 2"/>
+          <p:cNvPicPr>
+            <a:picLocks noChangeAspect="1"/>
+          </p:cNvPicPr>
+          <p:nvPr/>
+        </p:nvPicPr>
+        <p:blipFill>
+          <a:blip r:embed="rId2"/>
+          <a:stretch>
+            <a:fillRect/>
+          </a:stretch>
+        </p:blipFill>
+        <p:spPr>
+          <a:xfrm>
             <a:off x="2571750" y="966787"/>
             <a:ext cx="7048500" cy="4924425"/>
           </a:xfrm>
@@ -6364,17 +7027,10 @@
   <p:clrMapOvr>
     <a:masterClrMapping/>
   </p:clrMapOvr>
-  <p:timing>
-    <p:tnLst>
-      <p:par>
-        <p:cTn id="1" dur="indefinite" restart="never" nodeType="tmRoot"/>
-      </p:par>
-    </p:tnLst>
-  </p:timing>
 </p:sld>
 </file>
 
-<file path=ppt/slides/slide6.xml><?xml version="1.0" encoding="utf-8"?>
+<file path=ppt/slides/slide8.xml><?xml version="1.0" encoding="utf-8"?>
 <p:sld xmlns:a="http://schemas.openxmlformats.org/drawingml/2006/main" xmlns:r="http://schemas.openxmlformats.org/officeDocument/2006/relationships" xmlns:p="http://schemas.openxmlformats.org/presentationml/2006/main">
   <p:cSld>
     <p:spTree>
@@ -6471,17 +7127,10 @@
   <p:clrMapOvr>
     <a:masterClrMapping/>
   </p:clrMapOvr>
-  <p:timing>
-    <p:tnLst>
-      <p:par>
-        <p:cTn id="1" dur="indefinite" restart="never" nodeType="tmRoot"/>
-      </p:par>
-    </p:tnLst>
-  </p:timing>
 </p:sld>
 </file>
 
-<file path=ppt/slides/slide7.xml><?xml version="1.0" encoding="utf-8"?>
+<file path=ppt/slides/slide9.xml><?xml version="1.0" encoding="utf-8"?>
 <p:sld xmlns:a="http://schemas.openxmlformats.org/drawingml/2006/main" xmlns:r="http://schemas.openxmlformats.org/officeDocument/2006/relationships" xmlns:p="http://schemas.openxmlformats.org/presentationml/2006/main">
   <p:cSld>
     <p:spTree>
@@ -6624,181 +7273,6 @@
   <p:clrMapOvr>
     <a:masterClrMapping/>
   </p:clrMapOvr>
-  <p:timing>
-    <p:tnLst>
-      <p:par>
-        <p:cTn id="1" dur="indefinite" restart="never" nodeType="tmRoot"/>
-      </p:par>
-    </p:tnLst>
-  </p:timing>
-</p:sld>
-</file>
-
-<file path=ppt/slides/slide8.xml><?xml version="1.0" encoding="utf-8"?>
-<p:sld xmlns:a="http://schemas.openxmlformats.org/drawingml/2006/main" xmlns:r="http://schemas.openxmlformats.org/officeDocument/2006/relationships" xmlns:p="http://schemas.openxmlformats.org/presentationml/2006/main">
-  <p:cSld>
-    <p:spTree>
-      <p:nvGrpSpPr>
-        <p:cNvPr id="1" name=""/>
-        <p:cNvGrpSpPr/>
-        <p:nvPr/>
-      </p:nvGrpSpPr>
-      <p:grpSpPr>
-        <a:xfrm>
-          <a:off x="0" y="0"/>
-          <a:ext cx="0" cy="0"/>
-          <a:chOff x="0" y="0"/>
-          <a:chExt cx="0" cy="0"/>
-        </a:xfrm>
-      </p:grpSpPr>
-      <p:pic>
-        <p:nvPicPr>
-          <p:cNvPr id="3" name="Picture 2"/>
-          <p:cNvPicPr>
-            <a:picLocks noChangeAspect="1"/>
-          </p:cNvPicPr>
-          <p:nvPr/>
-        </p:nvPicPr>
-        <p:blipFill>
-          <a:blip r:embed="rId2"/>
-          <a:stretch>
-            <a:fillRect/>
-          </a:stretch>
-        </p:blipFill>
-        <p:spPr>
-          <a:xfrm>
-            <a:off x="3238500" y="1838325"/>
-            <a:ext cx="5715000" cy="3181350"/>
-          </a:xfrm>
-          <a:prstGeom prst="rect">
-            <a:avLst/>
-          </a:prstGeom>
-        </p:spPr>
-      </p:pic>
-      <p:sp>
-        <p:nvSpPr>
-          <p:cNvPr id="6" name="Rounded Rectangle 5"/>
-          <p:cNvSpPr/>
-          <p:nvPr/>
-        </p:nvSpPr>
-        <p:spPr>
-          <a:xfrm>
-            <a:off x="3124863" y="3959750"/>
-            <a:ext cx="3753015" cy="226237"/>
-          </a:xfrm>
-          <a:prstGeom prst="roundRect">
-            <a:avLst/>
-          </a:prstGeom>
-          <a:noFill/>
-          <a:ln w="28575">
-            <a:solidFill>
-              <a:srgbClr val="FF0000"/>
-            </a:solidFill>
-          </a:ln>
-        </p:spPr>
-        <p:style>
-          <a:lnRef idx="2">
-            <a:schemeClr val="accent1">
-              <a:shade val="50000"/>
-            </a:schemeClr>
-          </a:lnRef>
-          <a:fillRef idx="1">
-            <a:schemeClr val="accent1"/>
-          </a:fillRef>
-          <a:effectRef idx="0">
-            <a:schemeClr val="accent1"/>
-          </a:effectRef>
-          <a:fontRef idx="minor">
-            <a:schemeClr val="lt1"/>
-          </a:fontRef>
-        </p:style>
-        <p:txBody>
-          <a:bodyPr rtlCol="0" anchor="ctr"/>
-          <a:lstStyle/>
-          <a:p>
-            <a:pPr algn="ctr"/>
-            <a:endParaRPr lang="en-US"/>
-          </a:p>
-        </p:txBody>
-      </p:sp>
-    </p:spTree>
-    <p:extLst>
-      <p:ext uri="{BB962C8B-B14F-4D97-AF65-F5344CB8AC3E}">
-        <p14:creationId xmlns:p14="http://schemas.microsoft.com/office/powerpoint/2010/main" val="91684731"/>
-      </p:ext>
-    </p:extLst>
-  </p:cSld>
-  <p:clrMapOvr>
-    <a:masterClrMapping/>
-  </p:clrMapOvr>
-  <p:timing>
-    <p:tnLst>
-      <p:par>
-        <p:cTn id="1" dur="indefinite" restart="never" nodeType="tmRoot"/>
-      </p:par>
-    </p:tnLst>
-  </p:timing>
-</p:sld>
-</file>
-
-<file path=ppt/slides/slide9.xml><?xml version="1.0" encoding="utf-8"?>
-<p:sld xmlns:a="http://schemas.openxmlformats.org/drawingml/2006/main" xmlns:r="http://schemas.openxmlformats.org/officeDocument/2006/relationships" xmlns:p="http://schemas.openxmlformats.org/presentationml/2006/main">
-  <p:cSld>
-    <p:spTree>
-      <p:nvGrpSpPr>
-        <p:cNvPr id="1" name=""/>
-        <p:cNvGrpSpPr/>
-        <p:nvPr/>
-      </p:nvGrpSpPr>
-      <p:grpSpPr>
-        <a:xfrm>
-          <a:off x="0" y="0"/>
-          <a:ext cx="0" cy="0"/>
-          <a:chOff x="0" y="0"/>
-          <a:chExt cx="0" cy="0"/>
-        </a:xfrm>
-      </p:grpSpPr>
-      <p:pic>
-        <p:nvPicPr>
-          <p:cNvPr id="2" name="Picture 1"/>
-          <p:cNvPicPr>
-            <a:picLocks noChangeAspect="1"/>
-          </p:cNvPicPr>
-          <p:nvPr/>
-        </p:nvPicPr>
-        <p:blipFill>
-          <a:blip r:embed="rId2"/>
-          <a:stretch>
-            <a:fillRect/>
-          </a:stretch>
-        </p:blipFill>
-        <p:spPr>
-          <a:xfrm>
-            <a:off x="3247627" y="1823813"/>
-            <a:ext cx="5696745" cy="3210373"/>
-          </a:xfrm>
-          <a:prstGeom prst="rect">
-            <a:avLst/>
-          </a:prstGeom>
-        </p:spPr>
-      </p:pic>
-    </p:spTree>
-    <p:extLst>
-      <p:ext uri="{BB962C8B-B14F-4D97-AF65-F5344CB8AC3E}">
-        <p14:creationId xmlns:p14="http://schemas.microsoft.com/office/powerpoint/2010/main" val="3335592055"/>
-      </p:ext>
-    </p:extLst>
-  </p:cSld>
-  <p:clrMapOvr>
-    <a:masterClrMapping/>
-  </p:clrMapOvr>
-  <p:timing>
-    <p:tnLst>
-      <p:par>
-        <p:cTn id="1" dur="indefinite" restart="never" nodeType="tmRoot"/>
-      </p:par>
-    </p:tnLst>
-  </p:timing>
 </p:sld>
 </file>
 
